--- a/PPT/DeepLearning15-Others.pptx
+++ b/PPT/DeepLearning15-Others.pptx
@@ -18,10 +18,10 @@
     <p:sldId id="268" r:id="rId6"/>
     <p:sldId id="269" r:id="rId7"/>
     <p:sldId id="270" r:id="rId8"/>
-    <p:sldId id="271" r:id="rId9"/>
-    <p:sldId id="272" r:id="rId10"/>
-    <p:sldId id="273" r:id="rId11"/>
-    <p:sldId id="274" r:id="rId12"/>
+    <p:sldId id="277" r:id="rId9"/>
+    <p:sldId id="271" r:id="rId10"/>
+    <p:sldId id="272" r:id="rId11"/>
+    <p:sldId id="273" r:id="rId12"/>
     <p:sldId id="275" r:id="rId13"/>
     <p:sldId id="276" r:id="rId14"/>
   </p:sldIdLst>
@@ -3701,13 +3701,8 @@
             <a:pPr eaLnBrk="1" hangingPunct="1"/>
             <a:r>
               <a:rPr lang="fr-FR" altLang="fr-FR" dirty="0" smtClean="0"/>
-              <a:t>Chapitre </a:t>
-            </a:r>
-            <a:r>
-              <a:rPr lang="fr-FR" altLang="fr-FR" dirty="0" smtClean="0"/>
-              <a:t>15</a:t>
-            </a:r>
-            <a:endParaRPr lang="fr-FR" altLang="fr-FR" dirty="0" smtClean="0"/>
+              <a:t>Chapitre 15</a:t>
+            </a:r>
           </a:p>
           <a:p>
             <a:pPr eaLnBrk="1" hangingPunct="1"/>
@@ -3715,7 +3710,6 @@
               <a:rPr lang="fr-FR" altLang="fr-FR" dirty="0" smtClean="0"/>
               <a:t>Autres</a:t>
             </a:r>
-            <a:endParaRPr lang="fr-FR" altLang="fr-FR" dirty="0" smtClean="0"/>
           </a:p>
         </p:txBody>
       </p:sp>
@@ -3834,1779 +3828,6 @@
 </file>
 
 <file path=ppt/slides/slide10.xml><?xml version="1.0" encoding="utf-8"?>
-<p:sld xmlns:a="http://schemas.openxmlformats.org/drawingml/2006/main" xmlns:r="http://schemas.openxmlformats.org/officeDocument/2006/relationships" xmlns:p="http://schemas.openxmlformats.org/presentationml/2006/main">
-  <p:cSld>
-    <p:spTree>
-      <p:nvGrpSpPr>
-        <p:cNvPr id="1" name=""/>
-        <p:cNvGrpSpPr/>
-        <p:nvPr/>
-      </p:nvGrpSpPr>
-      <p:grpSpPr>
-        <a:xfrm>
-          <a:off x="0" y="0"/>
-          <a:ext cx="0" cy="0"/>
-          <a:chOff x="0" y="0"/>
-          <a:chExt cx="0" cy="0"/>
-        </a:xfrm>
-      </p:grpSpPr>
-      <p:sp>
-        <p:nvSpPr>
-          <p:cNvPr id="2" name="Titre 1"/>
-          <p:cNvSpPr>
-            <a:spLocks noGrp="1"/>
-          </p:cNvSpPr>
-          <p:nvPr>
-            <p:ph type="title"/>
-          </p:nvPr>
-        </p:nvSpPr>
-        <p:spPr/>
-        <p:txBody>
-          <a:bodyPr/>
-          <a:lstStyle/>
-          <a:p>
-            <a:r>
-              <a:rPr lang="fr-FR" dirty="0" smtClean="0"/>
-              <a:t>LSTM</a:t>
-            </a:r>
-            <a:endParaRPr lang="fr-FR" dirty="0"/>
-          </a:p>
-        </p:txBody>
-      </p:sp>
-      <p:sp>
-        <p:nvSpPr>
-          <p:cNvPr id="3" name="Espace réservé du contenu 2"/>
-          <p:cNvSpPr>
-            <a:spLocks noGrp="1"/>
-          </p:cNvSpPr>
-          <p:nvPr>
-            <p:ph idx="1"/>
-          </p:nvPr>
-        </p:nvSpPr>
-        <p:spPr/>
-        <p:txBody>
-          <a:bodyPr/>
-          <a:lstStyle/>
-          <a:p>
-            <a:r>
-              <a:rPr lang="fr-FR" dirty="0" smtClean="0"/>
-              <a:t>De nombreuses variantes existent</a:t>
-            </a:r>
-            <a:endParaRPr lang="fr-FR" dirty="0"/>
-          </a:p>
-        </p:txBody>
-      </p:sp>
-      <p:pic>
-        <p:nvPicPr>
-          <p:cNvPr id="4098" name="Picture 2" descr="A gated recurrent unit neural network."/>
-          <p:cNvPicPr>
-            <a:picLocks noChangeAspect="1" noChangeArrowheads="1"/>
-          </p:cNvPicPr>
-          <p:nvPr/>
-        </p:nvPicPr>
-        <p:blipFill>
-          <a:blip r:embed="rId2">
-            <a:extLst>
-              <a:ext uri="{28A0092B-C50C-407E-A947-70E740481C1C}">
-                <a14:useLocalDpi xmlns:a14="http://schemas.microsoft.com/office/drawing/2010/main" val="0"/>
-              </a:ext>
-            </a:extLst>
-          </a:blip>
-          <a:srcRect/>
-          <a:stretch>
-            <a:fillRect/>
-          </a:stretch>
-        </p:blipFill>
-        <p:spPr bwMode="auto">
-          <a:xfrm>
-            <a:off x="366156" y="2492896"/>
-            <a:ext cx="8392762" cy="2592288"/>
-          </a:xfrm>
-          <a:prstGeom prst="rect">
-            <a:avLst/>
-          </a:prstGeom>
-          <a:noFill/>
-          <a:extLst>
-            <a:ext uri="{909E8E84-426E-40DD-AFC4-6F175D3DCCD1}">
-              <a14:hiddenFill xmlns:a14="http://schemas.microsoft.com/office/drawing/2010/main">
-                <a:solidFill>
-                  <a:srgbClr val="FFFFFF"/>
-                </a:solidFill>
-              </a14:hiddenFill>
-            </a:ext>
-          </a:extLst>
-        </p:spPr>
-      </p:pic>
-    </p:spTree>
-    <p:extLst>
-      <p:ext uri="{BB962C8B-B14F-4D97-AF65-F5344CB8AC3E}">
-        <p14:creationId xmlns:p14="http://schemas.microsoft.com/office/powerpoint/2010/main" val="3434878875"/>
-      </p:ext>
-    </p:extLst>
-  </p:cSld>
-  <p:clrMapOvr>
-    <a:masterClrMapping/>
-  </p:clrMapOvr>
-</p:sld>
-</file>
-
-<file path=ppt/slides/slide11.xml><?xml version="1.0" encoding="utf-8"?>
-<p:sld xmlns:a="http://schemas.openxmlformats.org/drawingml/2006/main" xmlns:r="http://schemas.openxmlformats.org/officeDocument/2006/relationships" xmlns:p="http://schemas.openxmlformats.org/presentationml/2006/main">
-  <p:cSld>
-    <p:spTree>
-      <p:nvGrpSpPr>
-        <p:cNvPr id="1" name=""/>
-        <p:cNvGrpSpPr/>
-        <p:nvPr/>
-      </p:nvGrpSpPr>
-      <p:grpSpPr>
-        <a:xfrm>
-          <a:off x="0" y="0"/>
-          <a:ext cx="0" cy="0"/>
-          <a:chOff x="0" y="0"/>
-          <a:chExt cx="0" cy="0"/>
-        </a:xfrm>
-      </p:grpSpPr>
-      <p:sp>
-        <p:nvSpPr>
-          <p:cNvPr id="2" name="Titre 1"/>
-          <p:cNvSpPr>
-            <a:spLocks noGrp="1"/>
-          </p:cNvSpPr>
-          <p:nvPr>
-            <p:ph type="title"/>
-          </p:nvPr>
-        </p:nvSpPr>
-        <p:spPr/>
-        <p:txBody>
-          <a:bodyPr/>
-          <a:lstStyle/>
-          <a:p>
-            <a:r>
-              <a:rPr lang="fr-FR" dirty="0" smtClean="0"/>
-              <a:t>CRNN</a:t>
-            </a:r>
-            <a:endParaRPr lang="fr-FR" dirty="0"/>
-          </a:p>
-        </p:txBody>
-      </p:sp>
-      <p:sp>
-        <p:nvSpPr>
-          <p:cNvPr id="3" name="Espace réservé du contenu 2"/>
-          <p:cNvSpPr>
-            <a:spLocks noGrp="1"/>
-          </p:cNvSpPr>
-          <p:nvPr>
-            <p:ph idx="1"/>
-          </p:nvPr>
-        </p:nvSpPr>
-        <p:spPr/>
-        <p:txBody>
-          <a:bodyPr/>
-          <a:lstStyle/>
-          <a:p>
-            <a:r>
-              <a:rPr lang="fr-FR" dirty="0" smtClean="0"/>
-              <a:t>RNN</a:t>
-            </a:r>
-          </a:p>
-          <a:p>
-            <a:pPr lvl="1"/>
-            <a:r>
-              <a:rPr lang="fr-FR" dirty="0" err="1" smtClean="0"/>
-              <a:t>Recurent</a:t>
-            </a:r>
-            <a:r>
-              <a:rPr lang="fr-FR" dirty="0" smtClean="0"/>
-              <a:t> Neural Network</a:t>
-            </a:r>
-          </a:p>
-          <a:p>
-            <a:pPr lvl="1"/>
-            <a:r>
-              <a:rPr lang="fr-FR" dirty="0" smtClean="0"/>
-              <a:t>Réseau sous forme de graphe et non d'arbre</a:t>
-            </a:r>
-          </a:p>
-          <a:p>
-            <a:r>
-              <a:rPr lang="fr-FR" dirty="0" err="1" smtClean="0"/>
-              <a:t>Convulational</a:t>
-            </a:r>
-            <a:r>
-              <a:rPr lang="fr-FR" dirty="0" smtClean="0"/>
-              <a:t> </a:t>
-            </a:r>
-            <a:r>
-              <a:rPr lang="fr-FR" dirty="0" err="1" smtClean="0"/>
-              <a:t>Recurent</a:t>
-            </a:r>
-            <a:r>
-              <a:rPr lang="fr-FR" dirty="0" smtClean="0"/>
-              <a:t> Neural Network</a:t>
-            </a:r>
-          </a:p>
-          <a:p>
-            <a:pPr lvl="1"/>
-            <a:r>
-              <a:rPr lang="fr-FR" dirty="0" smtClean="0"/>
-              <a:t>CNN + RNN = CRNN</a:t>
-            </a:r>
-          </a:p>
-          <a:p>
-            <a:r>
-              <a:rPr lang="fr-FR" dirty="0" smtClean="0"/>
-              <a:t>Réseaux </a:t>
-            </a:r>
-            <a:r>
-              <a:rPr lang="fr-FR" dirty="0" err="1" smtClean="0"/>
-              <a:t>circonvolutif</a:t>
-            </a:r>
-            <a:endParaRPr lang="fr-FR" dirty="0" smtClean="0"/>
-          </a:p>
-          <a:p>
-            <a:pPr lvl="1"/>
-            <a:r>
-              <a:rPr lang="fr-FR" dirty="0" smtClean="0"/>
-              <a:t>Le triplet </a:t>
-            </a:r>
-            <a:r>
-              <a:rPr lang="fr-FR" dirty="0" err="1" smtClean="0"/>
-              <a:t>Conv</a:t>
-            </a:r>
-            <a:r>
-              <a:rPr lang="fr-FR" dirty="0" smtClean="0"/>
-              <a:t> - </a:t>
-            </a:r>
-            <a:r>
-              <a:rPr lang="fr-FR" dirty="0" err="1" smtClean="0"/>
-              <a:t>Regularization</a:t>
-            </a:r>
-            <a:r>
-              <a:rPr lang="fr-FR" dirty="0" smtClean="0"/>
-              <a:t> - Pool est répété en boucle + CRNN</a:t>
-            </a:r>
-          </a:p>
-          <a:p>
-            <a:r>
-              <a:rPr lang="fr-FR" dirty="0" smtClean="0"/>
-              <a:t>GRU</a:t>
-            </a:r>
-          </a:p>
-          <a:p>
-            <a:pPr lvl="1"/>
-            <a:r>
-              <a:rPr lang="fr-FR" dirty="0" err="1" smtClean="0"/>
-              <a:t>Gated</a:t>
-            </a:r>
-            <a:r>
-              <a:rPr lang="fr-FR" dirty="0" smtClean="0"/>
-              <a:t> </a:t>
-            </a:r>
-            <a:r>
-              <a:rPr lang="fr-FR" dirty="0" err="1"/>
-              <a:t>Recurrent</a:t>
-            </a:r>
-            <a:r>
-              <a:rPr lang="fr-FR" dirty="0"/>
-              <a:t> </a:t>
-            </a:r>
-            <a:r>
-              <a:rPr lang="fr-FR" dirty="0" smtClean="0"/>
-              <a:t>Unit </a:t>
-            </a:r>
-            <a:endParaRPr lang="fr-FR" dirty="0"/>
-          </a:p>
-          <a:p>
-            <a:pPr lvl="1"/>
-            <a:r>
-              <a:rPr lang="fr-FR" dirty="0"/>
-              <a:t>Il s'agit d'un RNN </a:t>
-            </a:r>
-            <a:r>
-              <a:rPr lang="fr-FR" dirty="0" smtClean="0"/>
-              <a:t>avec une porte de sortie</a:t>
-            </a:r>
-            <a:endParaRPr lang="fr-FR" dirty="0"/>
-          </a:p>
-          <a:p>
-            <a:endParaRPr lang="fr-FR" dirty="0" smtClean="0"/>
-          </a:p>
-          <a:p>
-            <a:endParaRPr lang="fr-FR" dirty="0" smtClean="0"/>
-          </a:p>
-          <a:p>
-            <a:pPr lvl="1"/>
-            <a:endParaRPr lang="fr-FR" dirty="0"/>
-          </a:p>
-        </p:txBody>
-      </p:sp>
-      <p:pic>
-        <p:nvPicPr>
-          <p:cNvPr id="1026" name="Picture 2" descr="https://upload.wikimedia.org/wikipedia/commons/8/8f/Elman_srnn.png"/>
-          <p:cNvPicPr>
-            <a:picLocks noChangeAspect="1" noChangeArrowheads="1"/>
-          </p:cNvPicPr>
-          <p:nvPr/>
-        </p:nvPicPr>
-        <p:blipFill>
-          <a:blip r:embed="rId2" cstate="print">
-            <a:extLst>
-              <a:ext uri="{28A0092B-C50C-407E-A947-70E740481C1C}">
-                <a14:useLocalDpi xmlns:a14="http://schemas.microsoft.com/office/drawing/2010/main" val="0"/>
-              </a:ext>
-            </a:extLst>
-          </a:blip>
-          <a:srcRect/>
-          <a:stretch>
-            <a:fillRect/>
-          </a:stretch>
-        </p:blipFill>
-        <p:spPr bwMode="auto">
-          <a:xfrm>
-            <a:off x="7049418" y="1700808"/>
-            <a:ext cx="1896145" cy="2099002"/>
-          </a:xfrm>
-          <a:prstGeom prst="rect">
-            <a:avLst/>
-          </a:prstGeom>
-          <a:noFill/>
-          <a:extLst>
-            <a:ext uri="{909E8E84-426E-40DD-AFC4-6F175D3DCCD1}">
-              <a14:hiddenFill xmlns:a14="http://schemas.microsoft.com/office/drawing/2010/main">
-                <a:solidFill>
-                  <a:srgbClr val="FFFFFF"/>
-                </a:solidFill>
-              </a14:hiddenFill>
-            </a:ext>
-          </a:extLst>
-        </p:spPr>
-      </p:pic>
-    </p:spTree>
-    <p:extLst>
-      <p:ext uri="{BB962C8B-B14F-4D97-AF65-F5344CB8AC3E}">
-        <p14:creationId xmlns:p14="http://schemas.microsoft.com/office/powerpoint/2010/main" val="1985878945"/>
-      </p:ext>
-    </p:extLst>
-  </p:cSld>
-  <p:clrMapOvr>
-    <a:masterClrMapping/>
-  </p:clrMapOvr>
-</p:sld>
-</file>
-
-<file path=ppt/slides/slide12.xml><?xml version="1.0" encoding="utf-8"?>
-<p:sld xmlns:a="http://schemas.openxmlformats.org/drawingml/2006/main" xmlns:r="http://schemas.openxmlformats.org/officeDocument/2006/relationships" xmlns:p="http://schemas.openxmlformats.org/presentationml/2006/main">
-  <p:cSld>
-    <p:spTree>
-      <p:nvGrpSpPr>
-        <p:cNvPr id="1" name=""/>
-        <p:cNvGrpSpPr/>
-        <p:nvPr/>
-      </p:nvGrpSpPr>
-      <p:grpSpPr>
-        <a:xfrm>
-          <a:off x="0" y="0"/>
-          <a:ext cx="0" cy="0"/>
-          <a:chOff x="0" y="0"/>
-          <a:chExt cx="0" cy="0"/>
-        </a:xfrm>
-      </p:grpSpPr>
-      <p:sp>
-        <p:nvSpPr>
-          <p:cNvPr id="2" name="Titre 1"/>
-          <p:cNvSpPr>
-            <a:spLocks noGrp="1"/>
-          </p:cNvSpPr>
-          <p:nvPr>
-            <p:ph type="title"/>
-          </p:nvPr>
-        </p:nvSpPr>
-        <p:spPr/>
-        <p:txBody>
-          <a:bodyPr/>
-          <a:lstStyle/>
-          <a:p>
-            <a:r>
-              <a:rPr lang="fr-FR" dirty="0" smtClean="0"/>
-              <a:t>Réseaux </a:t>
-            </a:r>
-            <a:r>
-              <a:rPr lang="fr-FR" dirty="0" err="1" smtClean="0"/>
-              <a:t>déconvolutifs</a:t>
-            </a:r>
-            <a:endParaRPr lang="fr-FR" dirty="0"/>
-          </a:p>
-        </p:txBody>
-      </p:sp>
-      <p:sp>
-        <p:nvSpPr>
-          <p:cNvPr id="3" name="Espace réservé du contenu 2"/>
-          <p:cNvSpPr>
-            <a:spLocks noGrp="1"/>
-          </p:cNvSpPr>
-          <p:nvPr>
-            <p:ph idx="1"/>
-          </p:nvPr>
-        </p:nvSpPr>
-        <p:spPr/>
-        <p:txBody>
-          <a:bodyPr/>
-          <a:lstStyle/>
-          <a:p>
-            <a:r>
-              <a:rPr lang="fr-FR" dirty="0" smtClean="0"/>
-              <a:t>Permet de construire de l'information</a:t>
-            </a:r>
-          </a:p>
-          <a:p>
-            <a:r>
-              <a:rPr lang="fr-FR" dirty="0" smtClean="0"/>
-              <a:t>U-net est le plus connu</a:t>
-            </a:r>
-          </a:p>
-          <a:p>
-            <a:endParaRPr lang="fr-FR" dirty="0"/>
-          </a:p>
-        </p:txBody>
-      </p:sp>
-      <p:pic>
-        <p:nvPicPr>
-          <p:cNvPr id="5122" name="Picture 2" descr="https://miro.medium.com/max/800/1*OkUrpDD6I0FpugA_bbYBJQ.png"/>
-          <p:cNvPicPr>
-            <a:picLocks noChangeAspect="1" noChangeArrowheads="1"/>
-          </p:cNvPicPr>
-          <p:nvPr/>
-        </p:nvPicPr>
-        <p:blipFill>
-          <a:blip r:embed="rId2">
-            <a:extLst>
-              <a:ext uri="{28A0092B-C50C-407E-A947-70E740481C1C}">
-                <a14:useLocalDpi xmlns:a14="http://schemas.microsoft.com/office/drawing/2010/main" val="0"/>
-              </a:ext>
-            </a:extLst>
-          </a:blip>
-          <a:srcRect/>
-          <a:stretch>
-            <a:fillRect/>
-          </a:stretch>
-        </p:blipFill>
-        <p:spPr bwMode="auto">
-          <a:xfrm>
-            <a:off x="1331640" y="2492896"/>
-            <a:ext cx="5832648" cy="4994206"/>
-          </a:xfrm>
-          <a:prstGeom prst="rect">
-            <a:avLst/>
-          </a:prstGeom>
-          <a:noFill/>
-          <a:extLst>
-            <a:ext uri="{909E8E84-426E-40DD-AFC4-6F175D3DCCD1}">
-              <a14:hiddenFill xmlns:a14="http://schemas.microsoft.com/office/drawing/2010/main">
-                <a:solidFill>
-                  <a:srgbClr val="FFFFFF"/>
-                </a:solidFill>
-              </a14:hiddenFill>
-            </a:ext>
-          </a:extLst>
-        </p:spPr>
-      </p:pic>
-    </p:spTree>
-    <p:extLst>
-      <p:ext uri="{BB962C8B-B14F-4D97-AF65-F5344CB8AC3E}">
-        <p14:creationId xmlns:p14="http://schemas.microsoft.com/office/powerpoint/2010/main" val="3046295239"/>
-      </p:ext>
-    </p:extLst>
-  </p:cSld>
-  <p:clrMapOvr>
-    <a:masterClrMapping/>
-  </p:clrMapOvr>
-</p:sld>
-</file>
-
-<file path=ppt/slides/slide13.xml><?xml version="1.0" encoding="utf-8"?>
-<p:sld xmlns:a="http://schemas.openxmlformats.org/drawingml/2006/main" xmlns:r="http://schemas.openxmlformats.org/officeDocument/2006/relationships" xmlns:p="http://schemas.openxmlformats.org/presentationml/2006/main">
-  <p:cSld>
-    <p:spTree>
-      <p:nvGrpSpPr>
-        <p:cNvPr id="1" name=""/>
-        <p:cNvGrpSpPr/>
-        <p:nvPr/>
-      </p:nvGrpSpPr>
-      <p:grpSpPr>
-        <a:xfrm>
-          <a:off x="0" y="0"/>
-          <a:ext cx="0" cy="0"/>
-          <a:chOff x="0" y="0"/>
-          <a:chExt cx="0" cy="0"/>
-        </a:xfrm>
-      </p:grpSpPr>
-      <p:sp>
-        <p:nvSpPr>
-          <p:cNvPr id="2" name="Titre 1"/>
-          <p:cNvSpPr>
-            <a:spLocks noGrp="1"/>
-          </p:cNvSpPr>
-          <p:nvPr>
-            <p:ph type="title"/>
-          </p:nvPr>
-        </p:nvSpPr>
-        <p:spPr/>
-        <p:txBody>
-          <a:bodyPr/>
-          <a:lstStyle/>
-          <a:p>
-            <a:r>
-              <a:rPr lang="fr-FR" dirty="0" smtClean="0"/>
-              <a:t>Conv2dTranspose</a:t>
-            </a:r>
-            <a:endParaRPr lang="fr-FR" dirty="0"/>
-          </a:p>
-        </p:txBody>
-      </p:sp>
-      <p:sp>
-        <p:nvSpPr>
-          <p:cNvPr id="3" name="Espace réservé du contenu 2"/>
-          <p:cNvSpPr>
-            <a:spLocks noGrp="1"/>
-          </p:cNvSpPr>
-          <p:nvPr>
-            <p:ph idx="1"/>
-          </p:nvPr>
-        </p:nvSpPr>
-        <p:spPr/>
-        <p:txBody>
-          <a:bodyPr/>
-          <a:lstStyle/>
-          <a:p>
-            <a:r>
-              <a:rPr lang="fr-FR" dirty="0" smtClean="0"/>
-              <a:t>Effectue une </a:t>
-            </a:r>
-            <a:r>
-              <a:rPr lang="fr-FR" dirty="0" err="1" smtClean="0"/>
-              <a:t>déconvolution</a:t>
-            </a:r>
-            <a:endParaRPr lang="fr-FR" dirty="0" smtClean="0"/>
-          </a:p>
-          <a:p>
-            <a:pPr lvl="1"/>
-            <a:r>
-              <a:rPr lang="fr-FR" dirty="0" smtClean="0"/>
-              <a:t>Inverse la convolution et le </a:t>
-            </a:r>
-            <a:r>
-              <a:rPr lang="fr-FR" dirty="0" err="1" smtClean="0"/>
-              <a:t>pooling</a:t>
-            </a:r>
-            <a:endParaRPr lang="fr-FR" dirty="0" smtClean="0"/>
-          </a:p>
-          <a:p>
-            <a:pPr lvl="1"/>
-            <a:r>
-              <a:rPr lang="fr-FR" dirty="0" smtClean="0"/>
-              <a:t>Le nombre de possibilité est très élevé</a:t>
-            </a:r>
-          </a:p>
-          <a:p>
-            <a:pPr lvl="1"/>
-            <a:r>
-              <a:rPr lang="fr-FR" dirty="0" smtClean="0"/>
-              <a:t>Le paramètre de Conv2dTranspose est le nombre de fenêtre de </a:t>
-            </a:r>
-            <a:r>
-              <a:rPr lang="fr-FR" dirty="0" err="1" smtClean="0"/>
-              <a:t>déconvolution</a:t>
-            </a:r>
-            <a:r>
-              <a:rPr lang="fr-FR" dirty="0" smtClean="0"/>
-              <a:t> possible</a:t>
-            </a:r>
-          </a:p>
-          <a:p>
-            <a:pPr lvl="1"/>
-            <a:r>
-              <a:rPr lang="fr-FR" dirty="0" smtClean="0"/>
-              <a:t>Ce sont les poids du layer</a:t>
-            </a:r>
-          </a:p>
-          <a:p>
-            <a:pPr lvl="1"/>
-            <a:r>
-              <a:rPr lang="fr-FR" dirty="0" smtClean="0"/>
-              <a:t>Reconstruit une image haute définition à partir d’une </a:t>
-            </a:r>
-            <a:r>
-              <a:rPr lang="fr-FR" smtClean="0"/>
-              <a:t>basse résolution</a:t>
-            </a:r>
-            <a:endParaRPr lang="fr-FR" dirty="0"/>
-          </a:p>
-        </p:txBody>
-      </p:sp>
-    </p:spTree>
-    <p:extLst>
-      <p:ext uri="{BB962C8B-B14F-4D97-AF65-F5344CB8AC3E}">
-        <p14:creationId xmlns:p14="http://schemas.microsoft.com/office/powerpoint/2010/main" val="343384502"/>
-      </p:ext>
-    </p:extLst>
-  </p:cSld>
-  <p:clrMapOvr>
-    <a:masterClrMapping/>
-  </p:clrMapOvr>
-</p:sld>
-</file>
-
-<file path=ppt/slides/slide2.xml><?xml version="1.0" encoding="utf-8"?>
-<p:sld xmlns:a="http://schemas.openxmlformats.org/drawingml/2006/main" xmlns:r="http://schemas.openxmlformats.org/officeDocument/2006/relationships" xmlns:p="http://schemas.openxmlformats.org/presentationml/2006/main">
-  <p:cSld>
-    <p:spTree>
-      <p:nvGrpSpPr>
-        <p:cNvPr id="1" name=""/>
-        <p:cNvGrpSpPr/>
-        <p:nvPr/>
-      </p:nvGrpSpPr>
-      <p:grpSpPr>
-        <a:xfrm>
-          <a:off x="0" y="0"/>
-          <a:ext cx="0" cy="0"/>
-          <a:chOff x="0" y="0"/>
-          <a:chExt cx="0" cy="0"/>
-        </a:xfrm>
-      </p:grpSpPr>
-      <p:sp>
-        <p:nvSpPr>
-          <p:cNvPr id="2" name="Titre 1"/>
-          <p:cNvSpPr>
-            <a:spLocks noGrp="1"/>
-          </p:cNvSpPr>
-          <p:nvPr>
-            <p:ph type="title"/>
-          </p:nvPr>
-        </p:nvSpPr>
-        <p:spPr/>
-        <p:txBody>
-          <a:bodyPr/>
-          <a:lstStyle/>
-          <a:p>
-            <a:r>
-              <a:rPr lang="fr-FR" dirty="0" err="1" smtClean="0"/>
-              <a:t>TensorFlow</a:t>
-            </a:r>
-            <a:r>
-              <a:rPr lang="fr-FR" dirty="0" smtClean="0"/>
-              <a:t> </a:t>
-            </a:r>
-            <a:r>
-              <a:rPr lang="fr-FR" dirty="0" err="1" smtClean="0"/>
-              <a:t>AlphaGo</a:t>
-            </a:r>
-            <a:endParaRPr lang="fr-FR" dirty="0"/>
-          </a:p>
-        </p:txBody>
-      </p:sp>
-      <p:sp>
-        <p:nvSpPr>
-          <p:cNvPr id="3" name="Espace réservé du contenu 2"/>
-          <p:cNvSpPr>
-            <a:spLocks noGrp="1"/>
-          </p:cNvSpPr>
-          <p:nvPr>
-            <p:ph idx="1"/>
-          </p:nvPr>
-        </p:nvSpPr>
-        <p:spPr/>
-        <p:txBody>
-          <a:bodyPr/>
-          <a:lstStyle/>
-          <a:p>
-            <a:r>
-              <a:rPr lang="fr-FR" dirty="0" smtClean="0"/>
-              <a:t>IBM </a:t>
-            </a:r>
-            <a:r>
-              <a:rPr lang="fr-FR" dirty="0" err="1" smtClean="0"/>
-              <a:t>DeepBlue</a:t>
-            </a:r>
-            <a:endParaRPr lang="fr-FR" dirty="0"/>
-          </a:p>
-          <a:p>
-            <a:pPr lvl="1"/>
-            <a:r>
-              <a:rPr lang="fr-FR" dirty="0" smtClean="0"/>
-              <a:t>Bas Kasparov en 1997</a:t>
-            </a:r>
-            <a:endParaRPr lang="fr-FR" dirty="0"/>
-          </a:p>
-          <a:p>
-            <a:r>
-              <a:rPr lang="fr-FR" dirty="0" err="1" smtClean="0"/>
-              <a:t>AlphaGo</a:t>
-            </a:r>
-            <a:endParaRPr lang="fr-FR" dirty="0" smtClean="0"/>
-          </a:p>
-          <a:p>
-            <a:pPr lvl="1"/>
-            <a:r>
-              <a:rPr lang="fr-FR" dirty="0" smtClean="0"/>
-              <a:t>Développé par Google </a:t>
-            </a:r>
-            <a:r>
-              <a:rPr lang="fr-FR" dirty="0" err="1" smtClean="0"/>
-              <a:t>DeepMind</a:t>
-            </a:r>
-            <a:endParaRPr lang="fr-FR" dirty="0" smtClean="0"/>
-          </a:p>
-          <a:p>
-            <a:pPr lvl="1"/>
-            <a:r>
-              <a:rPr lang="fr-FR" dirty="0" smtClean="0"/>
-              <a:t>Bas un pro en 2015</a:t>
-            </a:r>
-          </a:p>
-          <a:p>
-            <a:pPr lvl="1"/>
-            <a:r>
-              <a:rPr lang="fr-FR" dirty="0" smtClean="0"/>
-              <a:t>Ingère une énorme base de données de parties de Go</a:t>
-            </a:r>
-          </a:p>
-          <a:p>
-            <a:pPr lvl="1"/>
-            <a:r>
-              <a:rPr lang="fr-FR" dirty="0" smtClean="0"/>
-              <a:t>Parcours de graphe</a:t>
-            </a:r>
-          </a:p>
-          <a:p>
-            <a:pPr lvl="1"/>
-            <a:r>
-              <a:rPr lang="fr-FR" dirty="0" smtClean="0"/>
-              <a:t>Deux réseaux de neurone</a:t>
-            </a:r>
-          </a:p>
-          <a:p>
-            <a:pPr lvl="2"/>
-            <a:r>
-              <a:rPr lang="fr-FR" dirty="0" smtClean="0"/>
-              <a:t>Un pour les valeurs, un autre pour les objectifs</a:t>
-            </a:r>
-          </a:p>
-          <a:p>
-            <a:pPr lvl="1"/>
-            <a:r>
-              <a:rPr lang="fr-FR" dirty="0" smtClean="0"/>
-              <a:t>Joue contre lui même</a:t>
-            </a:r>
-          </a:p>
-          <a:p>
-            <a:pPr lvl="1"/>
-            <a:r>
-              <a:rPr lang="fr-FR" dirty="0" smtClean="0"/>
-              <a:t>Bas Lee </a:t>
-            </a:r>
-            <a:r>
-              <a:rPr lang="fr-FR" dirty="0" err="1" smtClean="0"/>
-              <a:t>Sedol</a:t>
-            </a:r>
-            <a:r>
-              <a:rPr lang="fr-FR" dirty="0" smtClean="0"/>
-              <a:t> le n°1 mondial en 2017</a:t>
-            </a:r>
-          </a:p>
-        </p:txBody>
-      </p:sp>
-      <p:pic>
-        <p:nvPicPr>
-          <p:cNvPr id="1026" name="Picture 2" descr="https://cdn-images-1.medium.com/max/2560/1*Uz2UQz3xjLm21dgGd94fNw.jpeg"/>
-          <p:cNvPicPr>
-            <a:picLocks noChangeAspect="1" noChangeArrowheads="1"/>
-          </p:cNvPicPr>
-          <p:nvPr/>
-        </p:nvPicPr>
-        <p:blipFill>
-          <a:blip r:embed="rId2" cstate="print">
-            <a:extLst>
-              <a:ext uri="{28A0092B-C50C-407E-A947-70E740481C1C}">
-                <a14:useLocalDpi xmlns:a14="http://schemas.microsoft.com/office/drawing/2010/main" val="0"/>
-              </a:ext>
-            </a:extLst>
-          </a:blip>
-          <a:srcRect/>
-          <a:stretch>
-            <a:fillRect/>
-          </a:stretch>
-        </p:blipFill>
-        <p:spPr bwMode="auto">
-          <a:xfrm>
-            <a:off x="5724128" y="836712"/>
-            <a:ext cx="2957728" cy="2864079"/>
-          </a:xfrm>
-          <a:prstGeom prst="rect">
-            <a:avLst/>
-          </a:prstGeom>
-          <a:noFill/>
-          <a:extLst>
-            <a:ext uri="{909E8E84-426E-40DD-AFC4-6F175D3DCCD1}">
-              <a14:hiddenFill xmlns:a14="http://schemas.microsoft.com/office/drawing/2010/main">
-                <a:solidFill>
-                  <a:srgbClr val="FFFFFF"/>
-                </a:solidFill>
-              </a14:hiddenFill>
-            </a:ext>
-          </a:extLst>
-        </p:spPr>
-      </p:pic>
-    </p:spTree>
-    <p:extLst>
-      <p:ext uri="{BB962C8B-B14F-4D97-AF65-F5344CB8AC3E}">
-        <p14:creationId xmlns:p14="http://schemas.microsoft.com/office/powerpoint/2010/main" val="3414534051"/>
-      </p:ext>
-    </p:extLst>
-  </p:cSld>
-  <p:clrMapOvr>
-    <a:masterClrMapping/>
-  </p:clrMapOvr>
-</p:sld>
-</file>
-
-<file path=ppt/slides/slide3.xml><?xml version="1.0" encoding="utf-8"?>
-<p:sld xmlns:a="http://schemas.openxmlformats.org/drawingml/2006/main" xmlns:r="http://schemas.openxmlformats.org/officeDocument/2006/relationships" xmlns:p="http://schemas.openxmlformats.org/presentationml/2006/main">
-  <p:cSld>
-    <p:spTree>
-      <p:nvGrpSpPr>
-        <p:cNvPr id="1" name=""/>
-        <p:cNvGrpSpPr/>
-        <p:nvPr/>
-      </p:nvGrpSpPr>
-      <p:grpSpPr>
-        <a:xfrm>
-          <a:off x="0" y="0"/>
-          <a:ext cx="0" cy="0"/>
-          <a:chOff x="0" y="0"/>
-          <a:chExt cx="0" cy="0"/>
-        </a:xfrm>
-      </p:grpSpPr>
-      <p:sp>
-        <p:nvSpPr>
-          <p:cNvPr id="2" name="Titre 1"/>
-          <p:cNvSpPr>
-            <a:spLocks noGrp="1"/>
-          </p:cNvSpPr>
-          <p:nvPr>
-            <p:ph type="title"/>
-          </p:nvPr>
-        </p:nvSpPr>
-        <p:spPr/>
-        <p:txBody>
-          <a:bodyPr/>
-          <a:lstStyle/>
-          <a:p>
-            <a:r>
-              <a:rPr lang="fr-FR" dirty="0" err="1" smtClean="0"/>
-              <a:t>AlphaGo</a:t>
-            </a:r>
-            <a:r>
-              <a:rPr lang="fr-FR" dirty="0" smtClean="0"/>
-              <a:t> </a:t>
-            </a:r>
-            <a:r>
-              <a:rPr lang="fr-FR" dirty="0" err="1" smtClean="0"/>
-              <a:t>Zero</a:t>
-            </a:r>
-            <a:endParaRPr lang="fr-FR" dirty="0"/>
-          </a:p>
-        </p:txBody>
-      </p:sp>
-      <p:sp>
-        <p:nvSpPr>
-          <p:cNvPr id="3" name="Espace réservé du contenu 2"/>
-          <p:cNvSpPr>
-            <a:spLocks noGrp="1"/>
-          </p:cNvSpPr>
-          <p:nvPr>
-            <p:ph idx="1"/>
-          </p:nvPr>
-        </p:nvSpPr>
-        <p:spPr/>
-        <p:txBody>
-          <a:bodyPr/>
-          <a:lstStyle/>
-          <a:p>
-            <a:r>
-              <a:rPr lang="fr-FR" dirty="0" err="1" smtClean="0"/>
-              <a:t>AlphaGo</a:t>
-            </a:r>
-            <a:r>
-              <a:rPr lang="fr-FR" dirty="0" smtClean="0"/>
-              <a:t> </a:t>
-            </a:r>
-            <a:r>
-              <a:rPr lang="fr-FR" dirty="0" err="1" smtClean="0"/>
-              <a:t>Zero</a:t>
-            </a:r>
-            <a:endParaRPr lang="fr-FR" dirty="0" smtClean="0"/>
-          </a:p>
-          <a:p>
-            <a:pPr lvl="1"/>
-            <a:r>
-              <a:rPr lang="fr-FR" dirty="0"/>
-              <a:t>Article publié sur </a:t>
-            </a:r>
-            <a:r>
-              <a:rPr lang="fr-FR" dirty="0" smtClean="0"/>
-              <a:t>Arxiv.org en 2017</a:t>
-            </a:r>
-          </a:p>
-          <a:p>
-            <a:pPr lvl="1"/>
-            <a:r>
-              <a:rPr lang="fr-FR" dirty="0" smtClean="0"/>
-              <a:t>Simplifie </a:t>
-            </a:r>
-            <a:r>
-              <a:rPr lang="fr-FR" dirty="0" err="1" smtClean="0"/>
-              <a:t>AlphaGo</a:t>
-            </a:r>
-            <a:endParaRPr lang="fr-FR" dirty="0" smtClean="0"/>
-          </a:p>
-          <a:p>
-            <a:pPr lvl="1"/>
-            <a:r>
-              <a:rPr lang="fr-FR" dirty="0" smtClean="0"/>
-              <a:t>Un seul réseau</a:t>
-            </a:r>
-          </a:p>
-          <a:p>
-            <a:pPr lvl="1"/>
-            <a:r>
-              <a:rPr lang="fr-FR" dirty="0" smtClean="0"/>
-              <a:t>Aucune base de données</a:t>
-            </a:r>
-          </a:p>
-          <a:p>
-            <a:pPr lvl="1"/>
-            <a:r>
-              <a:rPr lang="fr-FR" dirty="0" smtClean="0"/>
-              <a:t>Joue contre lui-même</a:t>
-            </a:r>
-          </a:p>
-          <a:p>
-            <a:pPr lvl="1"/>
-            <a:r>
-              <a:rPr lang="fr-FR" dirty="0" smtClean="0"/>
-              <a:t>Les règles du jeu de Go sont codées en "dur"</a:t>
-            </a:r>
-          </a:p>
-          <a:p>
-            <a:pPr lvl="1"/>
-            <a:r>
-              <a:rPr lang="fr-FR" dirty="0" smtClean="0"/>
-              <a:t>Bat </a:t>
-            </a:r>
-            <a:r>
-              <a:rPr lang="fr-FR" dirty="0"/>
-              <a:t>un humain en 24h</a:t>
-            </a:r>
-          </a:p>
-          <a:p>
-            <a:pPr lvl="1"/>
-            <a:r>
-              <a:rPr lang="fr-FR" dirty="0" smtClean="0"/>
-              <a:t>Bat </a:t>
-            </a:r>
-            <a:r>
-              <a:rPr lang="fr-FR" dirty="0"/>
-              <a:t>un champion du monde en 3 </a:t>
-            </a:r>
-            <a:r>
-              <a:rPr lang="fr-FR" dirty="0" smtClean="0"/>
-              <a:t>jours</a:t>
-            </a:r>
-          </a:p>
-          <a:p>
-            <a:pPr lvl="1"/>
-            <a:endParaRPr lang="fr-FR" dirty="0"/>
-          </a:p>
-          <a:p>
-            <a:pPr lvl="1"/>
-            <a:endParaRPr lang="fr-FR" dirty="0" smtClean="0"/>
-          </a:p>
-        </p:txBody>
-      </p:sp>
-    </p:spTree>
-    <p:extLst>
-      <p:ext uri="{BB962C8B-B14F-4D97-AF65-F5344CB8AC3E}">
-        <p14:creationId xmlns:p14="http://schemas.microsoft.com/office/powerpoint/2010/main" val="2580514171"/>
-      </p:ext>
-    </p:extLst>
-  </p:cSld>
-  <p:clrMapOvr>
-    <a:masterClrMapping/>
-  </p:clrMapOvr>
-</p:sld>
-</file>
-
-<file path=ppt/slides/slide4.xml><?xml version="1.0" encoding="utf-8"?>
-<p:sld xmlns:a="http://schemas.openxmlformats.org/drawingml/2006/main" xmlns:r="http://schemas.openxmlformats.org/officeDocument/2006/relationships" xmlns:p="http://schemas.openxmlformats.org/presentationml/2006/main">
-  <p:cSld>
-    <p:spTree>
-      <p:nvGrpSpPr>
-        <p:cNvPr id="1" name=""/>
-        <p:cNvGrpSpPr/>
-        <p:nvPr/>
-      </p:nvGrpSpPr>
-      <p:grpSpPr>
-        <a:xfrm>
-          <a:off x="0" y="0"/>
-          <a:ext cx="0" cy="0"/>
-          <a:chOff x="0" y="0"/>
-          <a:chExt cx="0" cy="0"/>
-        </a:xfrm>
-      </p:grpSpPr>
-      <p:sp>
-        <p:nvSpPr>
-          <p:cNvPr id="2" name="Titre 1"/>
-          <p:cNvSpPr>
-            <a:spLocks noGrp="1"/>
-          </p:cNvSpPr>
-          <p:nvPr>
-            <p:ph type="title"/>
-          </p:nvPr>
-        </p:nvSpPr>
-        <p:spPr/>
-        <p:txBody>
-          <a:bodyPr/>
-          <a:lstStyle/>
-          <a:p>
-            <a:r>
-              <a:rPr lang="fr-FR" dirty="0" err="1" smtClean="0"/>
-              <a:t>AlphaZero</a:t>
-            </a:r>
-            <a:endParaRPr lang="fr-FR" dirty="0"/>
-          </a:p>
-        </p:txBody>
-      </p:sp>
-      <p:sp>
-        <p:nvSpPr>
-          <p:cNvPr id="3" name="Espace réservé du contenu 2"/>
-          <p:cNvSpPr>
-            <a:spLocks noGrp="1"/>
-          </p:cNvSpPr>
-          <p:nvPr>
-            <p:ph idx="1"/>
-          </p:nvPr>
-        </p:nvSpPr>
-        <p:spPr/>
-        <p:txBody>
-          <a:bodyPr/>
-          <a:lstStyle/>
-          <a:p>
-            <a:r>
-              <a:rPr lang="fr-FR" dirty="0" err="1" smtClean="0"/>
-              <a:t>AlphaZero</a:t>
-            </a:r>
-            <a:endParaRPr lang="fr-FR" dirty="0" smtClean="0"/>
-          </a:p>
-          <a:p>
-            <a:pPr lvl="1"/>
-            <a:r>
-              <a:rPr lang="fr-FR" dirty="0" smtClean="0"/>
-              <a:t>Version généraliste de </a:t>
-            </a:r>
-            <a:r>
-              <a:rPr lang="fr-FR" dirty="0" err="1" smtClean="0"/>
-              <a:t>AlphaGo</a:t>
-            </a:r>
-            <a:endParaRPr lang="fr-FR" dirty="0" smtClean="0"/>
-          </a:p>
-          <a:p>
-            <a:pPr lvl="1"/>
-            <a:r>
-              <a:rPr lang="fr-FR" dirty="0" smtClean="0"/>
-              <a:t>Echec, Go, </a:t>
-            </a:r>
-            <a:r>
-              <a:rPr lang="fr-FR" dirty="0" err="1" smtClean="0"/>
-              <a:t>Shogi</a:t>
-            </a:r>
-            <a:r>
-              <a:rPr lang="fr-FR" dirty="0" smtClean="0"/>
-              <a:t>, …</a:t>
-            </a:r>
-            <a:endParaRPr lang="fr-FR" dirty="0"/>
-          </a:p>
-          <a:p>
-            <a:r>
-              <a:rPr lang="fr-FR" dirty="0" smtClean="0"/>
-              <a:t>Part de Zéro</a:t>
-            </a:r>
-          </a:p>
-          <a:p>
-            <a:pPr lvl="1"/>
-            <a:r>
-              <a:rPr lang="fr-FR" dirty="0" smtClean="0"/>
-              <a:t>Est bien meilleurs qu'un apprentissage supervisé</a:t>
-            </a:r>
-          </a:p>
-          <a:p>
-            <a:pPr lvl="1"/>
-            <a:r>
-              <a:rPr lang="fr-FR" dirty="0" smtClean="0"/>
-              <a:t>N'est as limité par l'intelligence humaine</a:t>
-            </a:r>
-          </a:p>
-          <a:p>
-            <a:pPr lvl="1"/>
-            <a:r>
-              <a:rPr lang="fr-FR" dirty="0" smtClean="0"/>
-              <a:t>Bat un champion du monde en 4h</a:t>
-            </a:r>
-          </a:p>
-          <a:p>
-            <a:pPr lvl="1"/>
-            <a:r>
-              <a:rPr lang="fr-FR" dirty="0" smtClean="0"/>
-              <a:t>Bat </a:t>
-            </a:r>
-            <a:r>
-              <a:rPr lang="fr-FR" dirty="0" err="1" smtClean="0"/>
-              <a:t>AlphaGo</a:t>
-            </a:r>
-            <a:r>
-              <a:rPr lang="fr-FR" dirty="0" smtClean="0"/>
-              <a:t> en 8h</a:t>
-            </a:r>
-          </a:p>
-          <a:p>
-            <a:pPr lvl="1"/>
-            <a:r>
-              <a:rPr lang="fr-FR" dirty="0" smtClean="0"/>
-              <a:t>1700 </a:t>
-            </a:r>
-            <a:r>
-              <a:rPr lang="fr-FR" dirty="0" err="1" smtClean="0"/>
-              <a:t>GPU.Year</a:t>
-            </a:r>
-            <a:endParaRPr lang="fr-FR" dirty="0" smtClean="0"/>
-          </a:p>
-          <a:p>
-            <a:pPr lvl="1"/>
-            <a:endParaRPr lang="fr-FR" dirty="0" smtClean="0"/>
-          </a:p>
-          <a:p>
-            <a:pPr lvl="1"/>
-            <a:endParaRPr lang="fr-FR" dirty="0" smtClean="0"/>
-          </a:p>
-          <a:p>
-            <a:pPr lvl="1"/>
-            <a:endParaRPr lang="fr-FR" dirty="0" smtClean="0"/>
-          </a:p>
-        </p:txBody>
-      </p:sp>
-      <p:pic>
-        <p:nvPicPr>
-          <p:cNvPr id="4" name="Image 3"/>
-          <p:cNvPicPr>
-            <a:picLocks noChangeAspect="1"/>
-          </p:cNvPicPr>
-          <p:nvPr/>
-        </p:nvPicPr>
-        <p:blipFill>
-          <a:blip r:embed="rId2"/>
-          <a:stretch>
-            <a:fillRect/>
-          </a:stretch>
-        </p:blipFill>
-        <p:spPr>
-          <a:xfrm>
-            <a:off x="3779912" y="4653136"/>
-            <a:ext cx="5847922" cy="1440160"/>
-          </a:xfrm>
-          <a:prstGeom prst="rect">
-            <a:avLst/>
-          </a:prstGeom>
-        </p:spPr>
-      </p:pic>
-    </p:spTree>
-    <p:extLst>
-      <p:ext uri="{BB962C8B-B14F-4D97-AF65-F5344CB8AC3E}">
-        <p14:creationId xmlns:p14="http://schemas.microsoft.com/office/powerpoint/2010/main" val="1399043126"/>
-      </p:ext>
-    </p:extLst>
-  </p:cSld>
-  <p:clrMapOvr>
-    <a:masterClrMapping/>
-  </p:clrMapOvr>
-</p:sld>
-</file>
-
-<file path=ppt/slides/slide5.xml><?xml version="1.0" encoding="utf-8"?>
-<p:sld xmlns:a="http://schemas.openxmlformats.org/drawingml/2006/main" xmlns:r="http://schemas.openxmlformats.org/officeDocument/2006/relationships" xmlns:p="http://schemas.openxmlformats.org/presentationml/2006/main">
-  <p:cSld>
-    <p:spTree>
-      <p:nvGrpSpPr>
-        <p:cNvPr id="1" name=""/>
-        <p:cNvGrpSpPr/>
-        <p:nvPr/>
-      </p:nvGrpSpPr>
-      <p:grpSpPr>
-        <a:xfrm>
-          <a:off x="0" y="0"/>
-          <a:ext cx="0" cy="0"/>
-          <a:chOff x="0" y="0"/>
-          <a:chExt cx="0" cy="0"/>
-        </a:xfrm>
-      </p:grpSpPr>
-      <p:sp>
-        <p:nvSpPr>
-          <p:cNvPr id="2" name="Titre 1"/>
-          <p:cNvSpPr>
-            <a:spLocks noGrp="1"/>
-          </p:cNvSpPr>
-          <p:nvPr>
-            <p:ph type="title"/>
-          </p:nvPr>
-        </p:nvSpPr>
-        <p:spPr/>
-        <p:txBody>
-          <a:bodyPr/>
-          <a:lstStyle/>
-          <a:p>
-            <a:r>
-              <a:rPr lang="fr-FR" dirty="0" err="1" smtClean="0"/>
-              <a:t>AlphaZero</a:t>
-            </a:r>
-            <a:endParaRPr lang="fr-FR" dirty="0"/>
-          </a:p>
-        </p:txBody>
-      </p:sp>
-      <p:sp>
-        <p:nvSpPr>
-          <p:cNvPr id="3" name="Espace réservé du contenu 2"/>
-          <p:cNvSpPr>
-            <a:spLocks noGrp="1"/>
-          </p:cNvSpPr>
-          <p:nvPr>
-            <p:ph idx="1"/>
-          </p:nvPr>
-        </p:nvSpPr>
-        <p:spPr/>
-        <p:txBody>
-          <a:bodyPr/>
-          <a:lstStyle/>
-          <a:p>
-            <a:r>
-              <a:rPr lang="fr-FR" dirty="0" smtClean="0"/>
-              <a:t>Aux Echec </a:t>
-            </a:r>
-            <a:r>
-              <a:rPr lang="fr-FR" dirty="0" err="1" smtClean="0"/>
-              <a:t>AlphaZero</a:t>
-            </a:r>
-            <a:r>
-              <a:rPr lang="fr-FR" dirty="0" smtClean="0"/>
-              <a:t> bat </a:t>
-            </a:r>
-            <a:r>
-              <a:rPr lang="fr-FR" dirty="0" err="1" smtClean="0"/>
-              <a:t>StockFish</a:t>
-            </a:r>
-            <a:endParaRPr lang="fr-FR" dirty="0"/>
-          </a:p>
-          <a:p>
-            <a:pPr lvl="1"/>
-            <a:r>
-              <a:rPr lang="fr-FR" dirty="0" smtClean="0"/>
-              <a:t>qui est une exploration d'arbre + base de données</a:t>
-            </a:r>
-          </a:p>
-          <a:p>
-            <a:pPr lvl="1"/>
-            <a:r>
-              <a:rPr lang="fr-FR" dirty="0" smtClean="0"/>
-              <a:t>Un des meilleurs réseau de neurone fait 64 </a:t>
-            </a:r>
-            <a:r>
-              <a:rPr lang="fr-FR" dirty="0" err="1" smtClean="0"/>
-              <a:t>Layers</a:t>
-            </a:r>
-            <a:endParaRPr lang="fr-FR" dirty="0" smtClean="0"/>
-          </a:p>
-          <a:p>
-            <a:pPr lvl="1"/>
-            <a:r>
-              <a:rPr lang="fr-FR" dirty="0" smtClean="0"/>
-              <a:t>Entre 50K et 100K neurones (34Mo)</a:t>
-            </a:r>
-          </a:p>
-          <a:p>
-            <a:pPr lvl="1"/>
-            <a:endParaRPr lang="fr-FR" dirty="0"/>
-          </a:p>
-        </p:txBody>
-      </p:sp>
-      <p:pic>
-        <p:nvPicPr>
-          <p:cNvPr id="4" name="Image 3"/>
-          <p:cNvPicPr>
-            <a:picLocks noChangeAspect="1"/>
-          </p:cNvPicPr>
-          <p:nvPr/>
-        </p:nvPicPr>
-        <p:blipFill>
-          <a:blip r:embed="rId2"/>
-          <a:stretch>
-            <a:fillRect/>
-          </a:stretch>
-        </p:blipFill>
-        <p:spPr>
-          <a:xfrm>
-            <a:off x="4401648" y="3212976"/>
-            <a:ext cx="4759251" cy="3810829"/>
-          </a:xfrm>
-          <a:prstGeom prst="rect">
-            <a:avLst/>
-          </a:prstGeom>
-        </p:spPr>
-      </p:pic>
-    </p:spTree>
-    <p:extLst>
-      <p:ext uri="{BB962C8B-B14F-4D97-AF65-F5344CB8AC3E}">
-        <p14:creationId xmlns:p14="http://schemas.microsoft.com/office/powerpoint/2010/main" val="3227059802"/>
-      </p:ext>
-    </p:extLst>
-  </p:cSld>
-  <p:clrMapOvr>
-    <a:masterClrMapping/>
-  </p:clrMapOvr>
-</p:sld>
-</file>
-
-<file path=ppt/slides/slide6.xml><?xml version="1.0" encoding="utf-8"?>
-<p:sld xmlns:a="http://schemas.openxmlformats.org/drawingml/2006/main" xmlns:r="http://schemas.openxmlformats.org/officeDocument/2006/relationships" xmlns:p="http://schemas.openxmlformats.org/presentationml/2006/main">
-  <p:cSld>
-    <p:spTree>
-      <p:nvGrpSpPr>
-        <p:cNvPr id="1" name=""/>
-        <p:cNvGrpSpPr/>
-        <p:nvPr/>
-      </p:nvGrpSpPr>
-      <p:grpSpPr>
-        <a:xfrm>
-          <a:off x="0" y="0"/>
-          <a:ext cx="0" cy="0"/>
-          <a:chOff x="0" y="0"/>
-          <a:chExt cx="0" cy="0"/>
-        </a:xfrm>
-      </p:grpSpPr>
-      <p:sp>
-        <p:nvSpPr>
-          <p:cNvPr id="2" name="Titre 1"/>
-          <p:cNvSpPr>
-            <a:spLocks noGrp="1"/>
-          </p:cNvSpPr>
-          <p:nvPr>
-            <p:ph type="title"/>
-          </p:nvPr>
-        </p:nvSpPr>
-        <p:spPr/>
-        <p:txBody>
-          <a:bodyPr/>
-          <a:lstStyle/>
-          <a:p>
-            <a:r>
-              <a:rPr lang="fr-FR" dirty="0" smtClean="0"/>
-              <a:t>Les DATA</a:t>
-            </a:r>
-            <a:endParaRPr lang="fr-FR" dirty="0"/>
-          </a:p>
-        </p:txBody>
-      </p:sp>
-      <p:sp>
-        <p:nvSpPr>
-          <p:cNvPr id="3" name="Espace réservé du contenu 2"/>
-          <p:cNvSpPr>
-            <a:spLocks noGrp="1"/>
-          </p:cNvSpPr>
-          <p:nvPr>
-            <p:ph idx="1"/>
-          </p:nvPr>
-        </p:nvSpPr>
-        <p:spPr/>
-        <p:txBody>
-          <a:bodyPr/>
-          <a:lstStyle/>
-          <a:p>
-            <a:r>
-              <a:rPr lang="fr-FR" dirty="0" smtClean="0"/>
-              <a:t>Alpha </a:t>
-            </a:r>
-            <a:r>
-              <a:rPr lang="fr-FR" dirty="0" err="1" smtClean="0"/>
-              <a:t>Zero</a:t>
-            </a:r>
-            <a:r>
-              <a:rPr lang="fr-FR" dirty="0" smtClean="0"/>
-              <a:t> n'est pas supervisé</a:t>
-            </a:r>
-          </a:p>
-          <a:p>
-            <a:pPr lvl="1"/>
-            <a:r>
-              <a:rPr lang="fr-FR" dirty="0" smtClean="0"/>
-              <a:t>Pour cela il a effectué 21 Million de parties pour battre Alpha Go Lee en 8h (730 parties / s)</a:t>
-            </a:r>
-          </a:p>
-          <a:p>
-            <a:pPr lvl="1"/>
-            <a:r>
-              <a:rPr lang="fr-FR" dirty="0" smtClean="0"/>
-              <a:t>44 Million de parties pour battre Stockfish aux échecs (</a:t>
-            </a:r>
-            <a:r>
-              <a:rPr lang="fr-FR" dirty="0" err="1" smtClean="0"/>
-              <a:t>Algo</a:t>
-            </a:r>
-            <a:r>
-              <a:rPr lang="fr-FR" dirty="0" smtClean="0"/>
-              <a:t> brut de force + heuristique d'arbre) en 4h (3055 parties / s)</a:t>
-            </a:r>
-          </a:p>
-          <a:p>
-            <a:r>
-              <a:rPr lang="fr-FR" dirty="0" smtClean="0"/>
-              <a:t>En apprentissage supervisé le modèle Alpha peut fonctionner</a:t>
-            </a:r>
-          </a:p>
-          <a:p>
-            <a:pPr lvl="1"/>
-            <a:r>
-              <a:rPr lang="fr-FR" dirty="0" smtClean="0"/>
-              <a:t>Mais il faut &gt; 10 Millions de data supervisées</a:t>
-            </a:r>
-          </a:p>
-          <a:p>
-            <a:r>
-              <a:rPr lang="fr-FR" dirty="0"/>
-              <a:t>U</a:t>
-            </a:r>
-            <a:r>
-              <a:rPr lang="fr-FR" dirty="0" smtClean="0"/>
-              <a:t>n réseau plus petit où pré-entrainer peut suffire sil le nombre de données est insuffisant</a:t>
-            </a:r>
-          </a:p>
-          <a:p>
-            <a:pPr lvl="1"/>
-            <a:r>
-              <a:rPr lang="fr-FR" dirty="0" smtClean="0"/>
-              <a:t>Complexe à mettre en </a:t>
-            </a:r>
-            <a:r>
-              <a:rPr lang="fr-FR" dirty="0" err="1" smtClean="0"/>
-              <a:t>oeuvre</a:t>
-            </a:r>
-            <a:endParaRPr lang="fr-FR" dirty="0" smtClean="0"/>
-          </a:p>
-          <a:p>
-            <a:pPr lvl="1"/>
-            <a:endParaRPr lang="fr-FR" dirty="0"/>
-          </a:p>
-        </p:txBody>
-      </p:sp>
-    </p:spTree>
-    <p:extLst>
-      <p:ext uri="{BB962C8B-B14F-4D97-AF65-F5344CB8AC3E}">
-        <p14:creationId xmlns:p14="http://schemas.microsoft.com/office/powerpoint/2010/main" val="2406253749"/>
-      </p:ext>
-    </p:extLst>
-  </p:cSld>
-  <p:clrMapOvr>
-    <a:masterClrMapping/>
-  </p:clrMapOvr>
-</p:sld>
-</file>
-
-<file path=ppt/slides/slide7.xml><?xml version="1.0" encoding="utf-8"?>
-<p:sld xmlns:a="http://schemas.openxmlformats.org/drawingml/2006/main" xmlns:r="http://schemas.openxmlformats.org/officeDocument/2006/relationships" xmlns:p="http://schemas.openxmlformats.org/presentationml/2006/main">
-  <p:cSld>
-    <p:spTree>
-      <p:nvGrpSpPr>
-        <p:cNvPr id="1" name=""/>
-        <p:cNvGrpSpPr/>
-        <p:nvPr/>
-      </p:nvGrpSpPr>
-      <p:grpSpPr>
-        <a:xfrm>
-          <a:off x="0" y="0"/>
-          <a:ext cx="0" cy="0"/>
-          <a:chOff x="0" y="0"/>
-          <a:chExt cx="0" cy="0"/>
-        </a:xfrm>
-      </p:grpSpPr>
-      <p:sp>
-        <p:nvSpPr>
-          <p:cNvPr id="2" name="Titre 1"/>
-          <p:cNvSpPr>
-            <a:spLocks noGrp="1"/>
-          </p:cNvSpPr>
-          <p:nvPr>
-            <p:ph type="title"/>
-          </p:nvPr>
-        </p:nvSpPr>
-        <p:spPr/>
-        <p:txBody>
-          <a:bodyPr/>
-          <a:lstStyle/>
-          <a:p>
-            <a:r>
-              <a:rPr lang="fr-FR" dirty="0" smtClean="0"/>
-              <a:t>Heuristiques</a:t>
-            </a:r>
-            <a:endParaRPr lang="fr-FR" dirty="0"/>
-          </a:p>
-        </p:txBody>
-      </p:sp>
-      <p:sp>
-        <p:nvSpPr>
-          <p:cNvPr id="3" name="Espace réservé du contenu 2"/>
-          <p:cNvSpPr>
-            <a:spLocks noGrp="1"/>
-          </p:cNvSpPr>
-          <p:nvPr>
-            <p:ph idx="1"/>
-          </p:nvPr>
-        </p:nvSpPr>
-        <p:spPr/>
-        <p:txBody>
-          <a:bodyPr/>
-          <a:lstStyle/>
-          <a:p>
-            <a:r>
-              <a:rPr lang="fr-FR" dirty="0" smtClean="0"/>
-              <a:t>Les réseaux neuronaux étant gourmand en calcul le calcul réparti est presque obligatoire</a:t>
-            </a:r>
-          </a:p>
-          <a:p>
-            <a:r>
-              <a:rPr lang="fr-FR" dirty="0" smtClean="0"/>
-              <a:t>Présence d’heuristiques</a:t>
-            </a:r>
-          </a:p>
-          <a:p>
-            <a:pPr lvl="1"/>
-            <a:r>
-              <a:rPr lang="fr-FR" dirty="0" smtClean="0"/>
-              <a:t>Règles non démontrable qui permettent d’</a:t>
-            </a:r>
-            <a:r>
-              <a:rPr lang="fr-FR" dirty="0" err="1" smtClean="0"/>
-              <a:t>accéler</a:t>
-            </a:r>
-            <a:r>
-              <a:rPr lang="fr-FR" dirty="0" smtClean="0"/>
-              <a:t> le traitement</a:t>
-            </a:r>
-          </a:p>
-          <a:p>
-            <a:pPr lvl="1"/>
-            <a:r>
-              <a:rPr lang="fr-FR" dirty="0" smtClean="0"/>
-              <a:t>Par exemple en échec, la prise de la reine est trop couteuse pour continuer</a:t>
-            </a:r>
-          </a:p>
-          <a:p>
-            <a:pPr lvl="1"/>
-            <a:endParaRPr lang="fr-FR" dirty="0"/>
-          </a:p>
-        </p:txBody>
-      </p:sp>
-    </p:spTree>
-    <p:extLst>
-      <p:ext uri="{BB962C8B-B14F-4D97-AF65-F5344CB8AC3E}">
-        <p14:creationId xmlns:p14="http://schemas.microsoft.com/office/powerpoint/2010/main" val="3709390557"/>
-      </p:ext>
-    </p:extLst>
-  </p:cSld>
-  <p:clrMapOvr>
-    <a:masterClrMapping/>
-  </p:clrMapOvr>
-  <p:timing>
-    <p:tnLst>
-      <p:par>
-        <p:cTn id="1" dur="indefinite" restart="never" nodeType="tmRoot"/>
-      </p:par>
-    </p:tnLst>
-  </p:timing>
-</p:sld>
-</file>
-
-<file path=ppt/slides/slide8.xml><?xml version="1.0" encoding="utf-8"?>
-<p:sld xmlns:a="http://schemas.openxmlformats.org/drawingml/2006/main" xmlns:r="http://schemas.openxmlformats.org/officeDocument/2006/relationships" xmlns:p="http://schemas.openxmlformats.org/presentationml/2006/main">
-  <p:cSld>
-    <p:spTree>
-      <p:nvGrpSpPr>
-        <p:cNvPr id="1" name=""/>
-        <p:cNvGrpSpPr/>
-        <p:nvPr/>
-      </p:nvGrpSpPr>
-      <p:grpSpPr>
-        <a:xfrm>
-          <a:off x="0" y="0"/>
-          <a:ext cx="0" cy="0"/>
-          <a:chOff x="0" y="0"/>
-          <a:chExt cx="0" cy="0"/>
-        </a:xfrm>
-      </p:grpSpPr>
-      <p:sp>
-        <p:nvSpPr>
-          <p:cNvPr id="2" name="Titre 1"/>
-          <p:cNvSpPr>
-            <a:spLocks noGrp="1"/>
-          </p:cNvSpPr>
-          <p:nvPr>
-            <p:ph type="title"/>
-          </p:nvPr>
-        </p:nvSpPr>
-        <p:spPr/>
-        <p:txBody>
-          <a:bodyPr/>
-          <a:lstStyle/>
-          <a:p>
-            <a:r>
-              <a:rPr lang="fr-FR" dirty="0" smtClean="0"/>
-              <a:t>LSTM</a:t>
-            </a:r>
-            <a:endParaRPr lang="fr-FR" dirty="0"/>
-          </a:p>
-        </p:txBody>
-      </p:sp>
-      <p:sp>
-        <p:nvSpPr>
-          <p:cNvPr id="3" name="Espace réservé du contenu 2"/>
-          <p:cNvSpPr>
-            <a:spLocks noGrp="1"/>
-          </p:cNvSpPr>
-          <p:nvPr>
-            <p:ph idx="1"/>
-          </p:nvPr>
-        </p:nvSpPr>
-        <p:spPr/>
-        <p:txBody>
-          <a:bodyPr/>
-          <a:lstStyle/>
-          <a:p>
-            <a:r>
-              <a:rPr lang="fr-FR" dirty="0" smtClean="0"/>
-              <a:t>Long Short </a:t>
-            </a:r>
-            <a:r>
-              <a:rPr lang="fr-FR" dirty="0" err="1" smtClean="0"/>
-              <a:t>Term</a:t>
-            </a:r>
-            <a:r>
-              <a:rPr lang="fr-FR" dirty="0" smtClean="0"/>
-              <a:t> Memory Network</a:t>
-            </a:r>
-          </a:p>
-          <a:p>
-            <a:pPr lvl="1"/>
-            <a:r>
-              <a:rPr lang="fr-FR" dirty="0" smtClean="0"/>
-              <a:t>Le problèmes des RNN est la données qui reste longtemps dans le neurone (Long </a:t>
-            </a:r>
-            <a:r>
-              <a:rPr lang="fr-FR" dirty="0" err="1" smtClean="0"/>
-              <a:t>Term</a:t>
-            </a:r>
-            <a:r>
-              <a:rPr lang="fr-FR" dirty="0" smtClean="0"/>
-              <a:t> Memory)</a:t>
-            </a:r>
-          </a:p>
-          <a:p>
-            <a:pPr lvl="1"/>
-            <a:r>
-              <a:rPr lang="fr-FR" dirty="0" smtClean="0"/>
-              <a:t>C’est-à-dire un grand nombre d'itération</a:t>
-            </a:r>
-          </a:p>
-          <a:p>
-            <a:r>
-              <a:rPr lang="fr-FR" dirty="0" smtClean="0"/>
-              <a:t>LSTM change le mécanisme d'activation d'un neurone afin d'éviter un nombre d'itération trop élevé</a:t>
-            </a:r>
-          </a:p>
-          <a:p>
-            <a:r>
-              <a:rPr lang="fr-FR" dirty="0" smtClean="0"/>
-              <a:t>RNN ou MLP classique :</a:t>
-            </a:r>
-          </a:p>
-          <a:p>
-            <a:endParaRPr lang="fr-FR" dirty="0" smtClean="0"/>
-          </a:p>
-          <a:p>
-            <a:pPr lvl="1"/>
-            <a:endParaRPr lang="fr-FR" dirty="0"/>
-          </a:p>
-        </p:txBody>
-      </p:sp>
-      <p:pic>
-        <p:nvPicPr>
-          <p:cNvPr id="2050" name="Picture 2" descr="https://colah.github.io/posts/2015-08-Understanding-LSTMs/img/LSTM3-SimpleRNN.png"/>
-          <p:cNvPicPr>
-            <a:picLocks noChangeAspect="1" noChangeArrowheads="1"/>
-          </p:cNvPicPr>
-          <p:nvPr/>
-        </p:nvPicPr>
-        <p:blipFill>
-          <a:blip r:embed="rId2" cstate="print">
-            <a:extLst>
-              <a:ext uri="{28A0092B-C50C-407E-A947-70E740481C1C}">
-                <a14:useLocalDpi xmlns:a14="http://schemas.microsoft.com/office/drawing/2010/main" val="0"/>
-              </a:ext>
-            </a:extLst>
-          </a:blip>
-          <a:srcRect/>
-          <a:stretch>
-            <a:fillRect/>
-          </a:stretch>
-        </p:blipFill>
-        <p:spPr bwMode="auto">
-          <a:xfrm>
-            <a:off x="3386276" y="5013176"/>
-            <a:ext cx="3432642" cy="1284561"/>
-          </a:xfrm>
-          <a:prstGeom prst="rect">
-            <a:avLst/>
-          </a:prstGeom>
-          <a:noFill/>
-          <a:extLst>
-            <a:ext uri="{909E8E84-426E-40DD-AFC4-6F175D3DCCD1}">
-              <a14:hiddenFill xmlns:a14="http://schemas.microsoft.com/office/drawing/2010/main">
-                <a:solidFill>
-                  <a:srgbClr val="FFFFFF"/>
-                </a:solidFill>
-              </a14:hiddenFill>
-            </a:ext>
-          </a:extLst>
-        </p:spPr>
-      </p:pic>
-    </p:spTree>
-    <p:extLst>
-      <p:ext uri="{BB962C8B-B14F-4D97-AF65-F5344CB8AC3E}">
-        <p14:creationId xmlns:p14="http://schemas.microsoft.com/office/powerpoint/2010/main" val="3272348645"/>
-      </p:ext>
-    </p:extLst>
-  </p:cSld>
-  <p:clrMapOvr>
-    <a:masterClrMapping/>
-  </p:clrMapOvr>
-</p:sld>
-</file>
-
-<file path=ppt/slides/slide9.xml><?xml version="1.0" encoding="utf-8"?>
 <p:sld xmlns:a="http://schemas.openxmlformats.org/drawingml/2006/main" xmlns:r="http://schemas.openxmlformats.org/officeDocument/2006/relationships" xmlns:p="http://schemas.openxmlformats.org/presentationml/2006/main">
   <p:cSld>
     <p:spTree>
@@ -5775,6 +3996,1901 @@
   <p:clrMapOvr>
     <a:masterClrMapping/>
   </p:clrMapOvr>
+  <p:timing>
+    <p:tnLst>
+      <p:par>
+        <p:cTn id="1" dur="indefinite" restart="never" nodeType="tmRoot"/>
+      </p:par>
+    </p:tnLst>
+  </p:timing>
+</p:sld>
+</file>
+
+<file path=ppt/slides/slide11.xml><?xml version="1.0" encoding="utf-8"?>
+<p:sld xmlns:a="http://schemas.openxmlformats.org/drawingml/2006/main" xmlns:r="http://schemas.openxmlformats.org/officeDocument/2006/relationships" xmlns:p="http://schemas.openxmlformats.org/presentationml/2006/main">
+  <p:cSld>
+    <p:spTree>
+      <p:nvGrpSpPr>
+        <p:cNvPr id="1" name=""/>
+        <p:cNvGrpSpPr/>
+        <p:nvPr/>
+      </p:nvGrpSpPr>
+      <p:grpSpPr>
+        <a:xfrm>
+          <a:off x="0" y="0"/>
+          <a:ext cx="0" cy="0"/>
+          <a:chOff x="0" y="0"/>
+          <a:chExt cx="0" cy="0"/>
+        </a:xfrm>
+      </p:grpSpPr>
+      <p:sp>
+        <p:nvSpPr>
+          <p:cNvPr id="2" name="Titre 1"/>
+          <p:cNvSpPr>
+            <a:spLocks noGrp="1"/>
+          </p:cNvSpPr>
+          <p:nvPr>
+            <p:ph type="title"/>
+          </p:nvPr>
+        </p:nvSpPr>
+        <p:spPr/>
+        <p:txBody>
+          <a:bodyPr/>
+          <a:lstStyle/>
+          <a:p>
+            <a:r>
+              <a:rPr lang="fr-FR" dirty="0" smtClean="0"/>
+              <a:t>LSTM</a:t>
+            </a:r>
+            <a:endParaRPr lang="fr-FR" dirty="0"/>
+          </a:p>
+        </p:txBody>
+      </p:sp>
+      <p:sp>
+        <p:nvSpPr>
+          <p:cNvPr id="3" name="Espace réservé du contenu 2"/>
+          <p:cNvSpPr>
+            <a:spLocks noGrp="1"/>
+          </p:cNvSpPr>
+          <p:nvPr>
+            <p:ph idx="1"/>
+          </p:nvPr>
+        </p:nvSpPr>
+        <p:spPr/>
+        <p:txBody>
+          <a:bodyPr/>
+          <a:lstStyle/>
+          <a:p>
+            <a:r>
+              <a:rPr lang="fr-FR" dirty="0" smtClean="0"/>
+              <a:t>De nombreuses variantes existent</a:t>
+            </a:r>
+            <a:endParaRPr lang="fr-FR" dirty="0"/>
+          </a:p>
+        </p:txBody>
+      </p:sp>
+      <p:pic>
+        <p:nvPicPr>
+          <p:cNvPr id="4098" name="Picture 2" descr="A gated recurrent unit neural network."/>
+          <p:cNvPicPr>
+            <a:picLocks noChangeAspect="1" noChangeArrowheads="1"/>
+          </p:cNvPicPr>
+          <p:nvPr/>
+        </p:nvPicPr>
+        <p:blipFill>
+          <a:blip r:embed="rId2">
+            <a:extLst>
+              <a:ext uri="{28A0092B-C50C-407E-A947-70E740481C1C}">
+                <a14:useLocalDpi xmlns:a14="http://schemas.microsoft.com/office/drawing/2010/main" val="0"/>
+              </a:ext>
+            </a:extLst>
+          </a:blip>
+          <a:srcRect/>
+          <a:stretch>
+            <a:fillRect/>
+          </a:stretch>
+        </p:blipFill>
+        <p:spPr bwMode="auto">
+          <a:xfrm>
+            <a:off x="366156" y="2492896"/>
+            <a:ext cx="8392762" cy="2592288"/>
+          </a:xfrm>
+          <a:prstGeom prst="rect">
+            <a:avLst/>
+          </a:prstGeom>
+          <a:noFill/>
+          <a:extLst>
+            <a:ext uri="{909E8E84-426E-40DD-AFC4-6F175D3DCCD1}">
+              <a14:hiddenFill xmlns:a14="http://schemas.microsoft.com/office/drawing/2010/main">
+                <a:solidFill>
+                  <a:srgbClr val="FFFFFF"/>
+                </a:solidFill>
+              </a14:hiddenFill>
+            </a:ext>
+          </a:extLst>
+        </p:spPr>
+      </p:pic>
+    </p:spTree>
+    <p:extLst>
+      <p:ext uri="{BB962C8B-B14F-4D97-AF65-F5344CB8AC3E}">
+        <p14:creationId xmlns:p14="http://schemas.microsoft.com/office/powerpoint/2010/main" val="3434878875"/>
+      </p:ext>
+    </p:extLst>
+  </p:cSld>
+  <p:clrMapOvr>
+    <a:masterClrMapping/>
+  </p:clrMapOvr>
+  <p:timing>
+    <p:tnLst>
+      <p:par>
+        <p:cTn id="1" dur="indefinite" restart="never" nodeType="tmRoot"/>
+      </p:par>
+    </p:tnLst>
+  </p:timing>
+</p:sld>
+</file>
+
+<file path=ppt/slides/slide12.xml><?xml version="1.0" encoding="utf-8"?>
+<p:sld xmlns:a="http://schemas.openxmlformats.org/drawingml/2006/main" xmlns:r="http://schemas.openxmlformats.org/officeDocument/2006/relationships" xmlns:p="http://schemas.openxmlformats.org/presentationml/2006/main">
+  <p:cSld>
+    <p:spTree>
+      <p:nvGrpSpPr>
+        <p:cNvPr id="1" name=""/>
+        <p:cNvGrpSpPr/>
+        <p:nvPr/>
+      </p:nvGrpSpPr>
+      <p:grpSpPr>
+        <a:xfrm>
+          <a:off x="0" y="0"/>
+          <a:ext cx="0" cy="0"/>
+          <a:chOff x="0" y="0"/>
+          <a:chExt cx="0" cy="0"/>
+        </a:xfrm>
+      </p:grpSpPr>
+      <p:sp>
+        <p:nvSpPr>
+          <p:cNvPr id="2" name="Titre 1"/>
+          <p:cNvSpPr>
+            <a:spLocks noGrp="1"/>
+          </p:cNvSpPr>
+          <p:nvPr>
+            <p:ph type="title"/>
+          </p:nvPr>
+        </p:nvSpPr>
+        <p:spPr/>
+        <p:txBody>
+          <a:bodyPr/>
+          <a:lstStyle/>
+          <a:p>
+            <a:r>
+              <a:rPr lang="fr-FR" dirty="0" smtClean="0"/>
+              <a:t>Réseaux </a:t>
+            </a:r>
+            <a:r>
+              <a:rPr lang="fr-FR" dirty="0" err="1" smtClean="0"/>
+              <a:t>déconvolutifs</a:t>
+            </a:r>
+            <a:endParaRPr lang="fr-FR" dirty="0"/>
+          </a:p>
+        </p:txBody>
+      </p:sp>
+      <p:sp>
+        <p:nvSpPr>
+          <p:cNvPr id="3" name="Espace réservé du contenu 2"/>
+          <p:cNvSpPr>
+            <a:spLocks noGrp="1"/>
+          </p:cNvSpPr>
+          <p:nvPr>
+            <p:ph idx="1"/>
+          </p:nvPr>
+        </p:nvSpPr>
+        <p:spPr/>
+        <p:txBody>
+          <a:bodyPr/>
+          <a:lstStyle/>
+          <a:p>
+            <a:r>
+              <a:rPr lang="fr-FR" dirty="0" smtClean="0"/>
+              <a:t>Permet de construire de l'information</a:t>
+            </a:r>
+          </a:p>
+          <a:p>
+            <a:r>
+              <a:rPr lang="fr-FR" dirty="0" smtClean="0"/>
+              <a:t>U-net est le plus connu</a:t>
+            </a:r>
+          </a:p>
+          <a:p>
+            <a:endParaRPr lang="fr-FR" dirty="0"/>
+          </a:p>
+        </p:txBody>
+      </p:sp>
+      <p:pic>
+        <p:nvPicPr>
+          <p:cNvPr id="5122" name="Picture 2" descr="https://miro.medium.com/max/800/1*OkUrpDD6I0FpugA_bbYBJQ.png"/>
+          <p:cNvPicPr>
+            <a:picLocks noChangeAspect="1" noChangeArrowheads="1"/>
+          </p:cNvPicPr>
+          <p:nvPr/>
+        </p:nvPicPr>
+        <p:blipFill>
+          <a:blip r:embed="rId2">
+            <a:extLst>
+              <a:ext uri="{28A0092B-C50C-407E-A947-70E740481C1C}">
+                <a14:useLocalDpi xmlns:a14="http://schemas.microsoft.com/office/drawing/2010/main" val="0"/>
+              </a:ext>
+            </a:extLst>
+          </a:blip>
+          <a:srcRect/>
+          <a:stretch>
+            <a:fillRect/>
+          </a:stretch>
+        </p:blipFill>
+        <p:spPr bwMode="auto">
+          <a:xfrm>
+            <a:off x="1331640" y="2492896"/>
+            <a:ext cx="5832648" cy="4994206"/>
+          </a:xfrm>
+          <a:prstGeom prst="rect">
+            <a:avLst/>
+          </a:prstGeom>
+          <a:noFill/>
+          <a:extLst>
+            <a:ext uri="{909E8E84-426E-40DD-AFC4-6F175D3DCCD1}">
+              <a14:hiddenFill xmlns:a14="http://schemas.microsoft.com/office/drawing/2010/main">
+                <a:solidFill>
+                  <a:srgbClr val="FFFFFF"/>
+                </a:solidFill>
+              </a14:hiddenFill>
+            </a:ext>
+          </a:extLst>
+        </p:spPr>
+      </p:pic>
+    </p:spTree>
+    <p:extLst>
+      <p:ext uri="{BB962C8B-B14F-4D97-AF65-F5344CB8AC3E}">
+        <p14:creationId xmlns:p14="http://schemas.microsoft.com/office/powerpoint/2010/main" val="3046295239"/>
+      </p:ext>
+    </p:extLst>
+  </p:cSld>
+  <p:clrMapOvr>
+    <a:masterClrMapping/>
+  </p:clrMapOvr>
+  <p:timing>
+    <p:tnLst>
+      <p:par>
+        <p:cTn id="1" dur="indefinite" restart="never" nodeType="tmRoot"/>
+      </p:par>
+    </p:tnLst>
+  </p:timing>
+</p:sld>
+</file>
+
+<file path=ppt/slides/slide13.xml><?xml version="1.0" encoding="utf-8"?>
+<p:sld xmlns:a="http://schemas.openxmlformats.org/drawingml/2006/main" xmlns:r="http://schemas.openxmlformats.org/officeDocument/2006/relationships" xmlns:p="http://schemas.openxmlformats.org/presentationml/2006/main">
+  <p:cSld>
+    <p:spTree>
+      <p:nvGrpSpPr>
+        <p:cNvPr id="1" name=""/>
+        <p:cNvGrpSpPr/>
+        <p:nvPr/>
+      </p:nvGrpSpPr>
+      <p:grpSpPr>
+        <a:xfrm>
+          <a:off x="0" y="0"/>
+          <a:ext cx="0" cy="0"/>
+          <a:chOff x="0" y="0"/>
+          <a:chExt cx="0" cy="0"/>
+        </a:xfrm>
+      </p:grpSpPr>
+      <p:sp>
+        <p:nvSpPr>
+          <p:cNvPr id="2" name="Titre 1"/>
+          <p:cNvSpPr>
+            <a:spLocks noGrp="1"/>
+          </p:cNvSpPr>
+          <p:nvPr>
+            <p:ph type="title"/>
+          </p:nvPr>
+        </p:nvSpPr>
+        <p:spPr/>
+        <p:txBody>
+          <a:bodyPr/>
+          <a:lstStyle/>
+          <a:p>
+            <a:r>
+              <a:rPr lang="fr-FR" dirty="0" smtClean="0"/>
+              <a:t>Conv2dTranspose</a:t>
+            </a:r>
+            <a:endParaRPr lang="fr-FR" dirty="0"/>
+          </a:p>
+        </p:txBody>
+      </p:sp>
+      <p:sp>
+        <p:nvSpPr>
+          <p:cNvPr id="3" name="Espace réservé du contenu 2"/>
+          <p:cNvSpPr>
+            <a:spLocks noGrp="1"/>
+          </p:cNvSpPr>
+          <p:nvPr>
+            <p:ph idx="1"/>
+          </p:nvPr>
+        </p:nvSpPr>
+        <p:spPr/>
+        <p:txBody>
+          <a:bodyPr/>
+          <a:lstStyle/>
+          <a:p>
+            <a:r>
+              <a:rPr lang="fr-FR" dirty="0" smtClean="0"/>
+              <a:t>Effectue une </a:t>
+            </a:r>
+            <a:r>
+              <a:rPr lang="fr-FR" dirty="0" err="1" smtClean="0"/>
+              <a:t>déconvolution</a:t>
+            </a:r>
+            <a:endParaRPr lang="fr-FR" dirty="0" smtClean="0"/>
+          </a:p>
+          <a:p>
+            <a:pPr lvl="1"/>
+            <a:r>
+              <a:rPr lang="fr-FR" dirty="0" smtClean="0"/>
+              <a:t>Inverse la convolution et le </a:t>
+            </a:r>
+            <a:r>
+              <a:rPr lang="fr-FR" dirty="0" err="1" smtClean="0"/>
+              <a:t>pooling</a:t>
+            </a:r>
+            <a:endParaRPr lang="fr-FR" dirty="0" smtClean="0"/>
+          </a:p>
+          <a:p>
+            <a:pPr lvl="1"/>
+            <a:r>
+              <a:rPr lang="fr-FR" dirty="0" smtClean="0"/>
+              <a:t>Le nombre de possibilité est très élevé</a:t>
+            </a:r>
+          </a:p>
+          <a:p>
+            <a:pPr lvl="1"/>
+            <a:r>
+              <a:rPr lang="fr-FR" dirty="0" smtClean="0"/>
+              <a:t>Le paramètre de Conv2dTranspose est le nombre de fenêtre de </a:t>
+            </a:r>
+            <a:r>
+              <a:rPr lang="fr-FR" dirty="0" err="1" smtClean="0"/>
+              <a:t>déconvolution</a:t>
+            </a:r>
+            <a:r>
+              <a:rPr lang="fr-FR" dirty="0" smtClean="0"/>
+              <a:t> possible</a:t>
+            </a:r>
+          </a:p>
+          <a:p>
+            <a:pPr lvl="1"/>
+            <a:r>
+              <a:rPr lang="fr-FR" dirty="0" smtClean="0"/>
+              <a:t>Ce sont les poids du layer</a:t>
+            </a:r>
+          </a:p>
+          <a:p>
+            <a:pPr lvl="1"/>
+            <a:r>
+              <a:rPr lang="fr-FR" dirty="0" smtClean="0"/>
+              <a:t>Reconstruit une image haute définition à partir d’une </a:t>
+            </a:r>
+            <a:r>
+              <a:rPr lang="fr-FR" smtClean="0"/>
+              <a:t>basse résolution</a:t>
+            </a:r>
+            <a:endParaRPr lang="fr-FR" dirty="0"/>
+          </a:p>
+        </p:txBody>
+      </p:sp>
+    </p:spTree>
+    <p:extLst>
+      <p:ext uri="{BB962C8B-B14F-4D97-AF65-F5344CB8AC3E}">
+        <p14:creationId xmlns:p14="http://schemas.microsoft.com/office/powerpoint/2010/main" val="343384502"/>
+      </p:ext>
+    </p:extLst>
+  </p:cSld>
+  <p:clrMapOvr>
+    <a:masterClrMapping/>
+  </p:clrMapOvr>
+  <p:timing>
+    <p:tnLst>
+      <p:par>
+        <p:cTn id="1" dur="indefinite" restart="never" nodeType="tmRoot"/>
+      </p:par>
+    </p:tnLst>
+  </p:timing>
+</p:sld>
+</file>
+
+<file path=ppt/slides/slide2.xml><?xml version="1.0" encoding="utf-8"?>
+<p:sld xmlns:a="http://schemas.openxmlformats.org/drawingml/2006/main" xmlns:r="http://schemas.openxmlformats.org/officeDocument/2006/relationships" xmlns:p="http://schemas.openxmlformats.org/presentationml/2006/main">
+  <p:cSld>
+    <p:spTree>
+      <p:nvGrpSpPr>
+        <p:cNvPr id="1" name=""/>
+        <p:cNvGrpSpPr/>
+        <p:nvPr/>
+      </p:nvGrpSpPr>
+      <p:grpSpPr>
+        <a:xfrm>
+          <a:off x="0" y="0"/>
+          <a:ext cx="0" cy="0"/>
+          <a:chOff x="0" y="0"/>
+          <a:chExt cx="0" cy="0"/>
+        </a:xfrm>
+      </p:grpSpPr>
+      <p:sp>
+        <p:nvSpPr>
+          <p:cNvPr id="2" name="Titre 1"/>
+          <p:cNvSpPr>
+            <a:spLocks noGrp="1"/>
+          </p:cNvSpPr>
+          <p:nvPr>
+            <p:ph type="title"/>
+          </p:nvPr>
+        </p:nvSpPr>
+        <p:spPr/>
+        <p:txBody>
+          <a:bodyPr/>
+          <a:lstStyle/>
+          <a:p>
+            <a:r>
+              <a:rPr lang="fr-FR" dirty="0" err="1" smtClean="0"/>
+              <a:t>TensorFlow</a:t>
+            </a:r>
+            <a:r>
+              <a:rPr lang="fr-FR" dirty="0" smtClean="0"/>
+              <a:t> </a:t>
+            </a:r>
+            <a:r>
+              <a:rPr lang="fr-FR" dirty="0" err="1" smtClean="0"/>
+              <a:t>AlphaGo</a:t>
+            </a:r>
+            <a:endParaRPr lang="fr-FR" dirty="0"/>
+          </a:p>
+        </p:txBody>
+      </p:sp>
+      <p:sp>
+        <p:nvSpPr>
+          <p:cNvPr id="3" name="Espace réservé du contenu 2"/>
+          <p:cNvSpPr>
+            <a:spLocks noGrp="1"/>
+          </p:cNvSpPr>
+          <p:nvPr>
+            <p:ph idx="1"/>
+          </p:nvPr>
+        </p:nvSpPr>
+        <p:spPr/>
+        <p:txBody>
+          <a:bodyPr/>
+          <a:lstStyle/>
+          <a:p>
+            <a:r>
+              <a:rPr lang="fr-FR" dirty="0" smtClean="0"/>
+              <a:t>IBM </a:t>
+            </a:r>
+            <a:r>
+              <a:rPr lang="fr-FR" dirty="0" err="1" smtClean="0"/>
+              <a:t>DeepBlue</a:t>
+            </a:r>
+            <a:endParaRPr lang="fr-FR" dirty="0"/>
+          </a:p>
+          <a:p>
+            <a:pPr lvl="1"/>
+            <a:r>
+              <a:rPr lang="fr-FR" dirty="0" smtClean="0"/>
+              <a:t>Bas Kasparov en 1997</a:t>
+            </a:r>
+            <a:endParaRPr lang="fr-FR" dirty="0"/>
+          </a:p>
+          <a:p>
+            <a:r>
+              <a:rPr lang="fr-FR" dirty="0" err="1" smtClean="0"/>
+              <a:t>AlphaGo</a:t>
+            </a:r>
+            <a:endParaRPr lang="fr-FR" dirty="0" smtClean="0"/>
+          </a:p>
+          <a:p>
+            <a:pPr lvl="1"/>
+            <a:r>
+              <a:rPr lang="fr-FR" dirty="0" smtClean="0"/>
+              <a:t>Développé par Google </a:t>
+            </a:r>
+            <a:r>
+              <a:rPr lang="fr-FR" dirty="0" err="1" smtClean="0"/>
+              <a:t>DeepMind</a:t>
+            </a:r>
+            <a:endParaRPr lang="fr-FR" dirty="0" smtClean="0"/>
+          </a:p>
+          <a:p>
+            <a:pPr lvl="1"/>
+            <a:r>
+              <a:rPr lang="fr-FR" dirty="0" smtClean="0"/>
+              <a:t>Bas un pro en 2015</a:t>
+            </a:r>
+          </a:p>
+          <a:p>
+            <a:pPr lvl="1"/>
+            <a:r>
+              <a:rPr lang="fr-FR" dirty="0" smtClean="0"/>
+              <a:t>Ingère une énorme base de données de parties de Go</a:t>
+            </a:r>
+          </a:p>
+          <a:p>
+            <a:pPr lvl="1"/>
+            <a:r>
+              <a:rPr lang="fr-FR" dirty="0" smtClean="0"/>
+              <a:t>Parcours de graphe</a:t>
+            </a:r>
+          </a:p>
+          <a:p>
+            <a:pPr lvl="1"/>
+            <a:r>
+              <a:rPr lang="fr-FR" dirty="0" smtClean="0"/>
+              <a:t>Deux réseaux de neurone</a:t>
+            </a:r>
+          </a:p>
+          <a:p>
+            <a:pPr lvl="2"/>
+            <a:r>
+              <a:rPr lang="fr-FR" dirty="0" smtClean="0"/>
+              <a:t>Un pour les valeurs, un autre pour les objectifs</a:t>
+            </a:r>
+          </a:p>
+          <a:p>
+            <a:pPr lvl="1"/>
+            <a:r>
+              <a:rPr lang="fr-FR" dirty="0" smtClean="0"/>
+              <a:t>Joue contre lui même</a:t>
+            </a:r>
+          </a:p>
+          <a:p>
+            <a:pPr lvl="1"/>
+            <a:r>
+              <a:rPr lang="fr-FR" dirty="0" smtClean="0"/>
+              <a:t>Bas Lee </a:t>
+            </a:r>
+            <a:r>
+              <a:rPr lang="fr-FR" dirty="0" err="1" smtClean="0"/>
+              <a:t>Sedol</a:t>
+            </a:r>
+            <a:r>
+              <a:rPr lang="fr-FR" dirty="0" smtClean="0"/>
+              <a:t> le n°1 mondial en </a:t>
+            </a:r>
+            <a:r>
+              <a:rPr lang="fr-FR" dirty="0" smtClean="0"/>
+              <a:t>2017</a:t>
+            </a:r>
+          </a:p>
+        </p:txBody>
+      </p:sp>
+      <p:pic>
+        <p:nvPicPr>
+          <p:cNvPr id="1026" name="Picture 2" descr="https://cdn-images-1.medium.com/max/2560/1*Uz2UQz3xjLm21dgGd94fNw.jpeg"/>
+          <p:cNvPicPr>
+            <a:picLocks noChangeAspect="1" noChangeArrowheads="1"/>
+          </p:cNvPicPr>
+          <p:nvPr/>
+        </p:nvPicPr>
+        <p:blipFill>
+          <a:blip r:embed="rId2" cstate="print">
+            <a:extLst>
+              <a:ext uri="{28A0092B-C50C-407E-A947-70E740481C1C}">
+                <a14:useLocalDpi xmlns:a14="http://schemas.microsoft.com/office/drawing/2010/main" val="0"/>
+              </a:ext>
+            </a:extLst>
+          </a:blip>
+          <a:srcRect/>
+          <a:stretch>
+            <a:fillRect/>
+          </a:stretch>
+        </p:blipFill>
+        <p:spPr bwMode="auto">
+          <a:xfrm>
+            <a:off x="5724128" y="836712"/>
+            <a:ext cx="2957728" cy="2864079"/>
+          </a:xfrm>
+          <a:prstGeom prst="rect">
+            <a:avLst/>
+          </a:prstGeom>
+          <a:noFill/>
+          <a:extLst>
+            <a:ext uri="{909E8E84-426E-40DD-AFC4-6F175D3DCCD1}">
+              <a14:hiddenFill xmlns:a14="http://schemas.microsoft.com/office/drawing/2010/main">
+                <a:solidFill>
+                  <a:srgbClr val="FFFFFF"/>
+                </a:solidFill>
+              </a14:hiddenFill>
+            </a:ext>
+          </a:extLst>
+        </p:spPr>
+      </p:pic>
+    </p:spTree>
+    <p:extLst>
+      <p:ext uri="{BB962C8B-B14F-4D97-AF65-F5344CB8AC3E}">
+        <p14:creationId xmlns:p14="http://schemas.microsoft.com/office/powerpoint/2010/main" val="3414534051"/>
+      </p:ext>
+    </p:extLst>
+  </p:cSld>
+  <p:clrMapOvr>
+    <a:masterClrMapping/>
+  </p:clrMapOvr>
+  <p:timing>
+    <p:tnLst>
+      <p:par>
+        <p:cTn id="1" dur="indefinite" restart="never" nodeType="tmRoot"/>
+      </p:par>
+    </p:tnLst>
+  </p:timing>
+</p:sld>
+</file>
+
+<file path=ppt/slides/slide3.xml><?xml version="1.0" encoding="utf-8"?>
+<p:sld xmlns:a="http://schemas.openxmlformats.org/drawingml/2006/main" xmlns:r="http://schemas.openxmlformats.org/officeDocument/2006/relationships" xmlns:p="http://schemas.openxmlformats.org/presentationml/2006/main">
+  <p:cSld>
+    <p:spTree>
+      <p:nvGrpSpPr>
+        <p:cNvPr id="1" name=""/>
+        <p:cNvGrpSpPr/>
+        <p:nvPr/>
+      </p:nvGrpSpPr>
+      <p:grpSpPr>
+        <a:xfrm>
+          <a:off x="0" y="0"/>
+          <a:ext cx="0" cy="0"/>
+          <a:chOff x="0" y="0"/>
+          <a:chExt cx="0" cy="0"/>
+        </a:xfrm>
+      </p:grpSpPr>
+      <p:sp>
+        <p:nvSpPr>
+          <p:cNvPr id="2" name="Titre 1"/>
+          <p:cNvSpPr>
+            <a:spLocks noGrp="1"/>
+          </p:cNvSpPr>
+          <p:nvPr>
+            <p:ph type="title"/>
+          </p:nvPr>
+        </p:nvSpPr>
+        <p:spPr/>
+        <p:txBody>
+          <a:bodyPr/>
+          <a:lstStyle/>
+          <a:p>
+            <a:r>
+              <a:rPr lang="fr-FR" dirty="0" smtClean="0"/>
+              <a:t>Move 37!</a:t>
+            </a:r>
+            <a:endParaRPr lang="fr-FR" dirty="0"/>
+          </a:p>
+        </p:txBody>
+      </p:sp>
+      <p:sp>
+        <p:nvSpPr>
+          <p:cNvPr id="3" name="Espace réservé du contenu 2"/>
+          <p:cNvSpPr>
+            <a:spLocks noGrp="1"/>
+          </p:cNvSpPr>
+          <p:nvPr>
+            <p:ph idx="1"/>
+          </p:nvPr>
+        </p:nvSpPr>
+        <p:spPr>
+          <a:xfrm>
+            <a:off x="179512" y="1412776"/>
+            <a:ext cx="8766051" cy="2808312"/>
+          </a:xfrm>
+        </p:spPr>
+        <p:txBody>
+          <a:bodyPr/>
+          <a:lstStyle/>
+          <a:p>
+            <a:r>
+              <a:rPr lang="fr-FR" sz="2000" dirty="0" err="1" smtClean="0"/>
+              <a:t>AlphaGo</a:t>
+            </a:r>
+            <a:r>
+              <a:rPr lang="fr-FR" sz="2000" dirty="0" smtClean="0"/>
+              <a:t> </a:t>
+            </a:r>
+            <a:r>
+              <a:rPr lang="fr-FR" sz="2000" dirty="0" err="1" smtClean="0"/>
+              <a:t>Zero</a:t>
+            </a:r>
+            <a:endParaRPr lang="fr-FR" sz="2000" dirty="0" smtClean="0"/>
+          </a:p>
+          <a:p>
+            <a:pPr lvl="1"/>
+            <a:r>
+              <a:rPr lang="fr-FR" sz="1800" dirty="0"/>
+              <a:t>Article publié sur </a:t>
+            </a:r>
+            <a:r>
+              <a:rPr lang="fr-FR" sz="1800" dirty="0" smtClean="0"/>
+              <a:t>Arxiv.org en 2017</a:t>
+            </a:r>
+          </a:p>
+          <a:p>
+            <a:pPr lvl="1"/>
+            <a:r>
+              <a:rPr lang="fr-FR" sz="1800" dirty="0" smtClean="0"/>
+              <a:t>Simplifie </a:t>
+            </a:r>
+            <a:r>
+              <a:rPr lang="fr-FR" sz="1800" dirty="0" err="1" smtClean="0"/>
+              <a:t>AlphaGo</a:t>
+            </a:r>
+            <a:endParaRPr lang="fr-FR" sz="1800" dirty="0" smtClean="0"/>
+          </a:p>
+          <a:p>
+            <a:pPr lvl="1"/>
+            <a:r>
+              <a:rPr lang="fr-FR" sz="1800" dirty="0" smtClean="0"/>
+              <a:t>Un seul réseau</a:t>
+            </a:r>
+          </a:p>
+          <a:p>
+            <a:pPr lvl="1"/>
+            <a:r>
+              <a:rPr lang="fr-FR" sz="1800" dirty="0" smtClean="0"/>
+              <a:t>Aucune base de données</a:t>
+            </a:r>
+          </a:p>
+          <a:p>
+            <a:pPr lvl="1"/>
+            <a:r>
+              <a:rPr lang="fr-FR" sz="1800" dirty="0" smtClean="0"/>
+              <a:t>Joue contre lui-même</a:t>
+            </a:r>
+          </a:p>
+          <a:p>
+            <a:pPr lvl="1"/>
+            <a:r>
+              <a:rPr lang="fr-FR" sz="1800" dirty="0" smtClean="0"/>
+              <a:t>Les règles du jeu de Go sont codées en "dur"</a:t>
+            </a:r>
+          </a:p>
+          <a:p>
+            <a:pPr lvl="1"/>
+            <a:r>
+              <a:rPr lang="fr-FR" sz="1800" dirty="0" smtClean="0"/>
+              <a:t>Bat </a:t>
+            </a:r>
+            <a:r>
+              <a:rPr lang="fr-FR" sz="1800" dirty="0"/>
+              <a:t>un humain en 24h</a:t>
+            </a:r>
+          </a:p>
+          <a:p>
+            <a:pPr lvl="1"/>
+            <a:r>
+              <a:rPr lang="fr-FR" sz="1800" dirty="0" smtClean="0"/>
+              <a:t>Bat </a:t>
+            </a:r>
+            <a:r>
+              <a:rPr lang="fr-FR" sz="1800" dirty="0"/>
+              <a:t>un champion du monde en 3 </a:t>
+            </a:r>
+            <a:r>
+              <a:rPr lang="fr-FR" sz="1800" dirty="0" smtClean="0"/>
+              <a:t>jours</a:t>
+            </a:r>
+          </a:p>
+          <a:p>
+            <a:pPr lvl="1"/>
+            <a:endParaRPr lang="fr-FR" sz="1800" dirty="0"/>
+          </a:p>
+          <a:p>
+            <a:pPr lvl="1"/>
+            <a:endParaRPr lang="fr-FR" sz="1800" dirty="0" smtClean="0"/>
+          </a:p>
+        </p:txBody>
+      </p:sp>
+      <p:pic>
+        <p:nvPicPr>
+          <p:cNvPr id="4" name="Image 3"/>
+          <p:cNvPicPr>
+            <a:picLocks noChangeAspect="1"/>
+          </p:cNvPicPr>
+          <p:nvPr/>
+        </p:nvPicPr>
+        <p:blipFill>
+          <a:blip r:embed="rId2"/>
+          <a:stretch>
+            <a:fillRect/>
+          </a:stretch>
+        </p:blipFill>
+        <p:spPr>
+          <a:xfrm>
+            <a:off x="2051720" y="4477655"/>
+            <a:ext cx="4635409" cy="2380345"/>
+          </a:xfrm>
+          <a:prstGeom prst="rect">
+            <a:avLst/>
+          </a:prstGeom>
+        </p:spPr>
+      </p:pic>
+    </p:spTree>
+    <p:extLst>
+      <p:ext uri="{BB962C8B-B14F-4D97-AF65-F5344CB8AC3E}">
+        <p14:creationId xmlns:p14="http://schemas.microsoft.com/office/powerpoint/2010/main" val="2580514171"/>
+      </p:ext>
+    </p:extLst>
+  </p:cSld>
+  <p:clrMapOvr>
+    <a:masterClrMapping/>
+  </p:clrMapOvr>
+  <p:timing>
+    <p:tnLst>
+      <p:par>
+        <p:cTn id="1" dur="indefinite" restart="never" nodeType="tmRoot"/>
+      </p:par>
+    </p:tnLst>
+  </p:timing>
+</p:sld>
+</file>
+
+<file path=ppt/slides/slide4.xml><?xml version="1.0" encoding="utf-8"?>
+<p:sld xmlns:a="http://schemas.openxmlformats.org/drawingml/2006/main" xmlns:r="http://schemas.openxmlformats.org/officeDocument/2006/relationships" xmlns:p="http://schemas.openxmlformats.org/presentationml/2006/main">
+  <p:cSld>
+    <p:spTree>
+      <p:nvGrpSpPr>
+        <p:cNvPr id="1" name=""/>
+        <p:cNvGrpSpPr/>
+        <p:nvPr/>
+      </p:nvGrpSpPr>
+      <p:grpSpPr>
+        <a:xfrm>
+          <a:off x="0" y="0"/>
+          <a:ext cx="0" cy="0"/>
+          <a:chOff x="0" y="0"/>
+          <a:chExt cx="0" cy="0"/>
+        </a:xfrm>
+      </p:grpSpPr>
+      <p:sp>
+        <p:nvSpPr>
+          <p:cNvPr id="2" name="Titre 1"/>
+          <p:cNvSpPr>
+            <a:spLocks noGrp="1"/>
+          </p:cNvSpPr>
+          <p:nvPr>
+            <p:ph type="title"/>
+          </p:nvPr>
+        </p:nvSpPr>
+        <p:spPr/>
+        <p:txBody>
+          <a:bodyPr/>
+          <a:lstStyle/>
+          <a:p>
+            <a:r>
+              <a:rPr lang="fr-FR" dirty="0" smtClean="0"/>
+              <a:t>Alpha </a:t>
+            </a:r>
+            <a:r>
+              <a:rPr lang="fr-FR" dirty="0" err="1" smtClean="0"/>
+              <a:t>Zero</a:t>
+            </a:r>
+            <a:endParaRPr lang="fr-FR" dirty="0"/>
+          </a:p>
+        </p:txBody>
+      </p:sp>
+      <p:sp>
+        <p:nvSpPr>
+          <p:cNvPr id="3" name="Espace réservé du contenu 2"/>
+          <p:cNvSpPr>
+            <a:spLocks noGrp="1"/>
+          </p:cNvSpPr>
+          <p:nvPr>
+            <p:ph idx="1"/>
+          </p:nvPr>
+        </p:nvSpPr>
+        <p:spPr/>
+        <p:txBody>
+          <a:bodyPr/>
+          <a:lstStyle/>
+          <a:p>
+            <a:r>
+              <a:rPr lang="fr-FR" dirty="0" err="1" smtClean="0"/>
+              <a:t>AlphaZero</a:t>
+            </a:r>
+            <a:endParaRPr lang="fr-FR" dirty="0" smtClean="0"/>
+          </a:p>
+          <a:p>
+            <a:pPr lvl="1"/>
+            <a:r>
+              <a:rPr lang="fr-FR" dirty="0" smtClean="0"/>
+              <a:t>Version généraliste de </a:t>
+            </a:r>
+            <a:r>
+              <a:rPr lang="fr-FR" dirty="0" err="1" smtClean="0"/>
+              <a:t>AlphaGo</a:t>
+            </a:r>
+            <a:endParaRPr lang="fr-FR" dirty="0" smtClean="0"/>
+          </a:p>
+          <a:p>
+            <a:pPr lvl="1"/>
+            <a:r>
+              <a:rPr lang="fr-FR" dirty="0" smtClean="0"/>
+              <a:t>Echec, Go, </a:t>
+            </a:r>
+            <a:r>
+              <a:rPr lang="fr-FR" dirty="0" err="1" smtClean="0"/>
+              <a:t>Shogi</a:t>
+            </a:r>
+            <a:r>
+              <a:rPr lang="fr-FR" dirty="0" smtClean="0"/>
+              <a:t>, …</a:t>
+            </a:r>
+            <a:endParaRPr lang="fr-FR" dirty="0"/>
+          </a:p>
+          <a:p>
+            <a:r>
+              <a:rPr lang="fr-FR" dirty="0" smtClean="0"/>
+              <a:t>Part de Zéro</a:t>
+            </a:r>
+          </a:p>
+          <a:p>
+            <a:pPr lvl="1"/>
+            <a:r>
+              <a:rPr lang="fr-FR" dirty="0" smtClean="0"/>
+              <a:t>Est bien meilleurs qu'un apprentissage supervisé</a:t>
+            </a:r>
+          </a:p>
+          <a:p>
+            <a:pPr lvl="1"/>
+            <a:r>
+              <a:rPr lang="fr-FR" dirty="0" smtClean="0"/>
+              <a:t>N'est as limité par l'intelligence humaine</a:t>
+            </a:r>
+          </a:p>
+          <a:p>
+            <a:pPr lvl="1"/>
+            <a:r>
+              <a:rPr lang="fr-FR" dirty="0" smtClean="0"/>
+              <a:t>Bat un champion du monde en 4h</a:t>
+            </a:r>
+          </a:p>
+          <a:p>
+            <a:pPr lvl="1"/>
+            <a:r>
+              <a:rPr lang="fr-FR" dirty="0" smtClean="0"/>
+              <a:t>Bat </a:t>
+            </a:r>
+            <a:r>
+              <a:rPr lang="fr-FR" dirty="0" err="1" smtClean="0"/>
+              <a:t>AlphaGo</a:t>
+            </a:r>
+            <a:r>
+              <a:rPr lang="fr-FR" dirty="0" smtClean="0"/>
+              <a:t> en 8h</a:t>
+            </a:r>
+          </a:p>
+          <a:p>
+            <a:pPr lvl="1"/>
+            <a:r>
+              <a:rPr lang="fr-FR" dirty="0" smtClean="0"/>
+              <a:t>1700 </a:t>
+            </a:r>
+            <a:r>
+              <a:rPr lang="fr-FR" dirty="0" err="1" smtClean="0"/>
+              <a:t>GPU.Year</a:t>
+            </a:r>
+            <a:endParaRPr lang="fr-FR" dirty="0" smtClean="0"/>
+          </a:p>
+          <a:p>
+            <a:pPr lvl="1"/>
+            <a:endParaRPr lang="fr-FR" dirty="0" smtClean="0"/>
+          </a:p>
+          <a:p>
+            <a:pPr lvl="1"/>
+            <a:endParaRPr lang="fr-FR" dirty="0" smtClean="0"/>
+          </a:p>
+          <a:p>
+            <a:pPr lvl="1"/>
+            <a:endParaRPr lang="fr-FR" dirty="0" smtClean="0"/>
+          </a:p>
+        </p:txBody>
+      </p:sp>
+      <p:pic>
+        <p:nvPicPr>
+          <p:cNvPr id="4" name="Image 3"/>
+          <p:cNvPicPr>
+            <a:picLocks noChangeAspect="1"/>
+          </p:cNvPicPr>
+          <p:nvPr/>
+        </p:nvPicPr>
+        <p:blipFill>
+          <a:blip r:embed="rId2"/>
+          <a:stretch>
+            <a:fillRect/>
+          </a:stretch>
+        </p:blipFill>
+        <p:spPr>
+          <a:xfrm>
+            <a:off x="3779912" y="4653136"/>
+            <a:ext cx="5847922" cy="1440160"/>
+          </a:xfrm>
+          <a:prstGeom prst="rect">
+            <a:avLst/>
+          </a:prstGeom>
+        </p:spPr>
+      </p:pic>
+    </p:spTree>
+    <p:extLst>
+      <p:ext uri="{BB962C8B-B14F-4D97-AF65-F5344CB8AC3E}">
+        <p14:creationId xmlns:p14="http://schemas.microsoft.com/office/powerpoint/2010/main" val="1399043126"/>
+      </p:ext>
+    </p:extLst>
+  </p:cSld>
+  <p:clrMapOvr>
+    <a:masterClrMapping/>
+  </p:clrMapOvr>
+  <p:timing>
+    <p:tnLst>
+      <p:par>
+        <p:cTn id="1" dur="indefinite" restart="never" nodeType="tmRoot"/>
+      </p:par>
+    </p:tnLst>
+  </p:timing>
+</p:sld>
+</file>
+
+<file path=ppt/slides/slide5.xml><?xml version="1.0" encoding="utf-8"?>
+<p:sld xmlns:a="http://schemas.openxmlformats.org/drawingml/2006/main" xmlns:r="http://schemas.openxmlformats.org/officeDocument/2006/relationships" xmlns:p="http://schemas.openxmlformats.org/presentationml/2006/main">
+  <p:cSld>
+    <p:spTree>
+      <p:nvGrpSpPr>
+        <p:cNvPr id="1" name=""/>
+        <p:cNvGrpSpPr/>
+        <p:nvPr/>
+      </p:nvGrpSpPr>
+      <p:grpSpPr>
+        <a:xfrm>
+          <a:off x="0" y="0"/>
+          <a:ext cx="0" cy="0"/>
+          <a:chOff x="0" y="0"/>
+          <a:chExt cx="0" cy="0"/>
+        </a:xfrm>
+      </p:grpSpPr>
+      <p:sp>
+        <p:nvSpPr>
+          <p:cNvPr id="2" name="Titre 1"/>
+          <p:cNvSpPr>
+            <a:spLocks noGrp="1"/>
+          </p:cNvSpPr>
+          <p:nvPr>
+            <p:ph type="title"/>
+          </p:nvPr>
+        </p:nvSpPr>
+        <p:spPr/>
+        <p:txBody>
+          <a:bodyPr/>
+          <a:lstStyle/>
+          <a:p>
+            <a:r>
+              <a:rPr lang="fr-FR" dirty="0" err="1" smtClean="0"/>
+              <a:t>AlphaZero</a:t>
+            </a:r>
+            <a:endParaRPr lang="fr-FR" dirty="0"/>
+          </a:p>
+        </p:txBody>
+      </p:sp>
+      <p:sp>
+        <p:nvSpPr>
+          <p:cNvPr id="3" name="Espace réservé du contenu 2"/>
+          <p:cNvSpPr>
+            <a:spLocks noGrp="1"/>
+          </p:cNvSpPr>
+          <p:nvPr>
+            <p:ph idx="1"/>
+          </p:nvPr>
+        </p:nvSpPr>
+        <p:spPr/>
+        <p:txBody>
+          <a:bodyPr/>
+          <a:lstStyle/>
+          <a:p>
+            <a:r>
+              <a:rPr lang="fr-FR" dirty="0" smtClean="0"/>
+              <a:t>Aux Echec </a:t>
+            </a:r>
+            <a:r>
+              <a:rPr lang="fr-FR" dirty="0" err="1" smtClean="0"/>
+              <a:t>AlphaZero</a:t>
+            </a:r>
+            <a:r>
+              <a:rPr lang="fr-FR" dirty="0" smtClean="0"/>
+              <a:t> bat </a:t>
+            </a:r>
+            <a:r>
+              <a:rPr lang="fr-FR" dirty="0" err="1" smtClean="0"/>
+              <a:t>StockFish</a:t>
+            </a:r>
+            <a:endParaRPr lang="fr-FR" dirty="0"/>
+          </a:p>
+          <a:p>
+            <a:pPr lvl="1"/>
+            <a:r>
+              <a:rPr lang="fr-FR" dirty="0" smtClean="0"/>
+              <a:t>qui est une exploration d'arbre + base de données</a:t>
+            </a:r>
+          </a:p>
+          <a:p>
+            <a:pPr lvl="1"/>
+            <a:r>
+              <a:rPr lang="fr-FR" dirty="0" smtClean="0"/>
+              <a:t>Un des meilleurs réseau de neurone fait 64 </a:t>
+            </a:r>
+            <a:r>
+              <a:rPr lang="fr-FR" dirty="0" err="1" smtClean="0"/>
+              <a:t>Layers</a:t>
+            </a:r>
+            <a:endParaRPr lang="fr-FR" dirty="0" smtClean="0"/>
+          </a:p>
+          <a:p>
+            <a:pPr lvl="1"/>
+            <a:r>
+              <a:rPr lang="fr-FR" dirty="0" smtClean="0"/>
+              <a:t>Entre 50K et 100K neurones (34Mo)</a:t>
+            </a:r>
+          </a:p>
+          <a:p>
+            <a:pPr lvl="1"/>
+            <a:endParaRPr lang="fr-FR" dirty="0"/>
+          </a:p>
+        </p:txBody>
+      </p:sp>
+      <p:pic>
+        <p:nvPicPr>
+          <p:cNvPr id="4" name="Image 3"/>
+          <p:cNvPicPr>
+            <a:picLocks noChangeAspect="1"/>
+          </p:cNvPicPr>
+          <p:nvPr/>
+        </p:nvPicPr>
+        <p:blipFill>
+          <a:blip r:embed="rId2"/>
+          <a:stretch>
+            <a:fillRect/>
+          </a:stretch>
+        </p:blipFill>
+        <p:spPr>
+          <a:xfrm>
+            <a:off x="4401648" y="3212976"/>
+            <a:ext cx="4759251" cy="3810829"/>
+          </a:xfrm>
+          <a:prstGeom prst="rect">
+            <a:avLst/>
+          </a:prstGeom>
+        </p:spPr>
+      </p:pic>
+    </p:spTree>
+    <p:extLst>
+      <p:ext uri="{BB962C8B-B14F-4D97-AF65-F5344CB8AC3E}">
+        <p14:creationId xmlns:p14="http://schemas.microsoft.com/office/powerpoint/2010/main" val="3227059802"/>
+      </p:ext>
+    </p:extLst>
+  </p:cSld>
+  <p:clrMapOvr>
+    <a:masterClrMapping/>
+  </p:clrMapOvr>
+  <p:timing>
+    <p:tnLst>
+      <p:par>
+        <p:cTn id="1" dur="indefinite" restart="never" nodeType="tmRoot"/>
+      </p:par>
+    </p:tnLst>
+  </p:timing>
+</p:sld>
+</file>
+
+<file path=ppt/slides/slide6.xml><?xml version="1.0" encoding="utf-8"?>
+<p:sld xmlns:a="http://schemas.openxmlformats.org/drawingml/2006/main" xmlns:r="http://schemas.openxmlformats.org/officeDocument/2006/relationships" xmlns:p="http://schemas.openxmlformats.org/presentationml/2006/main">
+  <p:cSld>
+    <p:spTree>
+      <p:nvGrpSpPr>
+        <p:cNvPr id="1" name=""/>
+        <p:cNvGrpSpPr/>
+        <p:nvPr/>
+      </p:nvGrpSpPr>
+      <p:grpSpPr>
+        <a:xfrm>
+          <a:off x="0" y="0"/>
+          <a:ext cx="0" cy="0"/>
+          <a:chOff x="0" y="0"/>
+          <a:chExt cx="0" cy="0"/>
+        </a:xfrm>
+      </p:grpSpPr>
+      <p:sp>
+        <p:nvSpPr>
+          <p:cNvPr id="2" name="Titre 1"/>
+          <p:cNvSpPr>
+            <a:spLocks noGrp="1"/>
+          </p:cNvSpPr>
+          <p:nvPr>
+            <p:ph type="title"/>
+          </p:nvPr>
+        </p:nvSpPr>
+        <p:spPr/>
+        <p:txBody>
+          <a:bodyPr/>
+          <a:lstStyle/>
+          <a:p>
+            <a:r>
+              <a:rPr lang="fr-FR" dirty="0" smtClean="0"/>
+              <a:t>Les DATA</a:t>
+            </a:r>
+            <a:endParaRPr lang="fr-FR" dirty="0"/>
+          </a:p>
+        </p:txBody>
+      </p:sp>
+      <p:sp>
+        <p:nvSpPr>
+          <p:cNvPr id="3" name="Espace réservé du contenu 2"/>
+          <p:cNvSpPr>
+            <a:spLocks noGrp="1"/>
+          </p:cNvSpPr>
+          <p:nvPr>
+            <p:ph idx="1"/>
+          </p:nvPr>
+        </p:nvSpPr>
+        <p:spPr/>
+        <p:txBody>
+          <a:bodyPr/>
+          <a:lstStyle/>
+          <a:p>
+            <a:r>
+              <a:rPr lang="fr-FR" dirty="0" smtClean="0"/>
+              <a:t>Alpha </a:t>
+            </a:r>
+            <a:r>
+              <a:rPr lang="fr-FR" dirty="0" err="1" smtClean="0"/>
+              <a:t>Zero</a:t>
+            </a:r>
+            <a:r>
+              <a:rPr lang="fr-FR" dirty="0" smtClean="0"/>
+              <a:t> n'est pas supervisé</a:t>
+            </a:r>
+          </a:p>
+          <a:p>
+            <a:pPr lvl="1"/>
+            <a:r>
+              <a:rPr lang="fr-FR" dirty="0" smtClean="0"/>
+              <a:t>Pour cela il a effectué 21 Million de parties pour battre Alpha Go Lee en 8h (730 parties / s)</a:t>
+            </a:r>
+          </a:p>
+          <a:p>
+            <a:pPr lvl="1"/>
+            <a:r>
+              <a:rPr lang="fr-FR" dirty="0" smtClean="0"/>
+              <a:t>44 Million de parties pour battre Stockfish aux échecs (</a:t>
+            </a:r>
+            <a:r>
+              <a:rPr lang="fr-FR" dirty="0" err="1" smtClean="0"/>
+              <a:t>Algo</a:t>
+            </a:r>
+            <a:r>
+              <a:rPr lang="fr-FR" dirty="0" smtClean="0"/>
+              <a:t> brut de force + heuristique d'arbre) en 4h (3055 parties / s)</a:t>
+            </a:r>
+          </a:p>
+          <a:p>
+            <a:r>
+              <a:rPr lang="fr-FR" dirty="0" smtClean="0"/>
+              <a:t>En apprentissage supervisé le modèle Alpha peut fonctionner</a:t>
+            </a:r>
+          </a:p>
+          <a:p>
+            <a:pPr lvl="1"/>
+            <a:r>
+              <a:rPr lang="fr-FR" dirty="0" smtClean="0"/>
+              <a:t>Mais il faut &gt; 10 Millions de data supervisées</a:t>
+            </a:r>
+          </a:p>
+          <a:p>
+            <a:r>
+              <a:rPr lang="fr-FR" dirty="0"/>
+              <a:t>U</a:t>
+            </a:r>
+            <a:r>
+              <a:rPr lang="fr-FR" dirty="0" smtClean="0"/>
+              <a:t>n réseau plus petit où pré-entrainer peut suffire sil le nombre de données est insuffisant</a:t>
+            </a:r>
+          </a:p>
+          <a:p>
+            <a:pPr lvl="1"/>
+            <a:r>
+              <a:rPr lang="fr-FR" dirty="0" smtClean="0"/>
+              <a:t>Complexe à mettre en </a:t>
+            </a:r>
+            <a:r>
+              <a:rPr lang="fr-FR" dirty="0" err="1" smtClean="0"/>
+              <a:t>oeuvre</a:t>
+            </a:r>
+            <a:endParaRPr lang="fr-FR" dirty="0" smtClean="0"/>
+          </a:p>
+          <a:p>
+            <a:pPr lvl="1"/>
+            <a:endParaRPr lang="fr-FR" dirty="0"/>
+          </a:p>
+        </p:txBody>
+      </p:sp>
+    </p:spTree>
+    <p:extLst>
+      <p:ext uri="{BB962C8B-B14F-4D97-AF65-F5344CB8AC3E}">
+        <p14:creationId xmlns:p14="http://schemas.microsoft.com/office/powerpoint/2010/main" val="2406253749"/>
+      </p:ext>
+    </p:extLst>
+  </p:cSld>
+  <p:clrMapOvr>
+    <a:masterClrMapping/>
+  </p:clrMapOvr>
+  <p:timing>
+    <p:tnLst>
+      <p:par>
+        <p:cTn id="1" dur="indefinite" restart="never" nodeType="tmRoot"/>
+      </p:par>
+    </p:tnLst>
+  </p:timing>
+</p:sld>
+</file>
+
+<file path=ppt/slides/slide7.xml><?xml version="1.0" encoding="utf-8"?>
+<p:sld xmlns:a="http://schemas.openxmlformats.org/drawingml/2006/main" xmlns:r="http://schemas.openxmlformats.org/officeDocument/2006/relationships" xmlns:p="http://schemas.openxmlformats.org/presentationml/2006/main">
+  <p:cSld>
+    <p:spTree>
+      <p:nvGrpSpPr>
+        <p:cNvPr id="1" name=""/>
+        <p:cNvGrpSpPr/>
+        <p:nvPr/>
+      </p:nvGrpSpPr>
+      <p:grpSpPr>
+        <a:xfrm>
+          <a:off x="0" y="0"/>
+          <a:ext cx="0" cy="0"/>
+          <a:chOff x="0" y="0"/>
+          <a:chExt cx="0" cy="0"/>
+        </a:xfrm>
+      </p:grpSpPr>
+      <p:sp>
+        <p:nvSpPr>
+          <p:cNvPr id="2" name="Titre 1"/>
+          <p:cNvSpPr>
+            <a:spLocks noGrp="1"/>
+          </p:cNvSpPr>
+          <p:nvPr>
+            <p:ph type="title"/>
+          </p:nvPr>
+        </p:nvSpPr>
+        <p:spPr/>
+        <p:txBody>
+          <a:bodyPr/>
+          <a:lstStyle/>
+          <a:p>
+            <a:r>
+              <a:rPr lang="fr-FR" dirty="0" smtClean="0"/>
+              <a:t>Heuristiques</a:t>
+            </a:r>
+            <a:endParaRPr lang="fr-FR" dirty="0"/>
+          </a:p>
+        </p:txBody>
+      </p:sp>
+      <p:sp>
+        <p:nvSpPr>
+          <p:cNvPr id="3" name="Espace réservé du contenu 2"/>
+          <p:cNvSpPr>
+            <a:spLocks noGrp="1"/>
+          </p:cNvSpPr>
+          <p:nvPr>
+            <p:ph idx="1"/>
+          </p:nvPr>
+        </p:nvSpPr>
+        <p:spPr/>
+        <p:txBody>
+          <a:bodyPr/>
+          <a:lstStyle/>
+          <a:p>
+            <a:r>
+              <a:rPr lang="fr-FR" dirty="0" smtClean="0"/>
+              <a:t>Les réseaux neuronaux étant gourmand en calcul le calcul réparti est presque obligatoire</a:t>
+            </a:r>
+          </a:p>
+          <a:p>
+            <a:r>
+              <a:rPr lang="fr-FR" dirty="0" smtClean="0"/>
+              <a:t>Présence d’heuristiques</a:t>
+            </a:r>
+          </a:p>
+          <a:p>
+            <a:pPr lvl="1"/>
+            <a:r>
+              <a:rPr lang="fr-FR" dirty="0" smtClean="0"/>
+              <a:t>Règles non démontrable qui permettent </a:t>
+            </a:r>
+            <a:r>
+              <a:rPr lang="fr-FR" dirty="0" smtClean="0"/>
+              <a:t>d’accélérer </a:t>
+            </a:r>
+            <a:r>
+              <a:rPr lang="fr-FR" dirty="0" smtClean="0"/>
+              <a:t>le traitement</a:t>
+            </a:r>
+          </a:p>
+          <a:p>
+            <a:pPr lvl="1"/>
+            <a:r>
+              <a:rPr lang="fr-FR" dirty="0" smtClean="0"/>
+              <a:t>Par exemple en échec, la prise de la reine est trop couteuse pour </a:t>
+            </a:r>
+            <a:r>
+              <a:rPr lang="fr-FR" dirty="0" smtClean="0"/>
+              <a:t>continuer</a:t>
+            </a:r>
+          </a:p>
+          <a:p>
+            <a:pPr lvl="1"/>
+            <a:r>
+              <a:rPr lang="fr-FR" dirty="0" smtClean="0"/>
+              <a:t>Le résultat d’une heuristique peut être injecter par </a:t>
+            </a:r>
+            <a:r>
+              <a:rPr lang="fr-FR" dirty="0" err="1" smtClean="0"/>
+              <a:t>concatenate</a:t>
+            </a:r>
+            <a:endParaRPr lang="fr-FR" dirty="0" smtClean="0"/>
+          </a:p>
+          <a:p>
+            <a:pPr lvl="1"/>
+            <a:endParaRPr lang="fr-FR" dirty="0"/>
+          </a:p>
+        </p:txBody>
+      </p:sp>
+    </p:spTree>
+    <p:extLst>
+      <p:ext uri="{BB962C8B-B14F-4D97-AF65-F5344CB8AC3E}">
+        <p14:creationId xmlns:p14="http://schemas.microsoft.com/office/powerpoint/2010/main" val="3709390557"/>
+      </p:ext>
+    </p:extLst>
+  </p:cSld>
+  <p:clrMapOvr>
+    <a:masterClrMapping/>
+  </p:clrMapOvr>
+  <p:timing>
+    <p:tnLst>
+      <p:par>
+        <p:cTn id="1" dur="indefinite" restart="never" nodeType="tmRoot"/>
+      </p:par>
+    </p:tnLst>
+  </p:timing>
+</p:sld>
+</file>
+
+<file path=ppt/slides/slide8.xml><?xml version="1.0" encoding="utf-8"?>
+<p:sld xmlns:a="http://schemas.openxmlformats.org/drawingml/2006/main" xmlns:r="http://schemas.openxmlformats.org/officeDocument/2006/relationships" xmlns:p="http://schemas.openxmlformats.org/presentationml/2006/main">
+  <p:cSld>
+    <p:spTree>
+      <p:nvGrpSpPr>
+        <p:cNvPr id="1" name=""/>
+        <p:cNvGrpSpPr/>
+        <p:nvPr/>
+      </p:nvGrpSpPr>
+      <p:grpSpPr>
+        <a:xfrm>
+          <a:off x="0" y="0"/>
+          <a:ext cx="0" cy="0"/>
+          <a:chOff x="0" y="0"/>
+          <a:chExt cx="0" cy="0"/>
+        </a:xfrm>
+      </p:grpSpPr>
+      <p:sp>
+        <p:nvSpPr>
+          <p:cNvPr id="2" name="Titre 1"/>
+          <p:cNvSpPr>
+            <a:spLocks noGrp="1"/>
+          </p:cNvSpPr>
+          <p:nvPr>
+            <p:ph type="title"/>
+          </p:nvPr>
+        </p:nvSpPr>
+        <p:spPr/>
+        <p:txBody>
+          <a:bodyPr/>
+          <a:lstStyle/>
+          <a:p>
+            <a:r>
+              <a:rPr lang="fr-FR" dirty="0" smtClean="0"/>
+              <a:t>CRNN</a:t>
+            </a:r>
+            <a:endParaRPr lang="fr-FR" dirty="0"/>
+          </a:p>
+        </p:txBody>
+      </p:sp>
+      <p:sp>
+        <p:nvSpPr>
+          <p:cNvPr id="3" name="Espace réservé du contenu 2"/>
+          <p:cNvSpPr>
+            <a:spLocks noGrp="1"/>
+          </p:cNvSpPr>
+          <p:nvPr>
+            <p:ph idx="1"/>
+          </p:nvPr>
+        </p:nvSpPr>
+        <p:spPr/>
+        <p:txBody>
+          <a:bodyPr/>
+          <a:lstStyle/>
+          <a:p>
+            <a:r>
+              <a:rPr lang="fr-FR" dirty="0" smtClean="0"/>
+              <a:t>RNN</a:t>
+            </a:r>
+          </a:p>
+          <a:p>
+            <a:pPr lvl="1"/>
+            <a:r>
+              <a:rPr lang="fr-FR" dirty="0" err="1" smtClean="0"/>
+              <a:t>Recurent</a:t>
+            </a:r>
+            <a:r>
+              <a:rPr lang="fr-FR" dirty="0" smtClean="0"/>
+              <a:t> Neural Network</a:t>
+            </a:r>
+          </a:p>
+          <a:p>
+            <a:pPr lvl="1"/>
+            <a:r>
+              <a:rPr lang="fr-FR" dirty="0" smtClean="0"/>
+              <a:t>Réseau sous forme de graphe et non d'arbre</a:t>
+            </a:r>
+          </a:p>
+          <a:p>
+            <a:r>
+              <a:rPr lang="fr-FR" dirty="0" err="1" smtClean="0"/>
+              <a:t>Convulational</a:t>
+            </a:r>
+            <a:r>
+              <a:rPr lang="fr-FR" dirty="0" smtClean="0"/>
+              <a:t> </a:t>
+            </a:r>
+            <a:r>
+              <a:rPr lang="fr-FR" dirty="0" err="1" smtClean="0"/>
+              <a:t>Recurent</a:t>
+            </a:r>
+            <a:r>
+              <a:rPr lang="fr-FR" dirty="0" smtClean="0"/>
+              <a:t> Neural Network</a:t>
+            </a:r>
+          </a:p>
+          <a:p>
+            <a:pPr lvl="1"/>
+            <a:r>
+              <a:rPr lang="fr-FR" dirty="0" smtClean="0"/>
+              <a:t>CNN + RNN = CRNN</a:t>
+            </a:r>
+          </a:p>
+          <a:p>
+            <a:r>
+              <a:rPr lang="fr-FR" dirty="0" smtClean="0"/>
+              <a:t>Réseaux </a:t>
+            </a:r>
+            <a:r>
+              <a:rPr lang="fr-FR" dirty="0" err="1" smtClean="0"/>
+              <a:t>circonvolutif</a:t>
+            </a:r>
+            <a:endParaRPr lang="fr-FR" dirty="0" smtClean="0"/>
+          </a:p>
+          <a:p>
+            <a:pPr lvl="1"/>
+            <a:r>
+              <a:rPr lang="fr-FR" dirty="0" smtClean="0"/>
+              <a:t>Le triplet </a:t>
+            </a:r>
+            <a:r>
+              <a:rPr lang="fr-FR" dirty="0" err="1" smtClean="0"/>
+              <a:t>Conv</a:t>
+            </a:r>
+            <a:r>
+              <a:rPr lang="fr-FR" dirty="0" smtClean="0"/>
+              <a:t> - </a:t>
+            </a:r>
+            <a:r>
+              <a:rPr lang="fr-FR" dirty="0" err="1" smtClean="0"/>
+              <a:t>Regularization</a:t>
+            </a:r>
+            <a:r>
+              <a:rPr lang="fr-FR" dirty="0" smtClean="0"/>
+              <a:t> - Pool est répété en boucle + CRNN</a:t>
+            </a:r>
+          </a:p>
+          <a:p>
+            <a:r>
+              <a:rPr lang="fr-FR" dirty="0" smtClean="0"/>
+              <a:t>GRU</a:t>
+            </a:r>
+          </a:p>
+          <a:p>
+            <a:pPr lvl="1"/>
+            <a:r>
+              <a:rPr lang="fr-FR" dirty="0" err="1" smtClean="0"/>
+              <a:t>Gated</a:t>
+            </a:r>
+            <a:r>
+              <a:rPr lang="fr-FR" dirty="0" smtClean="0"/>
+              <a:t> </a:t>
+            </a:r>
+            <a:r>
+              <a:rPr lang="fr-FR" dirty="0" err="1"/>
+              <a:t>Recurrent</a:t>
+            </a:r>
+            <a:r>
+              <a:rPr lang="fr-FR" dirty="0"/>
+              <a:t> </a:t>
+            </a:r>
+            <a:r>
+              <a:rPr lang="fr-FR" dirty="0" smtClean="0"/>
+              <a:t>Unit </a:t>
+            </a:r>
+            <a:endParaRPr lang="fr-FR" dirty="0"/>
+          </a:p>
+          <a:p>
+            <a:pPr lvl="1"/>
+            <a:r>
+              <a:rPr lang="fr-FR" dirty="0"/>
+              <a:t>Il s'agit d'un RNN </a:t>
+            </a:r>
+            <a:r>
+              <a:rPr lang="fr-FR" dirty="0" smtClean="0"/>
+              <a:t>avec une porte de sortie</a:t>
+            </a:r>
+            <a:endParaRPr lang="fr-FR" dirty="0"/>
+          </a:p>
+          <a:p>
+            <a:endParaRPr lang="fr-FR" dirty="0" smtClean="0"/>
+          </a:p>
+          <a:p>
+            <a:endParaRPr lang="fr-FR" dirty="0" smtClean="0"/>
+          </a:p>
+          <a:p>
+            <a:pPr lvl="1"/>
+            <a:endParaRPr lang="fr-FR" dirty="0"/>
+          </a:p>
+        </p:txBody>
+      </p:sp>
+      <p:pic>
+        <p:nvPicPr>
+          <p:cNvPr id="1026" name="Picture 2" descr="https://upload.wikimedia.org/wikipedia/commons/8/8f/Elman_srnn.png"/>
+          <p:cNvPicPr>
+            <a:picLocks noChangeAspect="1" noChangeArrowheads="1"/>
+          </p:cNvPicPr>
+          <p:nvPr/>
+        </p:nvPicPr>
+        <p:blipFill>
+          <a:blip r:embed="rId2" cstate="print">
+            <a:extLst>
+              <a:ext uri="{28A0092B-C50C-407E-A947-70E740481C1C}">
+                <a14:useLocalDpi xmlns:a14="http://schemas.microsoft.com/office/drawing/2010/main" val="0"/>
+              </a:ext>
+            </a:extLst>
+          </a:blip>
+          <a:srcRect/>
+          <a:stretch>
+            <a:fillRect/>
+          </a:stretch>
+        </p:blipFill>
+        <p:spPr bwMode="auto">
+          <a:xfrm>
+            <a:off x="7049418" y="1700808"/>
+            <a:ext cx="1896145" cy="2099002"/>
+          </a:xfrm>
+          <a:prstGeom prst="rect">
+            <a:avLst/>
+          </a:prstGeom>
+          <a:noFill/>
+          <a:extLst>
+            <a:ext uri="{909E8E84-426E-40DD-AFC4-6F175D3DCCD1}">
+              <a14:hiddenFill xmlns:a14="http://schemas.microsoft.com/office/drawing/2010/main">
+                <a:solidFill>
+                  <a:srgbClr val="FFFFFF"/>
+                </a:solidFill>
+              </a14:hiddenFill>
+            </a:ext>
+          </a:extLst>
+        </p:spPr>
+      </p:pic>
+    </p:spTree>
+    <p:extLst>
+      <p:ext uri="{BB962C8B-B14F-4D97-AF65-F5344CB8AC3E}">
+        <p14:creationId xmlns:p14="http://schemas.microsoft.com/office/powerpoint/2010/main" val="2911215806"/>
+      </p:ext>
+    </p:extLst>
+  </p:cSld>
+  <p:clrMapOvr>
+    <a:masterClrMapping/>
+  </p:clrMapOvr>
+  <p:timing>
+    <p:tnLst>
+      <p:par>
+        <p:cTn id="1" dur="indefinite" restart="never" nodeType="tmRoot"/>
+      </p:par>
+    </p:tnLst>
+  </p:timing>
+</p:sld>
+</file>
+
+<file path=ppt/slides/slide9.xml><?xml version="1.0" encoding="utf-8"?>
+<p:sld xmlns:a="http://schemas.openxmlformats.org/drawingml/2006/main" xmlns:r="http://schemas.openxmlformats.org/officeDocument/2006/relationships" xmlns:p="http://schemas.openxmlformats.org/presentationml/2006/main">
+  <p:cSld>
+    <p:spTree>
+      <p:nvGrpSpPr>
+        <p:cNvPr id="1" name=""/>
+        <p:cNvGrpSpPr/>
+        <p:nvPr/>
+      </p:nvGrpSpPr>
+      <p:grpSpPr>
+        <a:xfrm>
+          <a:off x="0" y="0"/>
+          <a:ext cx="0" cy="0"/>
+          <a:chOff x="0" y="0"/>
+          <a:chExt cx="0" cy="0"/>
+        </a:xfrm>
+      </p:grpSpPr>
+      <p:sp>
+        <p:nvSpPr>
+          <p:cNvPr id="2" name="Titre 1"/>
+          <p:cNvSpPr>
+            <a:spLocks noGrp="1"/>
+          </p:cNvSpPr>
+          <p:nvPr>
+            <p:ph type="title"/>
+          </p:nvPr>
+        </p:nvSpPr>
+        <p:spPr/>
+        <p:txBody>
+          <a:bodyPr/>
+          <a:lstStyle/>
+          <a:p>
+            <a:r>
+              <a:rPr lang="fr-FR" dirty="0" smtClean="0"/>
+              <a:t>LSTM</a:t>
+            </a:r>
+            <a:endParaRPr lang="fr-FR" dirty="0"/>
+          </a:p>
+        </p:txBody>
+      </p:sp>
+      <p:sp>
+        <p:nvSpPr>
+          <p:cNvPr id="3" name="Espace réservé du contenu 2"/>
+          <p:cNvSpPr>
+            <a:spLocks noGrp="1"/>
+          </p:cNvSpPr>
+          <p:nvPr>
+            <p:ph idx="1"/>
+          </p:nvPr>
+        </p:nvSpPr>
+        <p:spPr/>
+        <p:txBody>
+          <a:bodyPr/>
+          <a:lstStyle/>
+          <a:p>
+            <a:r>
+              <a:rPr lang="fr-FR" dirty="0" smtClean="0"/>
+              <a:t>Long Short </a:t>
+            </a:r>
+            <a:r>
+              <a:rPr lang="fr-FR" dirty="0" err="1" smtClean="0"/>
+              <a:t>Term</a:t>
+            </a:r>
+            <a:r>
+              <a:rPr lang="fr-FR" dirty="0" smtClean="0"/>
+              <a:t> Memory Network</a:t>
+            </a:r>
+          </a:p>
+          <a:p>
+            <a:pPr lvl="1"/>
+            <a:r>
+              <a:rPr lang="fr-FR" dirty="0" smtClean="0"/>
+              <a:t>Le problèmes des RNN est la données qui reste longtemps dans le neurone (Long </a:t>
+            </a:r>
+            <a:r>
+              <a:rPr lang="fr-FR" dirty="0" err="1" smtClean="0"/>
+              <a:t>Term</a:t>
+            </a:r>
+            <a:r>
+              <a:rPr lang="fr-FR" dirty="0" smtClean="0"/>
+              <a:t> Memory)</a:t>
+            </a:r>
+          </a:p>
+          <a:p>
+            <a:pPr lvl="1"/>
+            <a:r>
+              <a:rPr lang="fr-FR" dirty="0" smtClean="0"/>
+              <a:t>C’est-à-dire un grand nombre d'itération</a:t>
+            </a:r>
+          </a:p>
+          <a:p>
+            <a:r>
+              <a:rPr lang="fr-FR" dirty="0" smtClean="0"/>
+              <a:t>LSTM change le mécanisme d'activation d'un neurone afin d'éviter un nombre d'itération trop élevé</a:t>
+            </a:r>
+          </a:p>
+          <a:p>
+            <a:r>
+              <a:rPr lang="fr-FR" dirty="0" smtClean="0"/>
+              <a:t>RNN ou MLP classique :</a:t>
+            </a:r>
+          </a:p>
+          <a:p>
+            <a:endParaRPr lang="fr-FR" dirty="0" smtClean="0"/>
+          </a:p>
+          <a:p>
+            <a:pPr lvl="1"/>
+            <a:endParaRPr lang="fr-FR" dirty="0"/>
+          </a:p>
+        </p:txBody>
+      </p:sp>
+      <p:pic>
+        <p:nvPicPr>
+          <p:cNvPr id="2050" name="Picture 2" descr="https://colah.github.io/posts/2015-08-Understanding-LSTMs/img/LSTM3-SimpleRNN.png"/>
+          <p:cNvPicPr>
+            <a:picLocks noChangeAspect="1" noChangeArrowheads="1"/>
+          </p:cNvPicPr>
+          <p:nvPr/>
+        </p:nvPicPr>
+        <p:blipFill>
+          <a:blip r:embed="rId2" cstate="print">
+            <a:extLst>
+              <a:ext uri="{28A0092B-C50C-407E-A947-70E740481C1C}">
+                <a14:useLocalDpi xmlns:a14="http://schemas.microsoft.com/office/drawing/2010/main" val="0"/>
+              </a:ext>
+            </a:extLst>
+          </a:blip>
+          <a:srcRect/>
+          <a:stretch>
+            <a:fillRect/>
+          </a:stretch>
+        </p:blipFill>
+        <p:spPr bwMode="auto">
+          <a:xfrm>
+            <a:off x="3386276" y="5013176"/>
+            <a:ext cx="3432642" cy="1284561"/>
+          </a:xfrm>
+          <a:prstGeom prst="rect">
+            <a:avLst/>
+          </a:prstGeom>
+          <a:noFill/>
+          <a:extLst>
+            <a:ext uri="{909E8E84-426E-40DD-AFC4-6F175D3DCCD1}">
+              <a14:hiddenFill xmlns:a14="http://schemas.microsoft.com/office/drawing/2010/main">
+                <a:solidFill>
+                  <a:srgbClr val="FFFFFF"/>
+                </a:solidFill>
+              </a14:hiddenFill>
+            </a:ext>
+          </a:extLst>
+        </p:spPr>
+      </p:pic>
+    </p:spTree>
+    <p:extLst>
+      <p:ext uri="{BB962C8B-B14F-4D97-AF65-F5344CB8AC3E}">
+        <p14:creationId xmlns:p14="http://schemas.microsoft.com/office/powerpoint/2010/main" val="3272348645"/>
+      </p:ext>
+    </p:extLst>
+  </p:cSld>
+  <p:clrMapOvr>
+    <a:masterClrMapping/>
+  </p:clrMapOvr>
+  <p:timing>
+    <p:tnLst>
+      <p:par>
+        <p:cTn id="1" dur="indefinite" restart="never" nodeType="tmRoot"/>
+      </p:par>
+    </p:tnLst>
+  </p:timing>
 </p:sld>
 </file>
 

--- a/PPT/DeepLearning15-Others.pptx
+++ b/PPT/DeepLearning15-Others.pptx
@@ -616,35 +616,35 @@
           <a:p>
             <a:pPr lvl="0"/>
             <a:r>
-              <a:rPr lang="fr-FR" noProof="0" smtClean="0"/>
+              <a:rPr lang="fr-FR" noProof="0"/>
               <a:t>Cliquez pour modifier les styles du texte du masque</a:t>
             </a:r>
           </a:p>
           <a:p>
             <a:pPr lvl="1"/>
             <a:r>
-              <a:rPr lang="fr-FR" noProof="0" smtClean="0"/>
+              <a:rPr lang="fr-FR" noProof="0"/>
               <a:t>Deuxième niveau</a:t>
             </a:r>
           </a:p>
           <a:p>
             <a:pPr lvl="2"/>
             <a:r>
-              <a:rPr lang="fr-FR" noProof="0" smtClean="0"/>
+              <a:rPr lang="fr-FR" noProof="0"/>
               <a:t>Troisième niveau</a:t>
             </a:r>
           </a:p>
           <a:p>
             <a:pPr lvl="3"/>
             <a:r>
-              <a:rPr lang="fr-FR" noProof="0" smtClean="0"/>
+              <a:rPr lang="fr-FR" noProof="0"/>
               <a:t>Quatrième niveau</a:t>
             </a:r>
           </a:p>
           <a:p>
             <a:pPr lvl="4"/>
             <a:r>
-              <a:rPr lang="fr-FR" noProof="0" smtClean="0"/>
+              <a:rPr lang="fr-FR" noProof="0"/>
               <a:t>Cinquième niveau</a:t>
             </a:r>
           </a:p>
@@ -932,10 +932,9 @@
           <a:lstStyle/>
           <a:p>
             <a:r>
-              <a:rPr lang="fr-FR" smtClean="0"/>
+              <a:rPr lang="fr-FR"/>
               <a:t>Cliquez pour modifier le style du titre</a:t>
             </a:r>
-            <a:endParaRPr lang="fr-FR"/>
           </a:p>
         </p:txBody>
       </p:sp>
@@ -997,10 +996,9 @@
           </a:lstStyle>
           <a:p>
             <a:r>
-              <a:rPr lang="fr-FR" smtClean="0"/>
+              <a:rPr lang="fr-FR"/>
               <a:t>Cliquez pour modifier le style des sous-titres du masque</a:t>
             </a:r>
-            <a:endParaRPr lang="fr-FR"/>
           </a:p>
         </p:txBody>
       </p:sp>
@@ -1055,10 +1053,9 @@
           <a:lstStyle/>
           <a:p>
             <a:r>
-              <a:rPr lang="fr-FR" smtClean="0"/>
+              <a:rPr lang="fr-FR"/>
               <a:t>Cliquez pour modifier le style du titre</a:t>
             </a:r>
-            <a:endParaRPr lang="fr-FR"/>
           </a:p>
         </p:txBody>
       </p:sp>
@@ -1084,38 +1081,37 @@
           <a:p>
             <a:pPr lvl="0"/>
             <a:r>
-              <a:rPr lang="fr-FR" smtClean="0"/>
+              <a:rPr lang="fr-FR"/>
               <a:t>Cliquez pour modifier les styles du texte du masque</a:t>
             </a:r>
           </a:p>
           <a:p>
             <a:pPr lvl="1"/>
             <a:r>
-              <a:rPr lang="fr-FR" smtClean="0"/>
+              <a:rPr lang="fr-FR"/>
               <a:t>Deuxième niveau</a:t>
             </a:r>
           </a:p>
           <a:p>
             <a:pPr lvl="2"/>
             <a:r>
-              <a:rPr lang="fr-FR" smtClean="0"/>
+              <a:rPr lang="fr-FR"/>
               <a:t>Troisième niveau</a:t>
             </a:r>
           </a:p>
           <a:p>
             <a:pPr lvl="3"/>
             <a:r>
-              <a:rPr lang="fr-FR" smtClean="0"/>
+              <a:rPr lang="fr-FR"/>
               <a:t>Quatrième niveau</a:t>
             </a:r>
           </a:p>
           <a:p>
             <a:pPr lvl="4"/>
             <a:r>
-              <a:rPr lang="fr-FR" smtClean="0"/>
+              <a:rPr lang="fr-FR"/>
               <a:t>Cinquième niveau</a:t>
             </a:r>
-            <a:endParaRPr lang="fr-FR"/>
           </a:p>
         </p:txBody>
       </p:sp>
@@ -1174,10 +1170,9 @@
           </a:lstStyle>
           <a:p>
             <a:r>
-              <a:rPr lang="fr-FR" dirty="0" smtClean="0"/>
+              <a:rPr lang="fr-FR" dirty="0"/>
               <a:t>Cliquez pour modifier le style du titre</a:t>
             </a:r>
-            <a:endParaRPr lang="fr-FR" dirty="0"/>
           </a:p>
         </p:txBody>
       </p:sp>
@@ -1203,38 +1198,37 @@
           <a:p>
             <a:pPr lvl="0"/>
             <a:r>
-              <a:rPr lang="fr-FR" dirty="0" smtClean="0"/>
+              <a:rPr lang="fr-FR" dirty="0"/>
               <a:t>Cliquez pour modifier les styles du texte du masque</a:t>
             </a:r>
           </a:p>
           <a:p>
             <a:pPr lvl="1"/>
             <a:r>
-              <a:rPr lang="fr-FR" dirty="0" smtClean="0"/>
+              <a:rPr lang="fr-FR" dirty="0"/>
               <a:t>Deuxième niveau</a:t>
             </a:r>
           </a:p>
           <a:p>
             <a:pPr lvl="2"/>
             <a:r>
-              <a:rPr lang="fr-FR" dirty="0" smtClean="0"/>
+              <a:rPr lang="fr-FR" dirty="0"/>
               <a:t>Troisième niveau</a:t>
             </a:r>
           </a:p>
           <a:p>
             <a:pPr lvl="3"/>
             <a:r>
-              <a:rPr lang="fr-FR" dirty="0" smtClean="0"/>
+              <a:rPr lang="fr-FR" dirty="0"/>
               <a:t>Quatrième niveau</a:t>
             </a:r>
           </a:p>
           <a:p>
             <a:pPr lvl="4"/>
             <a:r>
-              <a:rPr lang="fr-FR" dirty="0" smtClean="0"/>
+              <a:rPr lang="fr-FR" dirty="0"/>
               <a:t>Cinquième niveau</a:t>
             </a:r>
-            <a:endParaRPr lang="fr-FR" dirty="0"/>
           </a:p>
         </p:txBody>
       </p:sp>
@@ -1284,10 +1278,9 @@
           <a:lstStyle/>
           <a:p>
             <a:r>
-              <a:rPr lang="fr-FR" smtClean="0"/>
+              <a:rPr lang="fr-FR"/>
               <a:t>Cliquez pour modifier le style du titre</a:t>
             </a:r>
-            <a:endParaRPr lang="fr-FR"/>
           </a:p>
         </p:txBody>
       </p:sp>
@@ -1341,38 +1334,37 @@
           <a:p>
             <a:pPr lvl="0"/>
             <a:r>
-              <a:rPr lang="fr-FR" smtClean="0"/>
+              <a:rPr lang="fr-FR"/>
               <a:t>Cliquez pour modifier les styles du texte du masque</a:t>
             </a:r>
           </a:p>
           <a:p>
             <a:pPr lvl="1"/>
             <a:r>
-              <a:rPr lang="fr-FR" smtClean="0"/>
+              <a:rPr lang="fr-FR"/>
               <a:t>Deuxième niveau</a:t>
             </a:r>
           </a:p>
           <a:p>
             <a:pPr lvl="2"/>
             <a:r>
-              <a:rPr lang="fr-FR" smtClean="0"/>
+              <a:rPr lang="fr-FR"/>
               <a:t>Troisième niveau</a:t>
             </a:r>
           </a:p>
           <a:p>
             <a:pPr lvl="3"/>
             <a:r>
-              <a:rPr lang="fr-FR" smtClean="0"/>
+              <a:rPr lang="fr-FR"/>
               <a:t>Quatrième niveau</a:t>
             </a:r>
           </a:p>
           <a:p>
             <a:pPr lvl="4"/>
             <a:r>
-              <a:rPr lang="fr-FR" smtClean="0"/>
+              <a:rPr lang="fr-FR"/>
               <a:t>Cinquième niveau</a:t>
             </a:r>
-            <a:endParaRPr lang="fr-FR"/>
           </a:p>
         </p:txBody>
       </p:sp>
@@ -1426,38 +1418,37 @@
           <a:p>
             <a:pPr lvl="0"/>
             <a:r>
-              <a:rPr lang="fr-FR" smtClean="0"/>
+              <a:rPr lang="fr-FR"/>
               <a:t>Cliquez pour modifier les styles du texte du masque</a:t>
             </a:r>
           </a:p>
           <a:p>
             <a:pPr lvl="1"/>
             <a:r>
-              <a:rPr lang="fr-FR" smtClean="0"/>
+              <a:rPr lang="fr-FR"/>
               <a:t>Deuxième niveau</a:t>
             </a:r>
           </a:p>
           <a:p>
             <a:pPr lvl="2"/>
             <a:r>
-              <a:rPr lang="fr-FR" smtClean="0"/>
+              <a:rPr lang="fr-FR"/>
               <a:t>Troisième niveau</a:t>
             </a:r>
           </a:p>
           <a:p>
             <a:pPr lvl="3"/>
             <a:r>
-              <a:rPr lang="fr-FR" smtClean="0"/>
+              <a:rPr lang="fr-FR"/>
               <a:t>Quatrième niveau</a:t>
             </a:r>
           </a:p>
           <a:p>
             <a:pPr lvl="4"/>
             <a:r>
-              <a:rPr lang="fr-FR" smtClean="0"/>
+              <a:rPr lang="fr-FR"/>
               <a:t>Cinquième niveau</a:t>
             </a:r>
-            <a:endParaRPr lang="fr-FR"/>
           </a:p>
         </p:txBody>
       </p:sp>
@@ -1516,10 +1507,9 @@
           </a:lstStyle>
           <a:p>
             <a:r>
-              <a:rPr lang="fr-FR" smtClean="0"/>
+              <a:rPr lang="fr-FR"/>
               <a:t>Cliquez pour modifier le style du titre</a:t>
             </a:r>
-            <a:endParaRPr lang="fr-FR"/>
           </a:p>
         </p:txBody>
       </p:sp>
@@ -1582,7 +1572,7 @@
           <a:p>
             <a:pPr lvl="0"/>
             <a:r>
-              <a:rPr lang="fr-FR" smtClean="0"/>
+              <a:rPr lang="fr-FR"/>
               <a:t>Cliquez pour modifier les styles du texte du masque</a:t>
             </a:r>
           </a:p>
@@ -1638,38 +1628,37 @@
           <a:p>
             <a:pPr lvl="0"/>
             <a:r>
-              <a:rPr lang="fr-FR" smtClean="0"/>
+              <a:rPr lang="fr-FR"/>
               <a:t>Cliquez pour modifier les styles du texte du masque</a:t>
             </a:r>
           </a:p>
           <a:p>
             <a:pPr lvl="1"/>
             <a:r>
-              <a:rPr lang="fr-FR" smtClean="0"/>
+              <a:rPr lang="fr-FR"/>
               <a:t>Deuxième niveau</a:t>
             </a:r>
           </a:p>
           <a:p>
             <a:pPr lvl="2"/>
             <a:r>
-              <a:rPr lang="fr-FR" smtClean="0"/>
+              <a:rPr lang="fr-FR"/>
               <a:t>Troisième niveau</a:t>
             </a:r>
           </a:p>
           <a:p>
             <a:pPr lvl="3"/>
             <a:r>
-              <a:rPr lang="fr-FR" smtClean="0"/>
+              <a:rPr lang="fr-FR"/>
               <a:t>Quatrième niveau</a:t>
             </a:r>
           </a:p>
           <a:p>
             <a:pPr lvl="4"/>
             <a:r>
-              <a:rPr lang="fr-FR" smtClean="0"/>
+              <a:rPr lang="fr-FR"/>
               <a:t>Cinquième niveau</a:t>
             </a:r>
-            <a:endParaRPr lang="fr-FR"/>
           </a:p>
         </p:txBody>
       </p:sp>
@@ -1732,7 +1721,7 @@
           <a:p>
             <a:pPr lvl="0"/>
             <a:r>
-              <a:rPr lang="fr-FR" smtClean="0"/>
+              <a:rPr lang="fr-FR"/>
               <a:t>Cliquez pour modifier les styles du texte du masque</a:t>
             </a:r>
           </a:p>
@@ -1788,38 +1777,37 @@
           <a:p>
             <a:pPr lvl="0"/>
             <a:r>
-              <a:rPr lang="fr-FR" smtClean="0"/>
+              <a:rPr lang="fr-FR"/>
               <a:t>Cliquez pour modifier les styles du texte du masque</a:t>
             </a:r>
           </a:p>
           <a:p>
             <a:pPr lvl="1"/>
             <a:r>
-              <a:rPr lang="fr-FR" smtClean="0"/>
+              <a:rPr lang="fr-FR"/>
               <a:t>Deuxième niveau</a:t>
             </a:r>
           </a:p>
           <a:p>
             <a:pPr lvl="2"/>
             <a:r>
-              <a:rPr lang="fr-FR" smtClean="0"/>
+              <a:rPr lang="fr-FR"/>
               <a:t>Troisième niveau</a:t>
             </a:r>
           </a:p>
           <a:p>
             <a:pPr lvl="3"/>
             <a:r>
-              <a:rPr lang="fr-FR" smtClean="0"/>
+              <a:rPr lang="fr-FR"/>
               <a:t>Quatrième niveau</a:t>
             </a:r>
           </a:p>
           <a:p>
             <a:pPr lvl="4"/>
             <a:r>
-              <a:rPr lang="fr-FR" smtClean="0"/>
+              <a:rPr lang="fr-FR"/>
               <a:t>Cinquième niveau</a:t>
             </a:r>
-            <a:endParaRPr lang="fr-FR"/>
           </a:p>
         </p:txBody>
       </p:sp>
@@ -1869,10 +1857,9 @@
           <a:lstStyle/>
           <a:p>
             <a:r>
-              <a:rPr lang="fr-FR" smtClean="0"/>
+              <a:rPr lang="fr-FR"/>
               <a:t>Cliquez pour modifier le style du titre</a:t>
             </a:r>
-            <a:endParaRPr lang="fr-FR"/>
           </a:p>
         </p:txBody>
       </p:sp>
@@ -1961,10 +1948,9 @@
           </a:lstStyle>
           <a:p>
             <a:r>
-              <a:rPr lang="fr-FR" smtClean="0"/>
+              <a:rPr lang="fr-FR"/>
               <a:t>Cliquez pour modifier le style du titre</a:t>
             </a:r>
-            <a:endParaRPr lang="fr-FR"/>
           </a:p>
         </p:txBody>
       </p:sp>
@@ -2018,38 +2004,37 @@
           <a:p>
             <a:pPr lvl="0"/>
             <a:r>
-              <a:rPr lang="fr-FR" smtClean="0"/>
+              <a:rPr lang="fr-FR"/>
               <a:t>Cliquez pour modifier les styles du texte du masque</a:t>
             </a:r>
           </a:p>
           <a:p>
             <a:pPr lvl="1"/>
             <a:r>
-              <a:rPr lang="fr-FR" smtClean="0"/>
+              <a:rPr lang="fr-FR"/>
               <a:t>Deuxième niveau</a:t>
             </a:r>
           </a:p>
           <a:p>
             <a:pPr lvl="2"/>
             <a:r>
-              <a:rPr lang="fr-FR" smtClean="0"/>
+              <a:rPr lang="fr-FR"/>
               <a:t>Troisième niveau</a:t>
             </a:r>
           </a:p>
           <a:p>
             <a:pPr lvl="3"/>
             <a:r>
-              <a:rPr lang="fr-FR" smtClean="0"/>
+              <a:rPr lang="fr-FR"/>
               <a:t>Quatrième niveau</a:t>
             </a:r>
           </a:p>
           <a:p>
             <a:pPr lvl="4"/>
             <a:r>
-              <a:rPr lang="fr-FR" smtClean="0"/>
+              <a:rPr lang="fr-FR"/>
               <a:t>Cinquième niveau</a:t>
             </a:r>
-            <a:endParaRPr lang="fr-FR"/>
           </a:p>
         </p:txBody>
       </p:sp>
@@ -2112,7 +2097,7 @@
           <a:p>
             <a:pPr lvl="0"/>
             <a:r>
-              <a:rPr lang="fr-FR" smtClean="0"/>
+              <a:rPr lang="fr-FR"/>
               <a:t>Cliquez pour modifier les styles du texte du masque</a:t>
             </a:r>
           </a:p>
@@ -2173,10 +2158,9 @@
           </a:lstStyle>
           <a:p>
             <a:r>
-              <a:rPr lang="fr-FR" smtClean="0"/>
+              <a:rPr lang="fr-FR"/>
               <a:t>Cliquez pour modifier le style du titre</a:t>
             </a:r>
-            <a:endParaRPr lang="fr-FR"/>
           </a:p>
         </p:txBody>
       </p:sp>
@@ -2238,7 +2222,7 @@
           </a:lstStyle>
           <a:p>
             <a:pPr lvl="0"/>
-            <a:endParaRPr lang="fr-FR" noProof="0" smtClean="0"/>
+            <a:endParaRPr lang="fr-FR" noProof="0"/>
           </a:p>
         </p:txBody>
       </p:sp>
@@ -2301,7 +2285,7 @@
           <a:p>
             <a:pPr lvl="0"/>
             <a:r>
-              <a:rPr lang="fr-FR" smtClean="0"/>
+              <a:rPr lang="fr-FR"/>
               <a:t>Cliquez pour modifier les styles du texte du masque</a:t>
             </a:r>
           </a:p>
@@ -2353,10 +2337,9 @@
           <a:lstStyle/>
           <a:p>
             <a:r>
-              <a:rPr lang="fr-FR" smtClean="0"/>
+              <a:rPr lang="fr-FR"/>
               <a:t>Cliquez pour modifier le style du titre</a:t>
             </a:r>
-            <a:endParaRPr lang="fr-FR"/>
           </a:p>
         </p:txBody>
       </p:sp>
@@ -2377,38 +2360,37 @@
           <a:p>
             <a:pPr lvl="0"/>
             <a:r>
-              <a:rPr lang="fr-FR" smtClean="0"/>
+              <a:rPr lang="fr-FR"/>
               <a:t>Cliquez pour modifier les styles du texte du masque</a:t>
             </a:r>
           </a:p>
           <a:p>
             <a:pPr lvl="1"/>
             <a:r>
-              <a:rPr lang="fr-FR" smtClean="0"/>
+              <a:rPr lang="fr-FR"/>
               <a:t>Deuxième niveau</a:t>
             </a:r>
           </a:p>
           <a:p>
             <a:pPr lvl="2"/>
             <a:r>
-              <a:rPr lang="fr-FR" smtClean="0"/>
+              <a:rPr lang="fr-FR"/>
               <a:t>Troisième niveau</a:t>
             </a:r>
           </a:p>
           <a:p>
             <a:pPr lvl="3"/>
             <a:r>
-              <a:rPr lang="fr-FR" smtClean="0"/>
+              <a:rPr lang="fr-FR"/>
               <a:t>Quatrième niveau</a:t>
             </a:r>
           </a:p>
           <a:p>
             <a:pPr lvl="4"/>
             <a:r>
-              <a:rPr lang="fr-FR" smtClean="0"/>
+              <a:rPr lang="fr-FR"/>
               <a:t>Cinquième niveau</a:t>
             </a:r>
-            <a:endParaRPr lang="fr-FR"/>
           </a:p>
         </p:txBody>
       </p:sp>
@@ -2589,7 +2571,7 @@
             <a:pPr eaLnBrk="1" hangingPunct="1">
               <a:defRPr/>
             </a:pPr>
-            <a:endParaRPr lang="fr-FR" altLang="fr-FR" smtClean="0"/>
+            <a:endParaRPr lang="fr-FR" altLang="fr-FR"/>
           </a:p>
         </p:txBody>
       </p:sp>
@@ -2743,7 +2725,7 @@
               <a:defRPr/>
             </a:pPr>
             <a:r>
-              <a:rPr lang="fr-FR" sz="1200" dirty="0" smtClean="0"/>
+              <a:rPr lang="fr-FR" sz="1200" dirty="0"/>
               <a:t>Page </a:t>
             </a:r>
             <a:fld id="{E218E9B1-FD08-4C80-902E-210BA2967D0D}" type="slidenum">
@@ -2756,7 +2738,7 @@
               </a:pPr>
               <a:t>‹N°›</a:t>
             </a:fld>
-            <a:endParaRPr lang="fr-FR" dirty="0" smtClean="0">
+            <a:endParaRPr lang="fr-FR" dirty="0">
               <a:latin typeface="Times New Roman" pitchFamily="18" charset="0"/>
             </a:endParaRPr>
           </a:p>
@@ -2912,10 +2894,10 @@
               <a:defRPr/>
             </a:pPr>
             <a:r>
-              <a:rPr lang="fr-FR" sz="1600" dirty="0" smtClean="0"/>
+              <a:rPr lang="fr-FR" sz="1600" dirty="0"/>
               <a:t>Python</a:t>
             </a:r>
-            <a:endParaRPr lang="fr-FR" dirty="0" smtClean="0">
+            <a:endParaRPr lang="fr-FR" dirty="0">
               <a:latin typeface="Times New Roman" pitchFamily="18" charset="0"/>
             </a:endParaRPr>
           </a:p>
@@ -2973,7 +2955,7 @@
           <a:p>
             <a:pPr lvl="0"/>
             <a:r>
-              <a:rPr lang="fr-FR" altLang="fr-FR" smtClean="0"/>
+              <a:rPr lang="fr-FR" altLang="fr-FR"/>
               <a:t>Cliquez pour modifier le style du titre du masque</a:t>
             </a:r>
           </a:p>
@@ -3031,35 +3013,35 @@
           <a:p>
             <a:pPr lvl="0"/>
             <a:r>
-              <a:rPr lang="fr-FR" altLang="fr-FR" smtClean="0"/>
+              <a:rPr lang="fr-FR" altLang="fr-FR"/>
               <a:t>Cliquez pour modifier les styles du texte du masque</a:t>
             </a:r>
           </a:p>
           <a:p>
             <a:pPr lvl="1"/>
             <a:r>
-              <a:rPr lang="fr-FR" altLang="fr-FR" smtClean="0"/>
+              <a:rPr lang="fr-FR" altLang="fr-FR"/>
               <a:t>Deuxième niveau</a:t>
             </a:r>
           </a:p>
           <a:p>
             <a:pPr lvl="2"/>
             <a:r>
-              <a:rPr lang="fr-FR" altLang="fr-FR" smtClean="0"/>
+              <a:rPr lang="fr-FR" altLang="fr-FR"/>
               <a:t>Troisième niveau</a:t>
             </a:r>
           </a:p>
           <a:p>
             <a:pPr lvl="3"/>
             <a:r>
-              <a:rPr lang="fr-FR" altLang="fr-FR" smtClean="0"/>
+              <a:rPr lang="fr-FR" altLang="fr-FR"/>
               <a:t>Quatrième niveau</a:t>
             </a:r>
           </a:p>
           <a:p>
             <a:pPr lvl="4"/>
             <a:r>
-              <a:rPr lang="fr-FR" altLang="fr-FR" smtClean="0"/>
+              <a:rPr lang="fr-FR" altLang="fr-FR"/>
               <a:t>Cinquième niveau</a:t>
             </a:r>
           </a:p>
@@ -3215,10 +3197,10 @@
               <a:defRPr/>
             </a:pPr>
             <a:r>
-              <a:rPr lang="fr-FR" sz="1200" smtClean="0"/>
+              <a:rPr lang="fr-FR" sz="1200"/>
               <a:t>© Cyril Vincent Conseil</a:t>
             </a:r>
-            <a:endParaRPr lang="fr-FR" smtClean="0">
+            <a:endParaRPr lang="fr-FR">
               <a:latin typeface="Times New Roman" pitchFamily="18" charset="0"/>
             </a:endParaRPr>
           </a:p>
@@ -3700,14 +3682,14 @@
           <a:p>
             <a:pPr eaLnBrk="1" hangingPunct="1"/>
             <a:r>
-              <a:rPr lang="fr-FR" altLang="fr-FR" dirty="0" smtClean="0"/>
+              <a:rPr lang="fr-FR" altLang="fr-FR" dirty="0"/>
               <a:t>Chapitre 15</a:t>
             </a:r>
           </a:p>
           <a:p>
             <a:pPr eaLnBrk="1" hangingPunct="1"/>
             <a:r>
-              <a:rPr lang="fr-FR" altLang="fr-FR" dirty="0" smtClean="0"/>
+              <a:rPr lang="fr-FR" altLang="fr-FR" dirty="0"/>
               <a:t>Autres</a:t>
             </a:r>
           </a:p>
@@ -3760,14 +3742,13 @@
           <a:lstStyle/>
           <a:p>
             <a:r>
-              <a:rPr lang="fr-FR" sz="3600" dirty="0" err="1" smtClean="0"/>
+              <a:rPr lang="fr-FR" sz="3600" dirty="0" err="1"/>
               <a:t>Deep</a:t>
             </a:r>
             <a:r>
-              <a:rPr lang="fr-FR" sz="3600" dirty="0" smtClean="0"/>
+              <a:rPr lang="fr-FR" sz="3600" dirty="0"/>
               <a:t> Learning</a:t>
             </a:r>
-            <a:endParaRPr lang="fr-FR" sz="3600" dirty="0"/>
           </a:p>
         </p:txBody>
       </p:sp>
@@ -3817,13 +3798,6 @@
   <p:clrMapOvr>
     <a:masterClrMapping/>
   </p:clrMapOvr>
-  <p:timing>
-    <p:tnLst>
-      <p:par>
-        <p:cTn id="1" dur="indefinite" restart="never" nodeType="tmRoot"/>
-      </p:par>
-    </p:tnLst>
-  </p:timing>
 </p:sld>
 </file>
 
@@ -3860,10 +3834,9 @@
           <a:lstStyle/>
           <a:p>
             <a:r>
-              <a:rPr lang="fr-FR" dirty="0" smtClean="0"/>
+              <a:rPr lang="fr-FR" dirty="0"/>
               <a:t>LSTM</a:t>
             </a:r>
-            <a:endParaRPr lang="fr-FR" dirty="0"/>
           </a:p>
         </p:txBody>
       </p:sp>
@@ -3883,20 +3856,20 @@
           <a:lstStyle/>
           <a:p>
             <a:r>
-              <a:rPr lang="fr-FR" dirty="0" smtClean="0"/>
+              <a:rPr lang="fr-FR" dirty="0"/>
               <a:t>Un Layer LSTM contient 4 </a:t>
             </a:r>
             <a:r>
-              <a:rPr lang="fr-FR" dirty="0" err="1" smtClean="0"/>
+              <a:rPr lang="fr-FR" dirty="0" err="1"/>
               <a:t>layers</a:t>
             </a:r>
             <a:r>
-              <a:rPr lang="fr-FR" dirty="0" smtClean="0"/>
+              <a:rPr lang="fr-FR" dirty="0"/>
               <a:t> custom</a:t>
             </a:r>
           </a:p>
           <a:p>
-            <a:endParaRPr lang="fr-FR" dirty="0" smtClean="0"/>
+            <a:endParaRPr lang="fr-FR" dirty="0"/>
           </a:p>
           <a:p>
             <a:pPr lvl="1"/>
@@ -3996,13 +3969,6 @@
   <p:clrMapOvr>
     <a:masterClrMapping/>
   </p:clrMapOvr>
-  <p:timing>
-    <p:tnLst>
-      <p:par>
-        <p:cTn id="1" dur="indefinite" restart="never" nodeType="tmRoot"/>
-      </p:par>
-    </p:tnLst>
-  </p:timing>
 </p:sld>
 </file>
 
@@ -4039,10 +4005,9 @@
           <a:lstStyle/>
           <a:p>
             <a:r>
-              <a:rPr lang="fr-FR" dirty="0" smtClean="0"/>
+              <a:rPr lang="fr-FR" dirty="0"/>
               <a:t>LSTM</a:t>
             </a:r>
-            <a:endParaRPr lang="fr-FR" dirty="0"/>
           </a:p>
         </p:txBody>
       </p:sp>
@@ -4062,10 +4027,9 @@
           <a:lstStyle/>
           <a:p>
             <a:r>
-              <a:rPr lang="fr-FR" dirty="0" smtClean="0"/>
+              <a:rPr lang="fr-FR" dirty="0"/>
               <a:t>De nombreuses variantes existent</a:t>
             </a:r>
-            <a:endParaRPr lang="fr-FR" dirty="0"/>
           </a:p>
         </p:txBody>
       </p:sp>
@@ -4120,13 +4084,6 @@
   <p:clrMapOvr>
     <a:masterClrMapping/>
   </p:clrMapOvr>
-  <p:timing>
-    <p:tnLst>
-      <p:par>
-        <p:cTn id="1" dur="indefinite" restart="never" nodeType="tmRoot"/>
-      </p:par>
-    </p:tnLst>
-  </p:timing>
 </p:sld>
 </file>
 
@@ -4163,11 +4120,11 @@
           <a:lstStyle/>
           <a:p>
             <a:r>
-              <a:rPr lang="fr-FR" dirty="0" smtClean="0"/>
+              <a:rPr lang="fr-FR" dirty="0"/>
               <a:t>Réseaux </a:t>
             </a:r>
             <a:r>
-              <a:rPr lang="fr-FR" dirty="0" err="1" smtClean="0"/>
+              <a:rPr lang="fr-FR" dirty="0" err="1"/>
               <a:t>déconvolutifs</a:t>
             </a:r>
             <a:endParaRPr lang="fr-FR" dirty="0"/>
@@ -4190,13 +4147,13 @@
           <a:lstStyle/>
           <a:p>
             <a:r>
-              <a:rPr lang="fr-FR" dirty="0" smtClean="0"/>
+              <a:rPr lang="fr-FR" dirty="0"/>
               <a:t>Permet de construire de l'information</a:t>
             </a:r>
           </a:p>
           <a:p>
             <a:r>
-              <a:rPr lang="fr-FR" dirty="0" smtClean="0"/>
+              <a:rPr lang="fr-FR" dirty="0"/>
               <a:t>U-net est le plus connu</a:t>
             </a:r>
           </a:p>
@@ -4256,13 +4213,6 @@
   <p:clrMapOvr>
     <a:masterClrMapping/>
   </p:clrMapOvr>
-  <p:timing>
-    <p:tnLst>
-      <p:par>
-        <p:cTn id="1" dur="indefinite" restart="never" nodeType="tmRoot"/>
-      </p:par>
-    </p:tnLst>
-  </p:timing>
 </p:sld>
 </file>
 
@@ -4299,10 +4249,9 @@
           <a:lstStyle/>
           <a:p>
             <a:r>
-              <a:rPr lang="fr-FR" dirty="0" smtClean="0"/>
+              <a:rPr lang="fr-FR" dirty="0"/>
               <a:t>Conv2dTranspose</a:t>
             </a:r>
-            <a:endParaRPr lang="fr-FR" dirty="0"/>
           </a:p>
         </p:txBody>
       </p:sp>
@@ -4322,64 +4271,64 @@
           <a:lstStyle/>
           <a:p>
             <a:r>
-              <a:rPr lang="fr-FR" dirty="0" smtClean="0"/>
+              <a:rPr lang="fr-FR" dirty="0"/>
               <a:t>Effectue une </a:t>
             </a:r>
             <a:r>
-              <a:rPr lang="fr-FR" dirty="0" err="1" smtClean="0"/>
+              <a:rPr lang="fr-FR" dirty="0" err="1"/>
               <a:t>déconvolution</a:t>
             </a:r>
-            <a:endParaRPr lang="fr-FR" dirty="0" smtClean="0"/>
+            <a:endParaRPr lang="fr-FR" dirty="0"/>
           </a:p>
           <a:p>
             <a:pPr lvl="1"/>
             <a:r>
-              <a:rPr lang="fr-FR" dirty="0" smtClean="0"/>
+              <a:rPr lang="fr-FR" dirty="0"/>
               <a:t>Inverse la convolution et le </a:t>
             </a:r>
             <a:r>
-              <a:rPr lang="fr-FR" dirty="0" err="1" smtClean="0"/>
+              <a:rPr lang="fr-FR" dirty="0" err="1"/>
               <a:t>pooling</a:t>
             </a:r>
-            <a:endParaRPr lang="fr-FR" dirty="0" smtClean="0"/>
+            <a:endParaRPr lang="fr-FR" dirty="0"/>
           </a:p>
           <a:p>
             <a:pPr lvl="1"/>
             <a:r>
-              <a:rPr lang="fr-FR" dirty="0" smtClean="0"/>
+              <a:rPr lang="fr-FR" dirty="0"/>
               <a:t>Le nombre de possibilité est très élevé</a:t>
             </a:r>
           </a:p>
           <a:p>
             <a:pPr lvl="1"/>
             <a:r>
-              <a:rPr lang="fr-FR" dirty="0" smtClean="0"/>
+              <a:rPr lang="fr-FR" dirty="0"/>
               <a:t>Le paramètre de Conv2dTranspose est le nombre de fenêtre de </a:t>
             </a:r>
             <a:r>
-              <a:rPr lang="fr-FR" dirty="0" err="1" smtClean="0"/>
+              <a:rPr lang="fr-FR" dirty="0" err="1"/>
               <a:t>déconvolution</a:t>
             </a:r>
             <a:r>
-              <a:rPr lang="fr-FR" dirty="0" smtClean="0"/>
+              <a:rPr lang="fr-FR" dirty="0"/>
               <a:t> possible</a:t>
             </a:r>
           </a:p>
           <a:p>
             <a:pPr lvl="1"/>
             <a:r>
-              <a:rPr lang="fr-FR" dirty="0" smtClean="0"/>
+              <a:rPr lang="fr-FR" dirty="0"/>
               <a:t>Ce sont les poids du layer</a:t>
             </a:r>
           </a:p>
           <a:p>
             <a:pPr lvl="1"/>
             <a:r>
-              <a:rPr lang="fr-FR" dirty="0" smtClean="0"/>
+              <a:rPr lang="fr-FR" dirty="0"/>
               <a:t>Reconstruit une image haute définition à partir d’une </a:t>
             </a:r>
             <a:r>
-              <a:rPr lang="fr-FR" smtClean="0"/>
+              <a:rPr lang="fr-FR"/>
               <a:t>basse résolution</a:t>
             </a:r>
             <a:endParaRPr lang="fr-FR" dirty="0"/>
@@ -4396,13 +4345,6 @@
   <p:clrMapOvr>
     <a:masterClrMapping/>
   </p:clrMapOvr>
-  <p:timing>
-    <p:tnLst>
-      <p:par>
-        <p:cTn id="1" dur="indefinite" restart="never" nodeType="tmRoot"/>
-      </p:par>
-    </p:tnLst>
-  </p:timing>
 </p:sld>
 </file>
 
@@ -4439,15 +4381,15 @@
           <a:lstStyle/>
           <a:p>
             <a:r>
-              <a:rPr lang="fr-FR" dirty="0" err="1" smtClean="0"/>
+              <a:rPr lang="fr-FR" dirty="0" err="1"/>
               <a:t>TensorFlow</a:t>
             </a:r>
             <a:r>
-              <a:rPr lang="fr-FR" dirty="0" smtClean="0"/>
+              <a:rPr lang="fr-FR" dirty="0"/>
               <a:t> </a:t>
             </a:r>
             <a:r>
-              <a:rPr lang="fr-FR" dirty="0" err="1" smtClean="0"/>
+              <a:rPr lang="fr-FR" dirty="0" err="1"/>
               <a:t>AlphaGo</a:t>
             </a:r>
             <a:endParaRPr lang="fr-FR" dirty="0"/>
@@ -4470,11 +4412,11 @@
           <a:lstStyle/>
           <a:p>
             <a:r>
-              <a:rPr lang="fr-FR" dirty="0" smtClean="0"/>
+              <a:rPr lang="fr-FR" dirty="0"/>
               <a:t>IBM </a:t>
             </a:r>
             <a:r>
-              <a:rPr lang="fr-FR" dirty="0" err="1" smtClean="0"/>
+              <a:rPr lang="fr-FR" dirty="0" err="1"/>
               <a:t>DeepBlue</a:t>
             </a:r>
             <a:endParaRPr lang="fr-FR" dirty="0"/>
@@ -4482,89 +4424,84 @@
           <a:p>
             <a:pPr lvl="1"/>
             <a:r>
-              <a:rPr lang="fr-FR" dirty="0" smtClean="0"/>
+              <a:rPr lang="fr-FR" dirty="0"/>
               <a:t>Bas Kasparov en 1997</a:t>
             </a:r>
+          </a:p>
+          <a:p>
+            <a:r>
+              <a:rPr lang="fr-FR" dirty="0" err="1"/>
+              <a:t>AlphaGo</a:t>
+            </a:r>
             <a:endParaRPr lang="fr-FR" dirty="0"/>
           </a:p>
           <a:p>
-            <a:r>
-              <a:rPr lang="fr-FR" dirty="0" err="1" smtClean="0"/>
-              <a:t>AlphaGo</a:t>
-            </a:r>
-            <a:endParaRPr lang="fr-FR" dirty="0" smtClean="0"/>
-          </a:p>
-          <a:p>
             <a:pPr lvl="1"/>
             <a:r>
-              <a:rPr lang="fr-FR" dirty="0" smtClean="0"/>
+              <a:rPr lang="fr-FR" dirty="0"/>
               <a:t>Développé par Google </a:t>
             </a:r>
             <a:r>
-              <a:rPr lang="fr-FR" dirty="0" err="1" smtClean="0"/>
+              <a:rPr lang="fr-FR" dirty="0" err="1"/>
               <a:t>DeepMind</a:t>
             </a:r>
-            <a:endParaRPr lang="fr-FR" dirty="0" smtClean="0"/>
+            <a:endParaRPr lang="fr-FR" dirty="0"/>
           </a:p>
           <a:p>
             <a:pPr lvl="1"/>
             <a:r>
-              <a:rPr lang="fr-FR" dirty="0" smtClean="0"/>
+              <a:rPr lang="fr-FR" dirty="0"/>
               <a:t>Bas un pro en 2015</a:t>
             </a:r>
           </a:p>
           <a:p>
             <a:pPr lvl="1"/>
             <a:r>
-              <a:rPr lang="fr-FR" dirty="0" smtClean="0"/>
+              <a:rPr lang="fr-FR" dirty="0"/>
               <a:t>Ingère une énorme base de données de parties de Go</a:t>
             </a:r>
           </a:p>
           <a:p>
             <a:pPr lvl="1"/>
             <a:r>
-              <a:rPr lang="fr-FR" dirty="0" smtClean="0"/>
+              <a:rPr lang="fr-FR" dirty="0"/>
               <a:t>Parcours de graphe</a:t>
             </a:r>
           </a:p>
           <a:p>
             <a:pPr lvl="1"/>
             <a:r>
-              <a:rPr lang="fr-FR" dirty="0" smtClean="0"/>
-              <a:t>Deux réseaux de neurone</a:t>
+              <a:rPr lang="fr-FR" dirty="0"/>
+              <a:t>Deux réseaux de neurones</a:t>
             </a:r>
           </a:p>
           <a:p>
             <a:pPr lvl="2"/>
             <a:r>
-              <a:rPr lang="fr-FR" dirty="0" smtClean="0"/>
+              <a:rPr lang="fr-FR" dirty="0"/>
               <a:t>Un pour les valeurs, un autre pour les objectifs</a:t>
             </a:r>
           </a:p>
           <a:p>
             <a:pPr lvl="1"/>
             <a:r>
-              <a:rPr lang="fr-FR" dirty="0" smtClean="0"/>
+              <a:rPr lang="fr-FR" dirty="0"/>
               <a:t>Joue contre lui même</a:t>
             </a:r>
           </a:p>
           <a:p>
             <a:pPr lvl="1"/>
             <a:r>
-              <a:rPr lang="fr-FR" dirty="0" smtClean="0"/>
+              <a:rPr lang="fr-FR" dirty="0"/>
               <a:t>Bas Lee </a:t>
             </a:r>
             <a:r>
-              <a:rPr lang="fr-FR" dirty="0" err="1" smtClean="0"/>
+              <a:rPr lang="fr-FR" dirty="0" err="1"/>
               <a:t>Sedol</a:t>
             </a:r>
             <a:r>
-              <a:rPr lang="fr-FR" dirty="0" smtClean="0"/>
-              <a:t> le n°1 mondial en </a:t>
-            </a:r>
-            <a:r>
-              <a:rPr lang="fr-FR" dirty="0" smtClean="0"/>
-              <a:t>2017</a:t>
+              <a:rPr lang="fr-FR" dirty="0"/>
+              <a:t> le n°1 mondial en 2017</a:t>
             </a:r>
           </a:p>
         </p:txBody>
@@ -4620,13 +4557,6 @@
   <p:clrMapOvr>
     <a:masterClrMapping/>
   </p:clrMapOvr>
-  <p:timing>
-    <p:tnLst>
-      <p:par>
-        <p:cTn id="1" dur="indefinite" restart="never" nodeType="tmRoot"/>
-      </p:par>
-    </p:tnLst>
-  </p:timing>
 </p:sld>
 </file>
 
@@ -4663,10 +4593,9 @@
           <a:lstStyle/>
           <a:p>
             <a:r>
-              <a:rPr lang="fr-FR" dirty="0" smtClean="0"/>
+              <a:rPr lang="fr-FR" dirty="0"/>
               <a:t>Move 37!</a:t>
             </a:r>
-            <a:endParaRPr lang="fr-FR" dirty="0"/>
           </a:p>
         </p:txBody>
       </p:sp>
@@ -4691,94 +4620,78 @@
           <a:lstStyle/>
           <a:p>
             <a:r>
-              <a:rPr lang="fr-FR" sz="2000" dirty="0" err="1" smtClean="0"/>
+              <a:rPr lang="fr-FR" sz="2000" dirty="0" err="1"/>
               <a:t>AlphaGo</a:t>
             </a:r>
             <a:r>
-              <a:rPr lang="fr-FR" sz="2000" dirty="0" smtClean="0"/>
+              <a:rPr lang="fr-FR" sz="2000" dirty="0"/>
               <a:t> </a:t>
             </a:r>
             <a:r>
-              <a:rPr lang="fr-FR" sz="2000" dirty="0" err="1" smtClean="0"/>
+              <a:rPr lang="fr-FR" sz="2000" dirty="0" err="1"/>
               <a:t>Zero</a:t>
             </a:r>
-            <a:endParaRPr lang="fr-FR" sz="2000" dirty="0" smtClean="0"/>
+            <a:endParaRPr lang="fr-FR" sz="2000" dirty="0"/>
           </a:p>
           <a:p>
             <a:pPr lvl="1"/>
             <a:r>
               <a:rPr lang="fr-FR" sz="1800" dirty="0"/>
-              <a:t>Article publié sur </a:t>
-            </a:r>
-            <a:r>
-              <a:rPr lang="fr-FR" sz="1800" dirty="0" smtClean="0"/>
-              <a:t>Arxiv.org en 2017</a:t>
+              <a:t>Article publié sur Arxiv.org en 2017</a:t>
             </a:r>
           </a:p>
           <a:p>
             <a:pPr lvl="1"/>
             <a:r>
-              <a:rPr lang="fr-FR" sz="1800" dirty="0" smtClean="0"/>
+              <a:rPr lang="fr-FR" sz="1800" dirty="0"/>
               <a:t>Simplifie </a:t>
             </a:r>
             <a:r>
-              <a:rPr lang="fr-FR" sz="1800" dirty="0" err="1" smtClean="0"/>
+              <a:rPr lang="fr-FR" sz="1800" dirty="0" err="1"/>
               <a:t>AlphaGo</a:t>
             </a:r>
-            <a:endParaRPr lang="fr-FR" sz="1800" dirty="0" smtClean="0"/>
+            <a:endParaRPr lang="fr-FR" sz="1800" dirty="0"/>
           </a:p>
           <a:p>
             <a:pPr lvl="1"/>
             <a:r>
-              <a:rPr lang="fr-FR" sz="1800" dirty="0" smtClean="0"/>
+              <a:rPr lang="fr-FR" sz="1800" dirty="0"/>
               <a:t>Un seul réseau</a:t>
             </a:r>
           </a:p>
           <a:p>
             <a:pPr lvl="1"/>
             <a:r>
-              <a:rPr lang="fr-FR" sz="1800" dirty="0" smtClean="0"/>
+              <a:rPr lang="fr-FR" sz="1800" dirty="0"/>
               <a:t>Aucune base de données</a:t>
             </a:r>
           </a:p>
           <a:p>
             <a:pPr lvl="1"/>
             <a:r>
-              <a:rPr lang="fr-FR" sz="1800" dirty="0" smtClean="0"/>
+              <a:rPr lang="fr-FR" sz="1800" dirty="0"/>
               <a:t>Joue contre lui-même</a:t>
             </a:r>
           </a:p>
           <a:p>
             <a:pPr lvl="1"/>
             <a:r>
-              <a:rPr lang="fr-FR" sz="1800" dirty="0" smtClean="0"/>
+              <a:rPr lang="fr-FR" sz="1800" dirty="0"/>
               <a:t>Les règles du jeu de Go sont codées en "dur"</a:t>
             </a:r>
           </a:p>
           <a:p>
             <a:pPr lvl="1"/>
             <a:r>
-              <a:rPr lang="fr-FR" sz="1800" dirty="0" smtClean="0"/>
-              <a:t>Bat </a:t>
-            </a:r>
-            <a:r>
               <a:rPr lang="fr-FR" sz="1800" dirty="0"/>
-              <a:t>un humain en 24h</a:t>
+              <a:t>Bat un humain en 24h</a:t>
             </a:r>
           </a:p>
           <a:p>
             <a:pPr lvl="1"/>
             <a:r>
-              <a:rPr lang="fr-FR" sz="1800" dirty="0" smtClean="0"/>
-              <a:t>Bat </a:t>
-            </a:r>
-            <a:r>
               <a:rPr lang="fr-FR" sz="1800" dirty="0"/>
-              <a:t>un champion du monde en 3 </a:t>
-            </a:r>
-            <a:r>
-              <a:rPr lang="fr-FR" sz="1800" dirty="0" smtClean="0"/>
-              <a:t>jours</a:t>
+              <a:t>Bat un champion du monde en 3 jours</a:t>
             </a:r>
           </a:p>
           <a:p>
@@ -4787,7 +4700,7 @@
           </a:p>
           <a:p>
             <a:pPr lvl="1"/>
-            <a:endParaRPr lang="fr-FR" sz="1800" dirty="0" smtClean="0"/>
+            <a:endParaRPr lang="fr-FR" sz="1800" dirty="0"/>
           </a:p>
         </p:txBody>
       </p:sp>
@@ -4825,13 +4738,6 @@
   <p:clrMapOvr>
     <a:masterClrMapping/>
   </p:clrMapOvr>
-  <p:timing>
-    <p:tnLst>
-      <p:par>
-        <p:cTn id="1" dur="indefinite" restart="never" nodeType="tmRoot"/>
-      </p:par>
-    </p:tnLst>
-  </p:timing>
 </p:sld>
 </file>
 
@@ -4868,11 +4774,11 @@
           <a:lstStyle/>
           <a:p>
             <a:r>
-              <a:rPr lang="fr-FR" dirty="0" smtClean="0"/>
+              <a:rPr lang="fr-FR" dirty="0"/>
               <a:t>Alpha </a:t>
             </a:r>
             <a:r>
-              <a:rPr lang="fr-FR" dirty="0" err="1" smtClean="0"/>
+              <a:rPr lang="fr-FR" dirty="0" err="1"/>
               <a:t>Zero</a:t>
             </a:r>
             <a:endParaRPr lang="fr-FR" dirty="0"/>
@@ -4895,104 +4801,103 @@
           <a:lstStyle/>
           <a:p>
             <a:r>
-              <a:rPr lang="fr-FR" dirty="0" err="1" smtClean="0"/>
+              <a:rPr lang="fr-FR" dirty="0" err="1"/>
               <a:t>AlphaZero</a:t>
             </a:r>
-            <a:endParaRPr lang="fr-FR" dirty="0" smtClean="0"/>
+            <a:endParaRPr lang="fr-FR" dirty="0"/>
           </a:p>
           <a:p>
             <a:pPr lvl="1"/>
             <a:r>
-              <a:rPr lang="fr-FR" dirty="0" smtClean="0"/>
+              <a:rPr lang="fr-FR" dirty="0"/>
               <a:t>Version généraliste de </a:t>
             </a:r>
             <a:r>
-              <a:rPr lang="fr-FR" dirty="0" err="1" smtClean="0"/>
+              <a:rPr lang="fr-FR" dirty="0" err="1"/>
               <a:t>AlphaGo</a:t>
             </a:r>
-            <a:endParaRPr lang="fr-FR" dirty="0" smtClean="0"/>
+            <a:endParaRPr lang="fr-FR" dirty="0"/>
           </a:p>
           <a:p>
             <a:pPr lvl="1"/>
             <a:r>
-              <a:rPr lang="fr-FR" dirty="0" smtClean="0"/>
+              <a:rPr lang="fr-FR" dirty="0"/>
               <a:t>Echec, Go, </a:t>
             </a:r>
             <a:r>
-              <a:rPr lang="fr-FR" dirty="0" err="1" smtClean="0"/>
+              <a:rPr lang="fr-FR" dirty="0" err="1"/>
               <a:t>Shogi</a:t>
             </a:r>
             <a:r>
-              <a:rPr lang="fr-FR" dirty="0" smtClean="0"/>
+              <a:rPr lang="fr-FR" dirty="0"/>
               <a:t>, …</a:t>
             </a:r>
+          </a:p>
+          <a:p>
+            <a:r>
+              <a:rPr lang="fr-FR" dirty="0"/>
+              <a:t>Part de Zéro</a:t>
+            </a:r>
+          </a:p>
+          <a:p>
+            <a:pPr lvl="1"/>
+            <a:r>
+              <a:rPr lang="fr-FR" dirty="0"/>
+              <a:t>Est bien meilleurs qu'un apprentissage supervisé</a:t>
+            </a:r>
+          </a:p>
+          <a:p>
+            <a:pPr lvl="1"/>
+            <a:r>
+              <a:rPr lang="fr-FR" dirty="0"/>
+              <a:t>N'est as limité par l'intelligence humaine</a:t>
+            </a:r>
+          </a:p>
+          <a:p>
+            <a:pPr lvl="1"/>
+            <a:r>
+              <a:rPr lang="fr-FR" dirty="0"/>
+              <a:t>Bat un champion du monde en 4h</a:t>
+            </a:r>
+          </a:p>
+          <a:p>
+            <a:pPr lvl="1"/>
+            <a:r>
+              <a:rPr lang="fr-FR" dirty="0"/>
+              <a:t>Bat </a:t>
+            </a:r>
+            <a:r>
+              <a:rPr lang="fr-FR" dirty="0" err="1"/>
+              <a:t>AlphaGo</a:t>
+            </a:r>
+            <a:r>
+              <a:rPr lang="fr-FR" dirty="0"/>
+              <a:t> en 8h</a:t>
+            </a:r>
+          </a:p>
+          <a:p>
+            <a:pPr lvl="1"/>
+            <a:r>
+              <a:rPr lang="fr-FR" dirty="0"/>
+              <a:t>1700 </a:t>
+            </a:r>
+            <a:r>
+              <a:rPr lang="fr-FR" dirty="0" err="1"/>
+              <a:t>GPU.Year</a:t>
+            </a:r>
             <a:endParaRPr lang="fr-FR" dirty="0"/>
           </a:p>
           <a:p>
-            <a:r>
-              <a:rPr lang="fr-FR" dirty="0" smtClean="0"/>
-              <a:t>Part de Zéro</a:t>
-            </a:r>
-          </a:p>
-          <a:p>
             <a:pPr lvl="1"/>
-            <a:r>
-              <a:rPr lang="fr-FR" dirty="0" smtClean="0"/>
-              <a:t>Est bien meilleurs qu'un apprentissage supervisé</a:t>
-            </a:r>
+            <a:endParaRPr lang="fr-FR" dirty="0"/>
           </a:p>
           <a:p>
             <a:pPr lvl="1"/>
-            <a:r>
-              <a:rPr lang="fr-FR" dirty="0" smtClean="0"/>
-              <a:t>N'est as limité par l'intelligence humaine</a:t>
-            </a:r>
+            <a:endParaRPr lang="fr-FR" dirty="0"/>
           </a:p>
           <a:p>
             <a:pPr lvl="1"/>
-            <a:r>
-              <a:rPr lang="fr-FR" dirty="0" smtClean="0"/>
-              <a:t>Bat un champion du monde en 4h</a:t>
-            </a:r>
-          </a:p>
-          <a:p>
-            <a:pPr lvl="1"/>
-            <a:r>
-              <a:rPr lang="fr-FR" dirty="0" smtClean="0"/>
-              <a:t>Bat </a:t>
-            </a:r>
-            <a:r>
-              <a:rPr lang="fr-FR" dirty="0" err="1" smtClean="0"/>
-              <a:t>AlphaGo</a:t>
-            </a:r>
-            <a:r>
-              <a:rPr lang="fr-FR" dirty="0" smtClean="0"/>
-              <a:t> en 8h</a:t>
-            </a:r>
-          </a:p>
-          <a:p>
-            <a:pPr lvl="1"/>
-            <a:r>
-              <a:rPr lang="fr-FR" dirty="0" smtClean="0"/>
-              <a:t>1700 </a:t>
-            </a:r>
-            <a:r>
-              <a:rPr lang="fr-FR" dirty="0" err="1" smtClean="0"/>
-              <a:t>GPU.Year</a:t>
-            </a:r>
-            <a:endParaRPr lang="fr-FR" dirty="0" smtClean="0"/>
-          </a:p>
-          <a:p>
-            <a:pPr lvl="1"/>
-            <a:endParaRPr lang="fr-FR" dirty="0" smtClean="0"/>
-          </a:p>
-          <a:p>
-            <a:pPr lvl="1"/>
-            <a:endParaRPr lang="fr-FR" dirty="0" smtClean="0"/>
-          </a:p>
-          <a:p>
-            <a:pPr lvl="1"/>
-            <a:endParaRPr lang="fr-FR" dirty="0" smtClean="0"/>
+            <a:endParaRPr lang="fr-FR" dirty="0"/>
           </a:p>
         </p:txBody>
       </p:sp>
@@ -5030,13 +4935,6 @@
   <p:clrMapOvr>
     <a:masterClrMapping/>
   </p:clrMapOvr>
-  <p:timing>
-    <p:tnLst>
-      <p:par>
-        <p:cTn id="1" dur="indefinite" restart="never" nodeType="tmRoot"/>
-      </p:par>
-    </p:tnLst>
-  </p:timing>
 </p:sld>
 </file>
 
@@ -5073,7 +4971,7 @@
           <a:lstStyle/>
           <a:p>
             <a:r>
-              <a:rPr lang="fr-FR" dirty="0" err="1" smtClean="0"/>
+              <a:rPr lang="fr-FR" dirty="0" err="1"/>
               <a:t>AlphaZero</a:t>
             </a:r>
             <a:endParaRPr lang="fr-FR" dirty="0"/>
@@ -5096,19 +4994,19 @@
           <a:lstStyle/>
           <a:p>
             <a:r>
-              <a:rPr lang="fr-FR" dirty="0" smtClean="0"/>
+              <a:rPr lang="fr-FR" dirty="0"/>
               <a:t>Aux Echec </a:t>
             </a:r>
             <a:r>
-              <a:rPr lang="fr-FR" dirty="0" err="1" smtClean="0"/>
+              <a:rPr lang="fr-FR" dirty="0" err="1"/>
               <a:t>AlphaZero</a:t>
             </a:r>
             <a:r>
-              <a:rPr lang="fr-FR" dirty="0" smtClean="0"/>
+              <a:rPr lang="fr-FR" dirty="0"/>
               <a:t> bat </a:t>
             </a:r>
             <a:r>
-              <a:rPr lang="fr-FR" dirty="0" err="1" smtClean="0"/>
+              <a:rPr lang="fr-FR" dirty="0" err="1"/>
               <a:t>StockFish</a:t>
             </a:r>
             <a:endParaRPr lang="fr-FR" dirty="0"/>
@@ -5116,26 +5014,26 @@
           <a:p>
             <a:pPr lvl="1"/>
             <a:r>
-              <a:rPr lang="fr-FR" dirty="0" smtClean="0"/>
+              <a:rPr lang="fr-FR" dirty="0"/>
               <a:t>qui est une exploration d'arbre + base de données</a:t>
             </a:r>
           </a:p>
           <a:p>
             <a:pPr lvl="1"/>
             <a:r>
-              <a:rPr lang="fr-FR" dirty="0" smtClean="0"/>
+              <a:rPr lang="fr-FR" dirty="0"/>
               <a:t>Un des meilleurs réseau de neurone fait 64 </a:t>
             </a:r>
             <a:r>
-              <a:rPr lang="fr-FR" dirty="0" err="1" smtClean="0"/>
+              <a:rPr lang="fr-FR" dirty="0" err="1"/>
               <a:t>Layers</a:t>
             </a:r>
-            <a:endParaRPr lang="fr-FR" dirty="0" smtClean="0"/>
+            <a:endParaRPr lang="fr-FR" dirty="0"/>
           </a:p>
           <a:p>
             <a:pPr lvl="1"/>
             <a:r>
-              <a:rPr lang="fr-FR" dirty="0" smtClean="0"/>
+              <a:rPr lang="fr-FR" dirty="0"/>
               <a:t>Entre 50K et 100K neurones (34Mo)</a:t>
             </a:r>
           </a:p>
@@ -5179,13 +5077,6 @@
   <p:clrMapOvr>
     <a:masterClrMapping/>
   </p:clrMapOvr>
-  <p:timing>
-    <p:tnLst>
-      <p:par>
-        <p:cTn id="1" dur="indefinite" restart="never" nodeType="tmRoot"/>
-      </p:par>
-    </p:tnLst>
-  </p:timing>
 </p:sld>
 </file>
 
@@ -5222,10 +5113,9 @@
           <a:lstStyle/>
           <a:p>
             <a:r>
-              <a:rPr lang="fr-FR" dirty="0" smtClean="0"/>
+              <a:rPr lang="fr-FR" dirty="0"/>
               <a:t>Les DATA</a:t>
             </a:r>
-            <a:endParaRPr lang="fr-FR" dirty="0"/>
           </a:p>
         </p:txBody>
       </p:sp>
@@ -5245,74 +5135,70 @@
           <a:lstStyle/>
           <a:p>
             <a:r>
-              <a:rPr lang="fr-FR" dirty="0" smtClean="0"/>
+              <a:rPr lang="fr-FR" dirty="0"/>
               <a:t>Alpha </a:t>
             </a:r>
             <a:r>
-              <a:rPr lang="fr-FR" dirty="0" err="1" smtClean="0"/>
+              <a:rPr lang="fr-FR" dirty="0" err="1"/>
               <a:t>Zero</a:t>
             </a:r>
             <a:r>
-              <a:rPr lang="fr-FR" dirty="0" smtClean="0"/>
+              <a:rPr lang="fr-FR" dirty="0"/>
               <a:t> n'est pas supervisé</a:t>
             </a:r>
           </a:p>
           <a:p>
             <a:pPr lvl="1"/>
             <a:r>
-              <a:rPr lang="fr-FR" dirty="0" smtClean="0"/>
+              <a:rPr lang="fr-FR" dirty="0"/>
               <a:t>Pour cela il a effectué 21 Million de parties pour battre Alpha Go Lee en 8h (730 parties / s)</a:t>
             </a:r>
           </a:p>
           <a:p>
             <a:pPr lvl="1"/>
             <a:r>
-              <a:rPr lang="fr-FR" dirty="0" smtClean="0"/>
+              <a:rPr lang="fr-FR" dirty="0"/>
               <a:t>44 Million de parties pour battre Stockfish aux échecs (</a:t>
             </a:r>
             <a:r>
-              <a:rPr lang="fr-FR" dirty="0" err="1" smtClean="0"/>
+              <a:rPr lang="fr-FR" dirty="0" err="1"/>
               <a:t>Algo</a:t>
             </a:r>
             <a:r>
-              <a:rPr lang="fr-FR" dirty="0" smtClean="0"/>
+              <a:rPr lang="fr-FR" dirty="0"/>
               <a:t> brut de force + heuristique d'arbre) en 4h (3055 parties / s)</a:t>
             </a:r>
           </a:p>
           <a:p>
             <a:r>
-              <a:rPr lang="fr-FR" dirty="0" smtClean="0"/>
+              <a:rPr lang="fr-FR" dirty="0"/>
               <a:t>En apprentissage supervisé le modèle Alpha peut fonctionner</a:t>
             </a:r>
           </a:p>
           <a:p>
             <a:pPr lvl="1"/>
             <a:r>
-              <a:rPr lang="fr-FR" dirty="0" smtClean="0"/>
+              <a:rPr lang="fr-FR" dirty="0"/>
               <a:t>Mais il faut &gt; 10 Millions de data supervisées</a:t>
             </a:r>
           </a:p>
           <a:p>
             <a:r>
               <a:rPr lang="fr-FR" dirty="0"/>
-              <a:t>U</a:t>
-            </a:r>
-            <a:r>
-              <a:rPr lang="fr-FR" dirty="0" smtClean="0"/>
-              <a:t>n réseau plus petit où pré-entrainer peut suffire sil le nombre de données est insuffisant</a:t>
+              <a:t>Un réseau plus petit où pré-entrainer peut suffire sil le nombre de données est insuffisant</a:t>
             </a:r>
           </a:p>
           <a:p>
             <a:pPr lvl="1"/>
             <a:r>
-              <a:rPr lang="fr-FR" dirty="0" smtClean="0"/>
+              <a:rPr lang="fr-FR" dirty="0"/>
               <a:t>Complexe à mettre en </a:t>
             </a:r>
             <a:r>
-              <a:rPr lang="fr-FR" dirty="0" err="1" smtClean="0"/>
+              <a:rPr lang="fr-FR" dirty="0" err="1"/>
               <a:t>oeuvre</a:t>
             </a:r>
-            <a:endParaRPr lang="fr-FR" dirty="0" smtClean="0"/>
+            <a:endParaRPr lang="fr-FR" dirty="0"/>
           </a:p>
           <a:p>
             <a:pPr lvl="1"/>
@@ -5330,13 +5216,6 @@
   <p:clrMapOvr>
     <a:masterClrMapping/>
   </p:clrMapOvr>
-  <p:timing>
-    <p:tnLst>
-      <p:par>
-        <p:cTn id="1" dur="indefinite" restart="never" nodeType="tmRoot"/>
-      </p:par>
-    </p:tnLst>
-  </p:timing>
 </p:sld>
 </file>
 
@@ -5373,10 +5252,9 @@
           <a:lstStyle/>
           <a:p>
             <a:r>
-              <a:rPr lang="fr-FR" dirty="0" smtClean="0"/>
+              <a:rPr lang="fr-FR" dirty="0"/>
               <a:t>Heuristiques</a:t>
             </a:r>
-            <a:endParaRPr lang="fr-FR" dirty="0"/>
           </a:p>
         </p:txBody>
       </p:sp>
@@ -5396,53 +5274,41 @@
           <a:lstStyle/>
           <a:p>
             <a:r>
-              <a:rPr lang="fr-FR" dirty="0" smtClean="0"/>
+              <a:rPr lang="fr-FR" dirty="0"/>
               <a:t>Les réseaux neuronaux étant gourmand en calcul le calcul réparti est presque obligatoire</a:t>
             </a:r>
           </a:p>
           <a:p>
             <a:r>
-              <a:rPr lang="fr-FR" dirty="0" smtClean="0"/>
+              <a:rPr lang="fr-FR" dirty="0"/>
               <a:t>Présence d’heuristiques</a:t>
             </a:r>
           </a:p>
           <a:p>
             <a:pPr lvl="1"/>
             <a:r>
-              <a:rPr lang="fr-FR" dirty="0" smtClean="0"/>
-              <a:t>Règles non démontrable qui permettent </a:t>
-            </a:r>
-            <a:r>
-              <a:rPr lang="fr-FR" dirty="0" smtClean="0"/>
-              <a:t>d’accélérer </a:t>
-            </a:r>
-            <a:r>
-              <a:rPr lang="fr-FR" dirty="0" smtClean="0"/>
-              <a:t>le traitement</a:t>
+              <a:rPr lang="fr-FR" dirty="0"/>
+              <a:t>Règles non démontrable qui permettent d’accélérer le traitement</a:t>
             </a:r>
           </a:p>
           <a:p>
             <a:pPr lvl="1"/>
             <a:r>
-              <a:rPr lang="fr-FR" dirty="0" smtClean="0"/>
-              <a:t>Par exemple en échec, la prise de la reine est trop couteuse pour </a:t>
-            </a:r>
-            <a:r>
-              <a:rPr lang="fr-FR" dirty="0" smtClean="0"/>
-              <a:t>continuer</a:t>
+              <a:rPr lang="fr-FR" dirty="0"/>
+              <a:t>Par exemple en échec, la prise de la reine est trop couteuse pour continuer</a:t>
             </a:r>
           </a:p>
           <a:p>
             <a:pPr lvl="1"/>
             <a:r>
-              <a:rPr lang="fr-FR" dirty="0" smtClean="0"/>
+              <a:rPr lang="fr-FR" dirty="0"/>
               <a:t>Le résultat d’une heuristique peut être injecter par </a:t>
             </a:r>
             <a:r>
-              <a:rPr lang="fr-FR" dirty="0" err="1" smtClean="0"/>
+              <a:rPr lang="fr-FR" dirty="0" err="1"/>
               <a:t>concatenate</a:t>
             </a:r>
-            <a:endParaRPr lang="fr-FR" dirty="0" smtClean="0"/>
+            <a:endParaRPr lang="fr-FR" dirty="0"/>
           </a:p>
           <a:p>
             <a:pPr lvl="1"/>
@@ -5460,13 +5326,6 @@
   <p:clrMapOvr>
     <a:masterClrMapping/>
   </p:clrMapOvr>
-  <p:timing>
-    <p:tnLst>
-      <p:par>
-        <p:cTn id="1" dur="indefinite" restart="never" nodeType="tmRoot"/>
-      </p:par>
-    </p:tnLst>
-  </p:timing>
 </p:sld>
 </file>
 
@@ -5503,10 +5362,9 @@
           <a:lstStyle/>
           <a:p>
             <a:r>
-              <a:rPr lang="fr-FR" dirty="0" smtClean="0"/>
+              <a:rPr lang="fr-FR" dirty="0"/>
               <a:t>CRNN</a:t>
             </a:r>
-            <a:endParaRPr lang="fr-FR" dirty="0"/>
           </a:p>
         </p:txBody>
       </p:sp>
@@ -5526,101 +5384,101 @@
           <a:lstStyle/>
           <a:p>
             <a:r>
-              <a:rPr lang="fr-FR" dirty="0" smtClean="0"/>
+              <a:rPr lang="fr-FR" dirty="0"/>
               <a:t>RNN</a:t>
             </a:r>
           </a:p>
           <a:p>
             <a:pPr lvl="1"/>
             <a:r>
-              <a:rPr lang="fr-FR" dirty="0" err="1" smtClean="0"/>
+              <a:rPr lang="fr-FR" dirty="0" err="1"/>
               <a:t>Recurent</a:t>
             </a:r>
             <a:r>
-              <a:rPr lang="fr-FR" dirty="0" smtClean="0"/>
+              <a:rPr lang="fr-FR" dirty="0"/>
               <a:t> Neural Network</a:t>
             </a:r>
           </a:p>
           <a:p>
             <a:pPr lvl="1"/>
             <a:r>
-              <a:rPr lang="fr-FR" dirty="0" smtClean="0"/>
+              <a:rPr lang="fr-FR" dirty="0"/>
               <a:t>Réseau sous forme de graphe et non d'arbre</a:t>
             </a:r>
           </a:p>
           <a:p>
             <a:r>
-              <a:rPr lang="fr-FR" dirty="0" err="1" smtClean="0"/>
+              <a:rPr lang="fr-FR" dirty="0" err="1"/>
               <a:t>Convulational</a:t>
             </a:r>
             <a:r>
-              <a:rPr lang="fr-FR" dirty="0" smtClean="0"/>
+              <a:rPr lang="fr-FR" dirty="0"/>
               <a:t> </a:t>
             </a:r>
             <a:r>
-              <a:rPr lang="fr-FR" dirty="0" err="1" smtClean="0"/>
+              <a:rPr lang="fr-FR" dirty="0" err="1"/>
               <a:t>Recurent</a:t>
             </a:r>
             <a:r>
-              <a:rPr lang="fr-FR" dirty="0" smtClean="0"/>
+              <a:rPr lang="fr-FR" dirty="0"/>
               <a:t> Neural Network</a:t>
             </a:r>
           </a:p>
           <a:p>
             <a:pPr lvl="1"/>
             <a:r>
-              <a:rPr lang="fr-FR" dirty="0" smtClean="0"/>
+              <a:rPr lang="fr-FR" dirty="0"/>
               <a:t>CNN + RNN = CRNN</a:t>
             </a:r>
           </a:p>
           <a:p>
             <a:r>
-              <a:rPr lang="fr-FR" dirty="0" smtClean="0"/>
+              <a:rPr lang="fr-FR" dirty="0"/>
               <a:t>Réseaux </a:t>
             </a:r>
             <a:r>
-              <a:rPr lang="fr-FR" dirty="0" err="1" smtClean="0"/>
+              <a:rPr lang="fr-FR" dirty="0" err="1"/>
               <a:t>circonvolutif</a:t>
             </a:r>
-            <a:endParaRPr lang="fr-FR" dirty="0" smtClean="0"/>
+            <a:endParaRPr lang="fr-FR" dirty="0"/>
           </a:p>
           <a:p>
             <a:pPr lvl="1"/>
             <a:r>
-              <a:rPr lang="fr-FR" dirty="0" smtClean="0"/>
+              <a:rPr lang="fr-FR" dirty="0"/>
               <a:t>Le triplet </a:t>
             </a:r>
             <a:r>
-              <a:rPr lang="fr-FR" dirty="0" err="1" smtClean="0"/>
+              <a:rPr lang="fr-FR" dirty="0" err="1"/>
               <a:t>Conv</a:t>
             </a:r>
             <a:r>
-              <a:rPr lang="fr-FR" dirty="0" smtClean="0"/>
+              <a:rPr lang="fr-FR" dirty="0"/>
               <a:t> - </a:t>
             </a:r>
             <a:r>
-              <a:rPr lang="fr-FR" dirty="0" err="1" smtClean="0"/>
+              <a:rPr lang="fr-FR" dirty="0" err="1"/>
               <a:t>Regularization</a:t>
             </a:r>
             <a:r>
-              <a:rPr lang="fr-FR" dirty="0" smtClean="0"/>
+              <a:rPr lang="fr-FR" dirty="0"/>
               <a:t> - Pool est répété en boucle + CRNN</a:t>
             </a:r>
           </a:p>
           <a:p>
             <a:r>
-              <a:rPr lang="fr-FR" dirty="0" smtClean="0"/>
+              <a:rPr lang="fr-FR" dirty="0"/>
               <a:t>GRU</a:t>
             </a:r>
           </a:p>
           <a:p>
             <a:pPr lvl="1"/>
             <a:r>
-              <a:rPr lang="fr-FR" dirty="0" err="1" smtClean="0"/>
+              <a:rPr lang="fr-FR" dirty="0" err="1"/>
               <a:t>Gated</a:t>
             </a:r>
             <a:r>
-              <a:rPr lang="fr-FR" dirty="0" smtClean="0"/>
+              <a:rPr lang="fr-FR" dirty="0"/>
               <a:t> </a:t>
             </a:r>
             <a:r>
@@ -5629,31 +5487,21 @@
             </a:r>
             <a:r>
               <a:rPr lang="fr-FR" dirty="0"/>
-              <a:t> </a:t>
-            </a:r>
-            <a:r>
-              <a:rPr lang="fr-FR" dirty="0" smtClean="0"/>
-              <a:t>Unit </a:t>
-            </a:r>
+              <a:t> Unit </a:t>
+            </a:r>
+          </a:p>
+          <a:p>
+            <a:pPr lvl="1"/>
+            <a:r>
+              <a:rPr lang="fr-FR" dirty="0"/>
+              <a:t>Il s'agit d'un RNN avec une porte de sortie</a:t>
+            </a:r>
+          </a:p>
+          <a:p>
             <a:endParaRPr lang="fr-FR" dirty="0"/>
           </a:p>
           <a:p>
-            <a:pPr lvl="1"/>
-            <a:r>
-              <a:rPr lang="fr-FR" dirty="0"/>
-              <a:t>Il s'agit d'un RNN </a:t>
-            </a:r>
-            <a:r>
-              <a:rPr lang="fr-FR" dirty="0" smtClean="0"/>
-              <a:t>avec une porte de sortie</a:t>
-            </a:r>
             <a:endParaRPr lang="fr-FR" dirty="0"/>
-          </a:p>
-          <a:p>
-            <a:endParaRPr lang="fr-FR" dirty="0" smtClean="0"/>
-          </a:p>
-          <a:p>
-            <a:endParaRPr lang="fr-FR" dirty="0" smtClean="0"/>
           </a:p>
           <a:p>
             <a:pPr lvl="1"/>
@@ -5712,13 +5560,6 @@
   <p:clrMapOvr>
     <a:masterClrMapping/>
   </p:clrMapOvr>
-  <p:timing>
-    <p:tnLst>
-      <p:par>
-        <p:cTn id="1" dur="indefinite" restart="never" nodeType="tmRoot"/>
-      </p:par>
-    </p:tnLst>
-  </p:timing>
 </p:sld>
 </file>
 
@@ -5755,10 +5596,9 @@
           <a:lstStyle/>
           <a:p>
             <a:r>
-              <a:rPr lang="fr-FR" dirty="0" smtClean="0"/>
+              <a:rPr lang="fr-FR" dirty="0"/>
               <a:t>LSTM</a:t>
             </a:r>
-            <a:endParaRPr lang="fr-FR" dirty="0"/>
           </a:p>
         </p:txBody>
       </p:sp>
@@ -5778,54 +5618,54 @@
           <a:lstStyle/>
           <a:p>
             <a:r>
-              <a:rPr lang="fr-FR" dirty="0" smtClean="0"/>
+              <a:rPr lang="fr-FR" dirty="0"/>
               <a:t>Long Short </a:t>
             </a:r>
             <a:r>
-              <a:rPr lang="fr-FR" dirty="0" err="1" smtClean="0"/>
+              <a:rPr lang="fr-FR" dirty="0" err="1"/>
               <a:t>Term</a:t>
             </a:r>
             <a:r>
-              <a:rPr lang="fr-FR" dirty="0" smtClean="0"/>
+              <a:rPr lang="fr-FR" dirty="0"/>
               <a:t> Memory Network</a:t>
             </a:r>
           </a:p>
           <a:p>
             <a:pPr lvl="1"/>
             <a:r>
-              <a:rPr lang="fr-FR" dirty="0" smtClean="0"/>
+              <a:rPr lang="fr-FR" dirty="0"/>
               <a:t>Le problèmes des RNN est la données qui reste longtemps dans le neurone (Long </a:t>
             </a:r>
             <a:r>
-              <a:rPr lang="fr-FR" dirty="0" err="1" smtClean="0"/>
+              <a:rPr lang="fr-FR" dirty="0" err="1"/>
               <a:t>Term</a:t>
             </a:r>
             <a:r>
-              <a:rPr lang="fr-FR" dirty="0" smtClean="0"/>
+              <a:rPr lang="fr-FR" dirty="0"/>
               <a:t> Memory)</a:t>
             </a:r>
           </a:p>
           <a:p>
             <a:pPr lvl="1"/>
             <a:r>
-              <a:rPr lang="fr-FR" dirty="0" smtClean="0"/>
+              <a:rPr lang="fr-FR" dirty="0"/>
               <a:t>C’est-à-dire un grand nombre d'itération</a:t>
             </a:r>
           </a:p>
           <a:p>
             <a:r>
-              <a:rPr lang="fr-FR" dirty="0" smtClean="0"/>
+              <a:rPr lang="fr-FR" dirty="0"/>
               <a:t>LSTM change le mécanisme d'activation d'un neurone afin d'éviter un nombre d'itération trop élevé</a:t>
             </a:r>
           </a:p>
           <a:p>
             <a:r>
-              <a:rPr lang="fr-FR" dirty="0" smtClean="0"/>
+              <a:rPr lang="fr-FR" dirty="0"/>
               <a:t>RNN ou MLP classique :</a:t>
             </a:r>
           </a:p>
           <a:p>
-            <a:endParaRPr lang="fr-FR" dirty="0" smtClean="0"/>
+            <a:endParaRPr lang="fr-FR" dirty="0"/>
           </a:p>
           <a:p>
             <a:pPr lvl="1"/>
@@ -5884,13 +5724,6 @@
   <p:clrMapOvr>
     <a:masterClrMapping/>
   </p:clrMapOvr>
-  <p:timing>
-    <p:tnLst>
-      <p:par>
-        <p:cTn id="1" dur="indefinite" restart="never" nodeType="tmRoot"/>
-      </p:par>
-    </p:tnLst>
-  </p:timing>
 </p:sld>
 </file>
 
